--- a/en/ProgrammingLessons/advanced/Gyro.pptx
+++ b/en/ProgrammingLessons/advanced/Gyro.pptx
@@ -223,7 +223,7 @@
           <a:p>
             <a:fld id="{E354B44E-40A3-0E46-B16A-9BF1250A248B}" type="datetimeFigureOut">
               <a:rPr lang="en-US" smtClean="0"/>
-              <a:t>8/6/17</a:t>
+              <a:t>12/21/18</a:t>
             </a:fld>
             <a:endParaRPr lang="en-US"/>
           </a:p>
@@ -389,7 +389,7 @@
           <a:p>
             <a:fld id="{C86AD16C-2DB4-6642-BAD4-9ED973A087A0}" type="datetimeFigureOut">
               <a:rPr lang="en-US" smtClean="0"/>
-              <a:t>8/6/17</a:t>
+              <a:t>12/21/18</a:t>
             </a:fld>
             <a:endParaRPr lang="en-US"/>
           </a:p>
@@ -453,38 +453,37 @@
           <a:p>
             <a:pPr lvl="0"/>
             <a:r>
-              <a:rPr lang="en-US" smtClean="0"/>
+              <a:rPr lang="en-US"/>
               <a:t>Click to edit Master text styles</a:t>
             </a:r>
           </a:p>
           <a:p>
             <a:pPr lvl="1"/>
             <a:r>
-              <a:rPr lang="en-US" smtClean="0"/>
+              <a:rPr lang="en-US"/>
               <a:t>Second level</a:t>
             </a:r>
           </a:p>
           <a:p>
             <a:pPr lvl="2"/>
             <a:r>
-              <a:rPr lang="en-US" smtClean="0"/>
+              <a:rPr lang="en-US"/>
               <a:t>Third level</a:t>
             </a:r>
           </a:p>
           <a:p>
             <a:pPr lvl="3"/>
             <a:r>
-              <a:rPr lang="en-US" smtClean="0"/>
+              <a:rPr lang="en-US"/>
               <a:t>Fourth level</a:t>
             </a:r>
           </a:p>
           <a:p>
             <a:pPr lvl="4"/>
             <a:r>
-              <a:rPr lang="en-US" smtClean="0"/>
+              <a:rPr lang="en-US"/>
               <a:t>Fifth level</a:t>
             </a:r>
-            <a:endParaRPr lang="en-US"/>
           </a:p>
         </p:txBody>
       </p:sp>
@@ -1028,7 +1027,7 @@
           <a:p>
             <a:fld id="{B8CD61EB-86A7-2143-909A-671FBD4CCD5D}" type="datetime1">
               <a:rPr lang="en-US" smtClean="0"/>
-              <a:t>8/6/17</a:t>
+              <a:t>12/21/18</a:t>
             </a:fld>
             <a:endParaRPr lang="en-US"/>
           </a:p>
@@ -1050,7 +1049,7 @@
           <a:lstStyle/>
           <a:p>
             <a:r>
-              <a:rPr lang="sk-SK" smtClean="0"/>
+              <a:rPr lang="sk-SK"/>
               <a:t>© 2016 EV3Lessons.com</a:t>
             </a:r>
             <a:endParaRPr lang="en-US"/>
@@ -1321,7 +1320,7 @@
           </a:lstStyle>
           <a:p>
             <a:r>
-              <a:rPr lang="en-US" smtClean="0"/>
+              <a:rPr lang="en-US"/>
               <a:t>Click to edit Master title style</a:t>
             </a:r>
             <a:endParaRPr dirty="0"/>
@@ -1456,7 +1455,7 @@
           </a:lstStyle>
           <a:p>
             <a:r>
-              <a:rPr lang="en-US" smtClean="0"/>
+              <a:rPr lang="en-US"/>
               <a:t>Click to edit Master subtitle style</a:t>
             </a:r>
             <a:endParaRPr dirty="0"/>
@@ -1532,18 +1531,13 @@
           <a:lstStyle/>
           <a:p>
             <a:r>
-              <a:rPr lang="en-US" sz="3600" dirty="0" smtClean="0">
+              <a:rPr lang="en-US" sz="3600" dirty="0">
                 <a:solidFill>
                   <a:schemeClr val="bg1"/>
                 </a:solidFill>
               </a:rPr>
               <a:t>ADVANCED EV3 PROGRAMMING LESSON</a:t>
             </a:r>
-            <a:endParaRPr lang="en-US" sz="3600" dirty="0">
-              <a:solidFill>
-                <a:schemeClr val="bg1"/>
-              </a:solidFill>
-            </a:endParaRPr>
           </a:p>
         </p:txBody>
       </p:sp>
@@ -1579,7 +1573,7 @@
           <a:noFill/>
           <a:extLst>
             <a:ext uri="{909E8E84-426E-40dd-AFC4-6F175D3DCCD1}">
-              <a14:hiddenFill xmlns:a14="http://schemas.microsoft.com/office/drawing/2010/main" xmlns="">
+              <a14:hiddenFill xmlns="" xmlns:a14="http://schemas.microsoft.com/office/drawing/2010/main">
                 <a:solidFill>
                   <a:srgbClr val="FFFFFF"/>
                 </a:solidFill>
@@ -1633,13 +1627,6 @@
   <p:clrMapOvr>
     <a:masterClrMapping/>
   </p:clrMapOvr>
-  <p:timing>
-    <p:tnLst>
-      <p:par>
-        <p:cTn id="1" dur="indefinite" restart="never" nodeType="tmRoot"/>
-      </p:par>
-    </p:tnLst>
-  </p:timing>
 </p:sldLayout>
 </file>
 
@@ -1681,35 +1668,35 @@
           <a:p>
             <a:pPr lvl="0"/>
             <a:r>
-              <a:rPr lang="en-US" smtClean="0"/>
+              <a:rPr lang="en-US"/>
               <a:t>Click to edit Master text styles</a:t>
             </a:r>
           </a:p>
           <a:p>
             <a:pPr lvl="1"/>
             <a:r>
-              <a:rPr lang="en-US" smtClean="0"/>
+              <a:rPr lang="en-US"/>
               <a:t>Second level</a:t>
             </a:r>
           </a:p>
           <a:p>
             <a:pPr lvl="2"/>
             <a:r>
-              <a:rPr lang="en-US" smtClean="0"/>
+              <a:rPr lang="en-US"/>
               <a:t>Third level</a:t>
             </a:r>
           </a:p>
           <a:p>
             <a:pPr lvl="3"/>
             <a:r>
-              <a:rPr lang="en-US" smtClean="0"/>
+              <a:rPr lang="en-US"/>
               <a:t>Fourth level</a:t>
             </a:r>
           </a:p>
           <a:p>
             <a:pPr lvl="4"/>
             <a:r>
-              <a:rPr lang="en-US" smtClean="0"/>
+              <a:rPr lang="en-US"/>
               <a:t>Fifth level</a:t>
             </a:r>
             <a:endParaRPr dirty="0"/>
@@ -1733,7 +1720,7 @@
           <a:p>
             <a:fld id="{C100E592-9121-CD4C-A5D0-650E85B01007}" type="datetime1">
               <a:rPr lang="en-US" smtClean="0"/>
-              <a:t>8/6/17</a:t>
+              <a:t>12/21/18</a:t>
             </a:fld>
             <a:endParaRPr lang="en-US"/>
           </a:p>
@@ -1755,7 +1742,7 @@
           <a:lstStyle/>
           <a:p>
             <a:r>
-              <a:rPr lang="sk-SK" smtClean="0"/>
+              <a:rPr lang="sk-SK"/>
               <a:t>© 2016 EV3Lessons.com</a:t>
             </a:r>
             <a:endParaRPr lang="en-US"/>
@@ -1954,10 +1941,9 @@
           <a:lstStyle/>
           <a:p>
             <a:r>
-              <a:rPr lang="en-US" smtClean="0"/>
+              <a:rPr lang="en-US"/>
               <a:t>Click to edit Master title style</a:t>
             </a:r>
-            <a:endParaRPr lang="en-US"/>
           </a:p>
         </p:txBody>
       </p:sp>
@@ -1971,13 +1957,6 @@
   <p:clrMapOvr>
     <a:masterClrMapping/>
   </p:clrMapOvr>
-  <p:timing>
-    <p:tnLst>
-      <p:par>
-        <p:cTn id="1" dur="indefinite" restart="never" nodeType="tmRoot"/>
-      </p:par>
-    </p:tnLst>
-  </p:timing>
 </p:sldLayout>
 </file>
 
@@ -2019,10 +1998,9 @@
           <a:lstStyle/>
           <a:p>
             <a:r>
-              <a:rPr lang="en-US" smtClean="0"/>
+              <a:rPr lang="en-US"/>
               <a:t>Click to edit Master title style</a:t>
             </a:r>
-            <a:endParaRPr lang="en-US"/>
           </a:p>
         </p:txBody>
       </p:sp>
@@ -2196,7 +2174,7 @@
           <a:p>
             <a:fld id="{D17434C9-5DD5-BC42-8D00-C95AA05F9490}" type="datetime1">
               <a:rPr lang="en-US" smtClean="0"/>
-              <a:t>8/6/17</a:t>
+              <a:t>12/21/18</a:t>
             </a:fld>
             <a:endParaRPr lang="en-US" dirty="0"/>
           </a:p>
@@ -2218,7 +2196,7 @@
           <a:lstStyle/>
           <a:p>
             <a:r>
-              <a:rPr lang="sk-SK" smtClean="0"/>
+              <a:rPr lang="sk-SK"/>
               <a:t>© 2016 EV3Lessons.com</a:t>
             </a:r>
             <a:endParaRPr lang="en-US" dirty="0"/>
@@ -2267,13 +2245,6 @@
   <p:clrMapOvr>
     <a:masterClrMapping/>
   </p:clrMapOvr>
-  <p:timing>
-    <p:tnLst>
-      <p:par>
-        <p:cTn id="1" dur="indefinite" restart="never" nodeType="tmRoot"/>
-      </p:par>
-    </p:tnLst>
-  </p:timing>
 </p:sldLayout>
 </file>
 
@@ -2310,10 +2281,9 @@
           <a:lstStyle/>
           <a:p>
             <a:r>
-              <a:rPr lang="en-US" smtClean="0"/>
+              <a:rPr lang="en-US"/>
               <a:t>Click to edit Master title style</a:t>
             </a:r>
-            <a:endParaRPr lang="en-US"/>
           </a:p>
         </p:txBody>
       </p:sp>
@@ -2522,35 +2492,35 @@
           <a:p>
             <a:pPr lvl="0"/>
             <a:r>
-              <a:rPr lang="en-US" smtClean="0"/>
+              <a:rPr lang="en-US"/>
               <a:t>Click to edit Master text styles</a:t>
             </a:r>
           </a:p>
           <a:p>
             <a:pPr lvl="1"/>
             <a:r>
-              <a:rPr lang="en-US" smtClean="0"/>
+              <a:rPr lang="en-US"/>
               <a:t>Second level</a:t>
             </a:r>
           </a:p>
           <a:p>
             <a:pPr lvl="2"/>
             <a:r>
-              <a:rPr lang="en-US" smtClean="0"/>
+              <a:rPr lang="en-US"/>
               <a:t>Third level</a:t>
             </a:r>
           </a:p>
           <a:p>
             <a:pPr lvl="3"/>
             <a:r>
-              <a:rPr lang="en-US" smtClean="0"/>
+              <a:rPr lang="en-US"/>
               <a:t>Fourth level</a:t>
             </a:r>
           </a:p>
           <a:p>
             <a:pPr lvl="4"/>
             <a:r>
-              <a:rPr lang="en-US" smtClean="0"/>
+              <a:rPr lang="en-US"/>
               <a:t>Fifth level</a:t>
             </a:r>
             <a:endParaRPr dirty="0"/>
@@ -2609,35 +2579,35 @@
           <a:p>
             <a:pPr lvl="0"/>
             <a:r>
-              <a:rPr lang="en-US" smtClean="0"/>
+              <a:rPr lang="en-US"/>
               <a:t>Click to edit Master text styles</a:t>
             </a:r>
           </a:p>
           <a:p>
             <a:pPr lvl="1"/>
             <a:r>
-              <a:rPr lang="en-US" smtClean="0"/>
+              <a:rPr lang="en-US"/>
               <a:t>Second level</a:t>
             </a:r>
           </a:p>
           <a:p>
             <a:pPr lvl="2"/>
             <a:r>
-              <a:rPr lang="en-US" smtClean="0"/>
+              <a:rPr lang="en-US"/>
               <a:t>Third level</a:t>
             </a:r>
           </a:p>
           <a:p>
             <a:pPr lvl="3"/>
             <a:r>
-              <a:rPr lang="en-US" smtClean="0"/>
+              <a:rPr lang="en-US"/>
               <a:t>Fourth level</a:t>
             </a:r>
           </a:p>
           <a:p>
             <a:pPr lvl="4"/>
             <a:r>
-              <a:rPr lang="en-US" smtClean="0"/>
+              <a:rPr lang="en-US"/>
               <a:t>Fifth level</a:t>
             </a:r>
             <a:endParaRPr dirty="0"/>
@@ -2661,7 +2631,7 @@
           <a:p>
             <a:fld id="{3765F00A-3677-6146-BF75-826889CCEDCA}" type="datetime1">
               <a:rPr lang="en-US" smtClean="0"/>
-              <a:t>8/6/17</a:t>
+              <a:t>12/21/18</a:t>
             </a:fld>
             <a:endParaRPr lang="en-US"/>
           </a:p>
@@ -2838,13 +2808,6 @@
   <p:clrMapOvr>
     <a:masterClrMapping/>
   </p:clrMapOvr>
-  <p:timing>
-    <p:tnLst>
-      <p:par>
-        <p:cTn id="1" dur="indefinite" restart="never" nodeType="tmRoot"/>
-      </p:par>
-    </p:tnLst>
-  </p:timing>
 </p:sldLayout>
 </file>
 
@@ -2881,10 +2844,9 @@
           <a:lstStyle/>
           <a:p>
             <a:r>
-              <a:rPr lang="en-US" smtClean="0"/>
+              <a:rPr lang="en-US"/>
               <a:t>Click to edit Master title style</a:t>
             </a:r>
-            <a:endParaRPr lang="en-US"/>
           </a:p>
         </p:txBody>
       </p:sp>
@@ -3112,7 +3074,7 @@
           <a:p>
             <a:pPr lvl="0"/>
             <a:r>
-              <a:rPr lang="en-US" smtClean="0"/>
+              <a:rPr lang="en-US"/>
               <a:t>Click to edit Master text styles</a:t>
             </a:r>
           </a:p>
@@ -3170,35 +3132,35 @@
           <a:p>
             <a:pPr lvl="0"/>
             <a:r>
-              <a:rPr lang="en-US" smtClean="0"/>
+              <a:rPr lang="en-US"/>
               <a:t>Click to edit Master text styles</a:t>
             </a:r>
           </a:p>
           <a:p>
             <a:pPr lvl="1"/>
             <a:r>
-              <a:rPr lang="en-US" smtClean="0"/>
+              <a:rPr lang="en-US"/>
               <a:t>Second level</a:t>
             </a:r>
           </a:p>
           <a:p>
             <a:pPr lvl="2"/>
             <a:r>
-              <a:rPr lang="en-US" smtClean="0"/>
+              <a:rPr lang="en-US"/>
               <a:t>Third level</a:t>
             </a:r>
           </a:p>
           <a:p>
             <a:pPr lvl="3"/>
             <a:r>
-              <a:rPr lang="en-US" smtClean="0"/>
+              <a:rPr lang="en-US"/>
               <a:t>Fourth level</a:t>
             </a:r>
           </a:p>
           <a:p>
             <a:pPr lvl="4"/>
             <a:r>
-              <a:rPr lang="en-US" smtClean="0"/>
+              <a:rPr lang="en-US"/>
               <a:t>Fifth level</a:t>
             </a:r>
             <a:endParaRPr dirty="0"/>
@@ -3276,7 +3238,7 @@
           <a:p>
             <a:pPr lvl="0"/>
             <a:r>
-              <a:rPr lang="en-US" smtClean="0"/>
+              <a:rPr lang="en-US"/>
               <a:t>Click to edit Master text styles</a:t>
             </a:r>
           </a:p>
@@ -3334,35 +3296,35 @@
           <a:p>
             <a:pPr lvl="0"/>
             <a:r>
-              <a:rPr lang="en-US" smtClean="0"/>
+              <a:rPr lang="en-US"/>
               <a:t>Click to edit Master text styles</a:t>
             </a:r>
           </a:p>
           <a:p>
             <a:pPr lvl="1"/>
             <a:r>
-              <a:rPr lang="en-US" smtClean="0"/>
+              <a:rPr lang="en-US"/>
               <a:t>Second level</a:t>
             </a:r>
           </a:p>
           <a:p>
             <a:pPr lvl="2"/>
             <a:r>
-              <a:rPr lang="en-US" smtClean="0"/>
+              <a:rPr lang="en-US"/>
               <a:t>Third level</a:t>
             </a:r>
           </a:p>
           <a:p>
             <a:pPr lvl="3"/>
             <a:r>
-              <a:rPr lang="en-US" smtClean="0"/>
+              <a:rPr lang="en-US"/>
               <a:t>Fourth level</a:t>
             </a:r>
           </a:p>
           <a:p>
             <a:pPr lvl="4"/>
             <a:r>
-              <a:rPr lang="en-US" smtClean="0"/>
+              <a:rPr lang="en-US"/>
               <a:t>Fifth level</a:t>
             </a:r>
             <a:endParaRPr dirty="0"/>
@@ -3386,7 +3348,7 @@
           <a:p>
             <a:fld id="{540F61AE-1C41-BA4F-9947-B9B43E7ACD59}" type="datetime1">
               <a:rPr lang="en-US" smtClean="0"/>
-              <a:t>8/6/17</a:t>
+              <a:t>12/21/18</a:t>
             </a:fld>
             <a:endParaRPr lang="en-US"/>
           </a:p>
@@ -3408,7 +3370,7 @@
           <a:lstStyle/>
           <a:p>
             <a:r>
-              <a:rPr lang="sk-SK" smtClean="0"/>
+              <a:rPr lang="sk-SK"/>
               <a:t>© 2016 EV3Lessons.com</a:t>
             </a:r>
             <a:endParaRPr lang="en-US"/>
@@ -3448,13 +3410,6 @@
   <p:clrMapOvr>
     <a:masterClrMapping/>
   </p:clrMapOvr>
-  <p:timing>
-    <p:tnLst>
-      <p:par>
-        <p:cTn id="1" dur="indefinite" restart="never" nodeType="tmRoot"/>
-      </p:par>
-    </p:tnLst>
-  </p:timing>
 </p:sldLayout>
 </file>
 
@@ -3491,10 +3446,9 @@
           <a:lstStyle/>
           <a:p>
             <a:r>
-              <a:rPr lang="en-US" smtClean="0"/>
+              <a:rPr lang="en-US"/>
               <a:t>Click to edit Master title style</a:t>
             </a:r>
-            <a:endParaRPr lang="en-US"/>
           </a:p>
         </p:txBody>
       </p:sp>
@@ -3668,7 +3622,7 @@
           <a:p>
             <a:fld id="{A54BB882-2478-FE4A-881F-E1C11FF9B456}" type="datetime1">
               <a:rPr lang="en-US" smtClean="0"/>
-              <a:t>8/6/17</a:t>
+              <a:t>12/21/18</a:t>
             </a:fld>
             <a:endParaRPr lang="en-US"/>
           </a:p>
@@ -3690,7 +3644,7 @@
           <a:lstStyle/>
           <a:p>
             <a:r>
-              <a:rPr lang="sk-SK" smtClean="0"/>
+              <a:rPr lang="sk-SK"/>
               <a:t>© 2016 EV3Lessons.com</a:t>
             </a:r>
             <a:endParaRPr lang="en-US"/>
@@ -3730,13 +3684,6 @@
   <p:clrMapOvr>
     <a:masterClrMapping/>
   </p:clrMapOvr>
-  <p:timing>
-    <p:tnLst>
-      <p:par>
-        <p:cTn id="1" dur="indefinite" restart="never" nodeType="tmRoot"/>
-      </p:par>
-    </p:tnLst>
-  </p:timing>
 </p:sldLayout>
 </file>
 
@@ -3936,35 +3883,35 @@
           <a:p>
             <a:pPr lvl="0"/>
             <a:r>
-              <a:rPr lang="en-US" smtClean="0"/>
+              <a:rPr lang="en-US"/>
               <a:t>Click to edit Master text styles</a:t>
             </a:r>
           </a:p>
           <a:p>
             <a:pPr lvl="1"/>
             <a:r>
-              <a:rPr lang="en-US" smtClean="0"/>
+              <a:rPr lang="en-US"/>
               <a:t>Second level</a:t>
             </a:r>
           </a:p>
           <a:p>
             <a:pPr lvl="2"/>
             <a:r>
-              <a:rPr lang="en-US" smtClean="0"/>
+              <a:rPr lang="en-US"/>
               <a:t>Third level</a:t>
             </a:r>
           </a:p>
           <a:p>
             <a:pPr lvl="3"/>
             <a:r>
-              <a:rPr lang="en-US" smtClean="0"/>
+              <a:rPr lang="en-US"/>
               <a:t>Fourth level</a:t>
             </a:r>
           </a:p>
           <a:p>
             <a:pPr lvl="4"/>
             <a:r>
-              <a:rPr lang="en-US" smtClean="0"/>
+              <a:rPr lang="en-US"/>
               <a:t>Fifth level</a:t>
             </a:r>
             <a:endParaRPr dirty="0"/>
@@ -3988,7 +3935,7 @@
           <a:p>
             <a:fld id="{A561762A-4F54-4640-B80B-2E9A9CC9D637}" type="datetime1">
               <a:rPr lang="en-US" smtClean="0"/>
-              <a:t>8/6/17</a:t>
+              <a:t>12/21/18</a:t>
             </a:fld>
             <a:endParaRPr lang="en-US"/>
           </a:p>
@@ -4010,7 +3957,7 @@
           <a:lstStyle/>
           <a:p>
             <a:r>
-              <a:rPr lang="sk-SK" smtClean="0"/>
+              <a:rPr lang="sk-SK"/>
               <a:t>© 2016 EV3Lessons.com</a:t>
             </a:r>
             <a:endParaRPr lang="en-US"/>
@@ -4056,10 +4003,9 @@
           <a:lstStyle/>
           <a:p>
             <a:r>
-              <a:rPr lang="en-US" smtClean="0"/>
+              <a:rPr lang="en-US"/>
               <a:t>Click to edit Master title style</a:t>
             </a:r>
-            <a:endParaRPr lang="en-US"/>
           </a:p>
         </p:txBody>
       </p:sp>
@@ -4073,13 +4019,6 @@
   <p:clrMapOvr>
     <a:masterClrMapping/>
   </p:clrMapOvr>
-  <p:timing>
-    <p:tnLst>
-      <p:par>
-        <p:cTn id="1" dur="indefinite" restart="never" nodeType="tmRoot"/>
-      </p:par>
-    </p:tnLst>
-  </p:timing>
 </p:sldLayout>
 </file>
 
@@ -4127,10 +4066,9 @@
           </a:lstStyle>
           <a:p>
             <a:r>
-              <a:rPr lang="en-US" smtClean="0"/>
+              <a:rPr lang="en-US"/>
               <a:t>Click to edit Master title style</a:t>
             </a:r>
-            <a:endParaRPr lang="en-US"/>
           </a:p>
         </p:txBody>
       </p:sp>
@@ -4160,35 +4098,35 @@
           <a:p>
             <a:pPr lvl="0"/>
             <a:r>
-              <a:rPr lang="en-US" smtClean="0"/>
+              <a:rPr lang="en-US"/>
               <a:t>Click to edit Master text styles</a:t>
             </a:r>
           </a:p>
           <a:p>
             <a:pPr lvl="1"/>
             <a:r>
-              <a:rPr lang="en-US" smtClean="0"/>
+              <a:rPr lang="en-US"/>
               <a:t>Second level</a:t>
             </a:r>
           </a:p>
           <a:p>
             <a:pPr lvl="2"/>
             <a:r>
-              <a:rPr lang="en-US" smtClean="0"/>
+              <a:rPr lang="en-US"/>
               <a:t>Third level</a:t>
             </a:r>
           </a:p>
           <a:p>
             <a:pPr lvl="3"/>
             <a:r>
-              <a:rPr lang="en-US" smtClean="0"/>
+              <a:rPr lang="en-US"/>
               <a:t>Fourth level</a:t>
             </a:r>
           </a:p>
           <a:p>
             <a:pPr lvl="4"/>
             <a:r>
-              <a:rPr lang="en-US" smtClean="0"/>
+              <a:rPr lang="en-US"/>
               <a:t>Fifth level</a:t>
             </a:r>
             <a:endParaRPr dirty="0"/>
@@ -4217,7 +4155,7 @@
           <a:p>
             <a:fld id="{809B2184-06D6-3E4E-9390-0071FDC72B08}" type="datetime1">
               <a:rPr lang="en-US" smtClean="0"/>
-              <a:t>8/6/17</a:t>
+              <a:t>12/21/18</a:t>
             </a:fld>
             <a:endParaRPr lang="en-US"/>
           </a:p>
@@ -4239,7 +4177,7 @@
           <a:lstStyle/>
           <a:p>
             <a:r>
-              <a:rPr lang="sk-SK" smtClean="0"/>
+              <a:rPr lang="sk-SK"/>
               <a:t>© 2016 EV3Lessons.com</a:t>
             </a:r>
             <a:endParaRPr lang="en-US"/>
@@ -4437,13 +4375,6 @@
   <p:clrMapOvr>
     <a:masterClrMapping/>
   </p:clrMapOvr>
-  <p:timing>
-    <p:tnLst>
-      <p:par>
-        <p:cTn id="1" dur="indefinite" restart="never" nodeType="tmRoot"/>
-      </p:par>
-    </p:tnLst>
-  </p:timing>
 </p:sldLayout>
 </file>
 
@@ -4480,10 +4411,9 @@
           <a:lstStyle/>
           <a:p>
             <a:r>
-              <a:rPr lang="en-US" smtClean="0"/>
+              <a:rPr lang="en-US"/>
               <a:t>Click to edit Master title style</a:t>
             </a:r>
-            <a:endParaRPr lang="en-US"/>
           </a:p>
         </p:txBody>
       </p:sp>
@@ -4504,7 +4434,7 @@
           <a:p>
             <a:fld id="{8798BFBC-4682-9247-893E-49B2B25445E9}" type="datetime1">
               <a:rPr lang="en-US" smtClean="0"/>
-              <a:t>8/6/17</a:t>
+              <a:t>12/21/18</a:t>
             </a:fld>
             <a:endParaRPr lang="en-US" dirty="0"/>
           </a:p>
@@ -4526,7 +4456,7 @@
           <a:lstStyle/>
           <a:p>
             <a:r>
-              <a:rPr lang="sk-SK" smtClean="0"/>
+              <a:rPr lang="sk-SK"/>
               <a:t>© 2016 EV3Lessons.com</a:t>
             </a:r>
             <a:endParaRPr lang="en-US" dirty="0"/>
@@ -4578,38 +4508,37 @@
           <a:p>
             <a:pPr lvl="0"/>
             <a:r>
-              <a:rPr lang="en-US" smtClean="0"/>
+              <a:rPr lang="en-US"/>
               <a:t>Click to edit Master text styles</a:t>
             </a:r>
           </a:p>
           <a:p>
             <a:pPr lvl="1"/>
             <a:r>
-              <a:rPr lang="en-US" smtClean="0"/>
+              <a:rPr lang="en-US"/>
               <a:t>Second level</a:t>
             </a:r>
           </a:p>
           <a:p>
             <a:pPr lvl="2"/>
             <a:r>
-              <a:rPr lang="en-US" smtClean="0"/>
+              <a:rPr lang="en-US"/>
               <a:t>Third level</a:t>
             </a:r>
           </a:p>
           <a:p>
             <a:pPr lvl="3"/>
             <a:r>
-              <a:rPr lang="en-US" smtClean="0"/>
+              <a:rPr lang="en-US"/>
               <a:t>Fourth level</a:t>
             </a:r>
           </a:p>
           <a:p>
             <a:pPr lvl="4"/>
             <a:r>
-              <a:rPr lang="en-US" smtClean="0"/>
+              <a:rPr lang="en-US"/>
               <a:t>Fifth level</a:t>
             </a:r>
-            <a:endParaRPr lang="en-US"/>
           </a:p>
         </p:txBody>
       </p:sp>
@@ -4678,35 +4607,35 @@
           <a:p>
             <a:pPr lvl="0"/>
             <a:r>
-              <a:rPr lang="en-US" smtClean="0"/>
+              <a:rPr lang="en-US"/>
               <a:t>Click to edit Master text styles</a:t>
             </a:r>
           </a:p>
           <a:p>
             <a:pPr lvl="1"/>
             <a:r>
-              <a:rPr lang="en-US" smtClean="0"/>
+              <a:rPr lang="en-US"/>
               <a:t>Second level</a:t>
             </a:r>
           </a:p>
           <a:p>
             <a:pPr lvl="2"/>
             <a:r>
-              <a:rPr lang="en-US" smtClean="0"/>
+              <a:rPr lang="en-US"/>
               <a:t>Third level</a:t>
             </a:r>
           </a:p>
           <a:p>
             <a:pPr lvl="3"/>
             <a:r>
-              <a:rPr lang="en-US" smtClean="0"/>
+              <a:rPr lang="en-US"/>
               <a:t>Fourth level</a:t>
             </a:r>
           </a:p>
           <a:p>
             <a:pPr lvl="4"/>
             <a:r>
-              <a:rPr lang="en-US" smtClean="0"/>
+              <a:rPr lang="en-US"/>
               <a:t>Fifth level</a:t>
             </a:r>
             <a:endParaRPr dirty="0"/>
@@ -4748,7 +4677,7 @@
           <a:p>
             <a:fld id="{251916C3-5C55-6842-81BB-4BDA5AEB10B6}" type="datetime1">
               <a:rPr lang="en-US" smtClean="0"/>
-              <a:t>8/6/17</a:t>
+              <a:t>12/21/18</a:t>
             </a:fld>
             <a:endParaRPr lang="en-US" dirty="0"/>
           </a:p>
@@ -4788,7 +4717,7 @@
           </a:lstStyle>
           <a:p>
             <a:r>
-              <a:rPr lang="sk-SK" smtClean="0"/>
+              <a:rPr lang="sk-SK"/>
               <a:t>© 2016 EV3Lessons.com</a:t>
             </a:r>
             <a:endParaRPr lang="en-US" dirty="0"/>
@@ -4826,7 +4755,7 @@
           <a:lstStyle/>
           <a:p>
             <a:r>
-              <a:rPr lang="en-US" smtClean="0"/>
+              <a:rPr lang="en-US"/>
               <a:t>Click to edit Master title style</a:t>
             </a:r>
             <a:endParaRPr dirty="0"/>
@@ -4895,13 +4824,6 @@
     <p:sldLayoutId id="2147483843" r:id="rId8"/>
     <p:sldLayoutId id="2147483844" r:id="rId9"/>
   </p:sldLayoutIdLst>
-  <p:timing>
-    <p:tnLst>
-      <p:par>
-        <p:cTn id="1" dur="indefinite" restart="never" nodeType="tmRoot"/>
-      </p:par>
-    </p:tnLst>
-  </p:timing>
   <p:hf hdr="0"/>
   <p:txStyles>
     <p:titleStyle>
@@ -5277,17 +5199,16 @@
           <a:lstStyle/>
           <a:p>
             <a:r>
-              <a:rPr lang="en-US" dirty="0" smtClean="0"/>
+              <a:rPr lang="en-US" dirty="0"/>
               <a:t>Using the Gyro Sensor </a:t>
             </a:r>
             <a:br>
-              <a:rPr lang="en-US" dirty="0" smtClean="0"/>
+              <a:rPr lang="en-US" dirty="0"/>
             </a:br>
             <a:r>
-              <a:rPr lang="en-US" dirty="0" smtClean="0"/>
+              <a:rPr lang="en-US" dirty="0"/>
               <a:t>and Dealing with Drift</a:t>
             </a:r>
-            <a:endParaRPr lang="en-US" dirty="0"/>
           </a:p>
         </p:txBody>
       </p:sp>
@@ -5307,11 +5228,11 @@
           <a:lstStyle/>
           <a:p>
             <a:r>
-              <a:rPr lang="en-US" dirty="0" smtClean="0"/>
+              <a:rPr lang="en-US" dirty="0"/>
               <a:t>By Sanjay and Arvind </a:t>
             </a:r>
             <a:r>
-              <a:rPr lang="en-US" dirty="0" err="1" smtClean="0"/>
+              <a:rPr lang="en-US" dirty="0" err="1"/>
               <a:t>Seshan</a:t>
             </a:r>
             <a:endParaRPr lang="en-US" dirty="0"/>
@@ -5357,13 +5278,6 @@
   <p:clrMapOvr>
     <a:masterClrMapping/>
   </p:clrMapOvr>
-  <p:timing>
-    <p:tnLst>
-      <p:par>
-        <p:cTn id="1" dur="indefinite" restart="never" nodeType="tmRoot"/>
-      </p:par>
-    </p:tnLst>
-  </p:timing>
 </p:sld>
 </file>
 
@@ -5400,7 +5314,7 @@
           <a:lstStyle/>
           <a:p>
             <a:r>
-              <a:rPr lang="sk-SK" smtClean="0"/>
+              <a:rPr lang="sk-SK"/>
               <a:t>© 2016 EV3Lessons.com</a:t>
             </a:r>
             <a:endParaRPr lang="en-US"/>
@@ -5425,10 +5339,9 @@
           <a:lstStyle/>
           <a:p>
             <a:r>
-              <a:rPr lang="en-US" dirty="0" smtClean="0"/>
+              <a:rPr lang="en-US" dirty="0"/>
               <a:t>Strategy 3 Solution</a:t>
             </a:r>
-            <a:endParaRPr lang="en-US" dirty="0"/>
           </a:p>
         </p:txBody>
       </p:sp>
@@ -5489,18 +5402,13 @@
           <a:lstStyle/>
           <a:p>
             <a:r>
-              <a:rPr lang="en-US" dirty="0" smtClean="0">
+              <a:rPr lang="en-US" dirty="0">
                 <a:solidFill>
                   <a:srgbClr val="3366FF"/>
                 </a:solidFill>
               </a:rPr>
               <a:t>Note that in the rest of your program, you should only use the “angle” modes of the gyro. Using the “rate” or “rate and angle” mode will cause the gyro to recalibrate. </a:t>
             </a:r>
-            <a:endParaRPr lang="en-US" dirty="0">
-              <a:solidFill>
-                <a:srgbClr val="3366FF"/>
-              </a:solidFill>
-            </a:endParaRPr>
           </a:p>
         </p:txBody>
       </p:sp>
@@ -5532,10 +5440,9 @@
           <a:lstStyle/>
           <a:p>
             <a:r>
-              <a:rPr lang="en-US" dirty="0" smtClean="0"/>
+              <a:rPr lang="en-US" dirty="0"/>
               <a:t>This version of the calibration leaves the gyro in angle mode. This is probably the most common way to use the gyro. This code takes about 0.1sec to run.</a:t>
             </a:r>
-            <a:endParaRPr lang="en-US" dirty="0"/>
           </a:p>
         </p:txBody>
       </p:sp>
@@ -5556,7 +5463,7 @@
           <a:p>
             <a:fld id="{6193FD32-FB04-CD45-91B4-2D0C5581EDE3}" type="datetime1">
               <a:rPr lang="en-US" smtClean="0"/>
-              <a:t>8/6/17</a:t>
+              <a:t>12/21/18</a:t>
             </a:fld>
             <a:endParaRPr lang="en-US"/>
           </a:p>
@@ -5631,7 +5538,7 @@
           <a:lstStyle/>
           <a:p>
             <a:r>
-              <a:rPr lang="sk-SK" smtClean="0"/>
+              <a:rPr lang="sk-SK"/>
               <a:t>© 2016 EV3Lessons.com</a:t>
             </a:r>
             <a:endParaRPr lang="en-US"/>
@@ -5656,10 +5563,9 @@
           <a:lstStyle/>
           <a:p>
             <a:r>
-              <a:rPr lang="en-US" dirty="0" smtClean="0"/>
+              <a:rPr lang="en-US" dirty="0"/>
               <a:t>Strategy 4 Solution</a:t>
             </a:r>
-            <a:endParaRPr lang="en-US" dirty="0"/>
           </a:p>
         </p:txBody>
       </p:sp>
@@ -5758,7 +5664,7 @@
           <a:lstStyle/>
           <a:p>
             <a:r>
-              <a:rPr lang="en-US" dirty="0" smtClean="0">
+              <a:rPr lang="en-US" dirty="0">
                 <a:solidFill>
                   <a:srgbClr val="000000"/>
                 </a:solidFill>
@@ -5766,7 +5672,7 @@
               <a:t>This version of the calibration leaves the gyro in </a:t>
             </a:r>
             <a:r>
-              <a:rPr lang="en-US" dirty="0" err="1" smtClean="0">
+              <a:rPr lang="en-US" dirty="0" err="1">
                 <a:solidFill>
                   <a:srgbClr val="000000"/>
                 </a:solidFill>
@@ -5774,18 +5680,13 @@
               <a:t>rate+angle</a:t>
             </a:r>
             <a:r>
-              <a:rPr lang="en-US" dirty="0" smtClean="0">
+              <a:rPr lang="en-US" dirty="0">
                 <a:solidFill>
                   <a:srgbClr val="000000"/>
                 </a:solidFill>
               </a:rPr>
               <a:t> mode. This is useful if you use the rate output. </a:t>
             </a:r>
-            <a:endParaRPr lang="en-US" dirty="0">
-              <a:solidFill>
-                <a:srgbClr val="000000"/>
-              </a:solidFill>
-            </a:endParaRPr>
           </a:p>
         </p:txBody>
       </p:sp>
@@ -5806,7 +5707,7 @@
           <a:p>
             <a:fld id="{576DC0FE-24C6-5542-B19C-469520102976}" type="datetime1">
               <a:rPr lang="en-US" smtClean="0"/>
-              <a:t>8/6/17</a:t>
+              <a:t>12/21/18</a:t>
             </a:fld>
             <a:endParaRPr lang="en-US"/>
           </a:p>
@@ -5881,7 +5782,7 @@
           <a:lstStyle/>
           <a:p>
             <a:r>
-              <a:rPr lang="sk-SK" smtClean="0"/>
+              <a:rPr lang="sk-SK"/>
               <a:t>© 2016 EV3Lessons.com</a:t>
             </a:r>
             <a:endParaRPr lang="en-US"/>
@@ -5906,10 +5807,9 @@
           <a:lstStyle/>
           <a:p>
             <a:r>
-              <a:rPr lang="en-US" dirty="0" smtClean="0"/>
+              <a:rPr lang="en-US" dirty="0"/>
               <a:t>Discussion Guide</a:t>
             </a:r>
-            <a:endParaRPr lang="en-US" dirty="0"/>
           </a:p>
         </p:txBody>
       </p:sp>
@@ -5923,8 +5823,8 @@
         </p:nvSpPr>
         <p:spPr>
           <a:xfrm>
-            <a:off x="284163" y="2133600"/>
-            <a:ext cx="8574087" cy="4303432"/>
+            <a:off x="284163" y="1567543"/>
+            <a:ext cx="8574087" cy="4869489"/>
           </a:xfrm>
           <a:prstGeom prst="rect">
             <a:avLst/>
@@ -5932,7 +5832,7 @@
         </p:spPr>
         <p:txBody>
           <a:bodyPr>
-            <a:normAutofit fontScale="62500" lnSpcReduction="20000"/>
+            <a:normAutofit fontScale="70000" lnSpcReduction="20000"/>
           </a:bodyPr>
           <a:lstStyle>
             <a:lvl1pPr marL="454025" indent="-454025" algn="l" defTabSz="914400" rtl="0" eaLnBrk="1" latinLnBrk="0" hangingPunct="1">
@@ -6162,7 +6062,7 @@
               <a:buAutoNum type="arabicPeriod"/>
             </a:pPr>
             <a:r>
-              <a:rPr lang="it-IT" b="1" dirty="0" err="1" smtClean="0">
+              <a:rPr lang="it-IT" b="1" dirty="0" err="1">
                 <a:solidFill>
                   <a:schemeClr val="tx1"/>
                 </a:solidFill>
@@ -6170,7 +6070,7 @@
               <a:t>What</a:t>
             </a:r>
             <a:r>
-              <a:rPr lang="it-IT" b="1" dirty="0" smtClean="0">
+              <a:rPr lang="it-IT" b="1" dirty="0">
                 <a:solidFill>
                   <a:schemeClr val="tx1"/>
                 </a:solidFill>
@@ -6178,7 +6078,7 @@
               <a:t> are 2 common </a:t>
             </a:r>
             <a:r>
-              <a:rPr lang="it-IT" b="1" dirty="0" err="1" smtClean="0">
+              <a:rPr lang="it-IT" b="1" dirty="0" err="1">
                 <a:solidFill>
                   <a:schemeClr val="tx1"/>
                 </a:solidFill>
@@ -6186,7 +6086,7 @@
               <a:t>problems</a:t>
             </a:r>
             <a:r>
-              <a:rPr lang="it-IT" b="1" dirty="0" smtClean="0">
+              <a:rPr lang="it-IT" b="1" dirty="0">
                 <a:solidFill>
                   <a:schemeClr val="tx1"/>
                 </a:solidFill>
@@ -6194,7 +6094,7 @@
               <a:t> </a:t>
             </a:r>
             <a:r>
-              <a:rPr lang="it-IT" b="1" dirty="0" err="1" smtClean="0">
+              <a:rPr lang="it-IT" b="1" dirty="0" err="1">
                 <a:solidFill>
                   <a:schemeClr val="tx1"/>
                 </a:solidFill>
@@ -6202,7 +6102,7 @@
               <a:t>when</a:t>
             </a:r>
             <a:r>
-              <a:rPr lang="it-IT" b="1" dirty="0" smtClean="0">
+              <a:rPr lang="it-IT" b="1" dirty="0">
                 <a:solidFill>
                   <a:schemeClr val="tx1"/>
                 </a:solidFill>
@@ -6210,7 +6110,7 @@
               <a:t> </a:t>
             </a:r>
             <a:r>
-              <a:rPr lang="it-IT" b="1" dirty="0" err="1" smtClean="0">
+              <a:rPr lang="it-IT" b="1" dirty="0" err="1">
                 <a:solidFill>
                   <a:schemeClr val="tx1"/>
                 </a:solidFill>
@@ -6218,7 +6118,7 @@
               <a:t>programming</a:t>
             </a:r>
             <a:r>
-              <a:rPr lang="it-IT" b="1" dirty="0" smtClean="0">
+              <a:rPr lang="it-IT" b="1" dirty="0">
                 <a:solidFill>
                   <a:schemeClr val="tx1"/>
                 </a:solidFill>
@@ -6226,7 +6126,7 @@
               <a:t> with the </a:t>
             </a:r>
             <a:r>
-              <a:rPr lang="it-IT" b="1" dirty="0" err="1" smtClean="0">
+              <a:rPr lang="it-IT" b="1" dirty="0" err="1">
                 <a:solidFill>
                   <a:schemeClr val="tx1"/>
                 </a:solidFill>
@@ -6234,7 +6134,7 @@
               <a:t>gyro</a:t>
             </a:r>
             <a:r>
-              <a:rPr lang="it-IT" b="1" dirty="0" smtClean="0">
+              <a:rPr lang="it-IT" b="1" dirty="0">
                 <a:solidFill>
                   <a:schemeClr val="tx1"/>
                 </a:solidFill>
@@ -6247,42 +6147,42 @@
               <a:buNone/>
             </a:pPr>
             <a:r>
-              <a:rPr lang="it-IT" dirty="0" err="1" smtClean="0"/>
+              <a:rPr lang="it-IT" dirty="0" err="1"/>
               <a:t>Ans</a:t>
             </a:r>
             <a:r>
-              <a:rPr lang="it-IT" dirty="0" smtClean="0"/>
+              <a:rPr lang="it-IT" dirty="0"/>
               <a:t>. </a:t>
             </a:r>
             <a:r>
-              <a:rPr lang="it-IT" dirty="0" err="1" smtClean="0"/>
+              <a:rPr lang="it-IT" dirty="0" err="1"/>
               <a:t>Gryo</a:t>
             </a:r>
             <a:r>
-              <a:rPr lang="it-IT" dirty="0" smtClean="0"/>
+              <a:rPr lang="it-IT" dirty="0"/>
               <a:t> </a:t>
             </a:r>
             <a:r>
-              <a:rPr lang="it-IT" dirty="0" err="1" smtClean="0"/>
+              <a:rPr lang="it-IT" dirty="0" err="1"/>
               <a:t>drift</a:t>
             </a:r>
             <a:r>
-              <a:rPr lang="it-IT" dirty="0" smtClean="0"/>
+              <a:rPr lang="it-IT" dirty="0"/>
               <a:t> and </a:t>
             </a:r>
             <a:r>
-              <a:rPr lang="it-IT" dirty="0" err="1" smtClean="0"/>
+              <a:rPr lang="it-IT" dirty="0" err="1"/>
               <a:t>Gyro</a:t>
             </a:r>
             <a:r>
-              <a:rPr lang="it-IT" dirty="0" smtClean="0"/>
+              <a:rPr lang="it-IT" dirty="0"/>
               <a:t> </a:t>
             </a:r>
             <a:r>
-              <a:rPr lang="it-IT" dirty="0" err="1" smtClean="0"/>
+              <a:rPr lang="it-IT" dirty="0" err="1"/>
               <a:t>lag</a:t>
             </a:r>
-            <a:endParaRPr lang="it-IT" dirty="0" smtClean="0"/>
+            <a:endParaRPr lang="it-IT" dirty="0"/>
           </a:p>
           <a:p>
             <a:pPr marL="457200" indent="-457200">
@@ -6290,7 +6190,7 @@
               <a:buAutoNum type="arabicPeriod"/>
             </a:pPr>
             <a:r>
-              <a:rPr lang="it-IT" b="1" dirty="0" err="1" smtClean="0">
+              <a:rPr lang="it-IT" b="1" dirty="0" err="1">
                 <a:solidFill>
                   <a:schemeClr val="tx1"/>
                 </a:solidFill>
@@ -6306,7 +6206,7 @@
               <a:t> </a:t>
             </a:r>
             <a:r>
-              <a:rPr lang="it-IT" b="1" dirty="0" err="1" smtClean="0">
+              <a:rPr lang="it-IT" b="1" dirty="0" err="1">
                 <a:solidFill>
                   <a:schemeClr val="tx1"/>
                 </a:solidFill>
@@ -6314,7 +6214,7 @@
               <a:t>does</a:t>
             </a:r>
             <a:r>
-              <a:rPr lang="it-IT" b="1" dirty="0" smtClean="0">
+              <a:rPr lang="it-IT" b="1" dirty="0">
                 <a:solidFill>
                   <a:schemeClr val="tx1"/>
                 </a:solidFill>
@@ -6322,7 +6222,7 @@
               <a:t> </a:t>
             </a:r>
             <a:r>
-              <a:rPr lang="it-IT" b="1" dirty="0" err="1" smtClean="0">
+              <a:rPr lang="it-IT" b="1" dirty="0" err="1">
                 <a:solidFill>
                   <a:schemeClr val="tx1"/>
                 </a:solidFill>
@@ -6330,7 +6230,7 @@
               <a:t>Gyro</a:t>
             </a:r>
             <a:r>
-              <a:rPr lang="it-IT" b="1" dirty="0" smtClean="0">
+              <a:rPr lang="it-IT" b="1" dirty="0">
                 <a:solidFill>
                   <a:schemeClr val="tx1"/>
                 </a:solidFill>
@@ -6338,7 +6238,7 @@
               <a:t> </a:t>
             </a:r>
             <a:r>
-              <a:rPr lang="it-IT" b="1" dirty="0" err="1" smtClean="0">
+              <a:rPr lang="it-IT" b="1" dirty="0" err="1">
                 <a:solidFill>
                   <a:schemeClr val="tx1"/>
                 </a:solidFill>
@@ -6346,7 +6246,7 @@
               <a:t>drift</a:t>
             </a:r>
             <a:r>
-              <a:rPr lang="it-IT" b="1" dirty="0" smtClean="0">
+              <a:rPr lang="it-IT" b="1" dirty="0">
                 <a:solidFill>
                   <a:schemeClr val="tx1"/>
                 </a:solidFill>
@@ -6354,7 +6254,7 @@
               <a:t> </a:t>
             </a:r>
             <a:r>
-              <a:rPr lang="it-IT" b="1" dirty="0" err="1" smtClean="0">
+              <a:rPr lang="it-IT" b="1" dirty="0" err="1">
                 <a:solidFill>
                   <a:schemeClr val="tx1"/>
                 </a:solidFill>
@@ -6362,7 +6262,7 @@
               <a:t>mean</a:t>
             </a:r>
             <a:r>
-              <a:rPr lang="it-IT" b="1" dirty="0" smtClean="0">
+              <a:rPr lang="it-IT" b="1" dirty="0">
                 <a:solidFill>
                   <a:schemeClr val="tx1"/>
                 </a:solidFill>
@@ -6375,74 +6275,74 @@
               <a:buNone/>
             </a:pPr>
             <a:r>
-              <a:rPr lang="it-IT" dirty="0" err="1" smtClean="0"/>
+              <a:rPr lang="it-IT" dirty="0" err="1"/>
               <a:t>Ans</a:t>
             </a:r>
             <a:r>
-              <a:rPr lang="it-IT" dirty="0" smtClean="0"/>
+              <a:rPr lang="it-IT" dirty="0"/>
               <a:t>. The </a:t>
             </a:r>
             <a:r>
-              <a:rPr lang="it-IT" dirty="0" err="1" smtClean="0"/>
+              <a:rPr lang="it-IT" dirty="0" err="1"/>
               <a:t>Gyro</a:t>
             </a:r>
             <a:r>
-              <a:rPr lang="it-IT" dirty="0" smtClean="0"/>
+              <a:rPr lang="it-IT" dirty="0"/>
               <a:t> </a:t>
             </a:r>
             <a:r>
-              <a:rPr lang="it-IT" dirty="0" err="1" smtClean="0"/>
+              <a:rPr lang="it-IT" dirty="0" err="1"/>
               <a:t>readings</a:t>
             </a:r>
             <a:r>
-              <a:rPr lang="it-IT" dirty="0" smtClean="0"/>
+              <a:rPr lang="it-IT" dirty="0"/>
               <a:t> </a:t>
             </a:r>
             <a:r>
-              <a:rPr lang="it-IT" dirty="0" err="1" smtClean="0"/>
+              <a:rPr lang="it-IT" dirty="0" err="1"/>
               <a:t>keep</a:t>
             </a:r>
             <a:r>
-              <a:rPr lang="it-IT" dirty="0" smtClean="0"/>
+              <a:rPr lang="it-IT" dirty="0"/>
               <a:t> </a:t>
             </a:r>
             <a:r>
-              <a:rPr lang="it-IT" dirty="0" err="1" smtClean="0"/>
+              <a:rPr lang="it-IT" dirty="0" err="1"/>
               <a:t>changing</a:t>
             </a:r>
             <a:r>
-              <a:rPr lang="it-IT" dirty="0" smtClean="0"/>
+              <a:rPr lang="it-IT" dirty="0"/>
               <a:t> </a:t>
             </a:r>
             <a:r>
-              <a:rPr lang="it-IT" dirty="0" err="1" smtClean="0"/>
+              <a:rPr lang="it-IT" dirty="0" err="1"/>
               <a:t>even</a:t>
             </a:r>
             <a:r>
-              <a:rPr lang="it-IT" dirty="0" smtClean="0"/>
+              <a:rPr lang="it-IT" dirty="0"/>
               <a:t> </a:t>
             </a:r>
             <a:r>
-              <a:rPr lang="it-IT" dirty="0" err="1" smtClean="0"/>
+              <a:rPr lang="it-IT" dirty="0" err="1"/>
               <a:t>when</a:t>
             </a:r>
             <a:r>
-              <a:rPr lang="it-IT" dirty="0" smtClean="0"/>
+              <a:rPr lang="it-IT" dirty="0"/>
               <a:t> the robot </a:t>
             </a:r>
             <a:r>
-              <a:rPr lang="it-IT" dirty="0" err="1" smtClean="0"/>
+              <a:rPr lang="it-IT" dirty="0" err="1"/>
               <a:t>is</a:t>
             </a:r>
             <a:r>
-              <a:rPr lang="it-IT" dirty="0" smtClean="0"/>
+              <a:rPr lang="it-IT" dirty="0"/>
               <a:t> </a:t>
             </a:r>
             <a:r>
-              <a:rPr lang="it-IT" dirty="0" err="1" smtClean="0"/>
+              <a:rPr lang="it-IT" dirty="0" err="1"/>
               <a:t>still</a:t>
             </a:r>
-            <a:endParaRPr lang="it-IT" dirty="0" smtClean="0"/>
+            <a:endParaRPr lang="it-IT" dirty="0"/>
           </a:p>
           <a:p>
             <a:pPr marL="457200" indent="-457200">
@@ -6450,7 +6350,7 @@
               <a:buAutoNum type="arabicPeriod"/>
             </a:pPr>
             <a:r>
-              <a:rPr lang="it-IT" b="1" dirty="0" smtClean="0">
+              <a:rPr lang="it-IT" b="1" dirty="0">
                 <a:solidFill>
                   <a:schemeClr val="tx1"/>
                 </a:solidFill>
@@ -6458,7 +6358,7 @@
               <a:t>Can </a:t>
             </a:r>
             <a:r>
-              <a:rPr lang="it-IT" b="1" dirty="0" err="1" smtClean="0">
+              <a:rPr lang="it-IT" b="1" dirty="0" err="1">
                 <a:solidFill>
                   <a:schemeClr val="tx1"/>
                 </a:solidFill>
@@ -6466,7 +6366,7 @@
               <a:t>you</a:t>
             </a:r>
             <a:r>
-              <a:rPr lang="it-IT" b="1" dirty="0" smtClean="0">
+              <a:rPr lang="it-IT" b="1" dirty="0">
                 <a:solidFill>
                   <a:schemeClr val="tx1"/>
                 </a:solidFill>
@@ -6474,7 +6374,7 @@
               <a:t> </a:t>
             </a:r>
             <a:r>
-              <a:rPr lang="it-IT" b="1" dirty="0" err="1" smtClean="0">
+              <a:rPr lang="it-IT" b="1" dirty="0" err="1">
                 <a:solidFill>
                   <a:schemeClr val="tx1"/>
                 </a:solidFill>
@@ -6482,7 +6382,7 @@
               <a:t>move</a:t>
             </a:r>
             <a:r>
-              <a:rPr lang="it-IT" b="1" dirty="0" smtClean="0">
+              <a:rPr lang="it-IT" b="1" dirty="0">
                 <a:solidFill>
                   <a:schemeClr val="tx1"/>
                 </a:solidFill>
@@ -6490,7 +6390,7 @@
               <a:t> </a:t>
             </a:r>
             <a:r>
-              <a:rPr lang="it-IT" b="1" dirty="0" err="1" smtClean="0">
+              <a:rPr lang="it-IT" b="1" dirty="0" err="1">
                 <a:solidFill>
                   <a:schemeClr val="tx1"/>
                 </a:solidFill>
@@ -6498,7 +6398,7 @@
               <a:t>your</a:t>
             </a:r>
             <a:r>
-              <a:rPr lang="it-IT" b="1" dirty="0" smtClean="0">
+              <a:rPr lang="it-IT" b="1" dirty="0">
                 <a:solidFill>
                   <a:schemeClr val="tx1"/>
                 </a:solidFill>
@@ -6506,7 +6406,7 @@
               <a:t> robot </a:t>
             </a:r>
             <a:r>
-              <a:rPr lang="it-IT" b="1" dirty="0" err="1" smtClean="0">
+              <a:rPr lang="it-IT" b="1" dirty="0" err="1">
                 <a:solidFill>
                   <a:schemeClr val="tx1"/>
                 </a:solidFill>
@@ -6514,7 +6414,7 @@
               <a:t>when</a:t>
             </a:r>
             <a:r>
-              <a:rPr lang="it-IT" b="1" dirty="0" smtClean="0">
+              <a:rPr lang="it-IT" b="1" dirty="0">
                 <a:solidFill>
                   <a:schemeClr val="tx1"/>
                 </a:solidFill>
@@ -6522,7 +6422,7 @@
               <a:t> </a:t>
             </a:r>
             <a:r>
-              <a:rPr lang="it-IT" b="1" dirty="0" err="1" smtClean="0">
+              <a:rPr lang="it-IT" b="1" dirty="0" err="1">
                 <a:solidFill>
                   <a:schemeClr val="tx1"/>
                 </a:solidFill>
@@ -6530,7 +6430,7 @@
               <a:t>you</a:t>
             </a:r>
             <a:r>
-              <a:rPr lang="it-IT" b="1" dirty="0" smtClean="0">
+              <a:rPr lang="it-IT" b="1" dirty="0">
                 <a:solidFill>
                   <a:schemeClr val="tx1"/>
                 </a:solidFill>
@@ -6538,7 +6438,7 @@
               <a:t> calibrate </a:t>
             </a:r>
             <a:r>
-              <a:rPr lang="it-IT" b="1" dirty="0" err="1" smtClean="0">
+              <a:rPr lang="it-IT" b="1" dirty="0" err="1">
                 <a:solidFill>
                   <a:schemeClr val="tx1"/>
                 </a:solidFill>
@@ -6546,7 +6446,7 @@
               <a:t>your</a:t>
             </a:r>
             <a:r>
-              <a:rPr lang="it-IT" b="1" dirty="0" smtClean="0">
+              <a:rPr lang="it-IT" b="1" dirty="0">
                 <a:solidFill>
                   <a:schemeClr val="tx1"/>
                 </a:solidFill>
@@ -6554,7 +6454,7 @@
               <a:t> </a:t>
             </a:r>
             <a:r>
-              <a:rPr lang="it-IT" b="1" dirty="0" err="1" smtClean="0">
+              <a:rPr lang="it-IT" b="1" dirty="0" err="1">
                 <a:solidFill>
                   <a:schemeClr val="tx1"/>
                 </a:solidFill>
@@ -6562,7 +6462,7 @@
               <a:t>gyro</a:t>
             </a:r>
             <a:r>
-              <a:rPr lang="it-IT" b="1" dirty="0" smtClean="0">
+              <a:rPr lang="it-IT" b="1" dirty="0">
                 <a:solidFill>
                   <a:schemeClr val="tx1"/>
                 </a:solidFill>
@@ -6575,27 +6475,27 @@
               <a:buNone/>
             </a:pPr>
             <a:r>
-              <a:rPr lang="it-IT" dirty="0" err="1" smtClean="0"/>
+              <a:rPr lang="it-IT" dirty="0" err="1"/>
               <a:t>Ans</a:t>
             </a:r>
             <a:r>
-              <a:rPr lang="it-IT" dirty="0" smtClean="0"/>
+              <a:rPr lang="it-IT" dirty="0"/>
               <a:t>. No!!  </a:t>
             </a:r>
             <a:r>
-              <a:rPr lang="it-IT" dirty="0" err="1" smtClean="0"/>
+              <a:rPr lang="it-IT" dirty="0" err="1"/>
               <a:t>Keep</a:t>
             </a:r>
             <a:r>
-              <a:rPr lang="it-IT" dirty="0" smtClean="0"/>
+              <a:rPr lang="it-IT" dirty="0"/>
               <a:t> the robot </a:t>
             </a:r>
             <a:r>
-              <a:rPr lang="it-IT" dirty="0" err="1" smtClean="0"/>
+              <a:rPr lang="it-IT" dirty="0" err="1"/>
               <a:t>still</a:t>
             </a:r>
             <a:r>
-              <a:rPr lang="it-IT" dirty="0" smtClean="0"/>
+              <a:rPr lang="it-IT" dirty="0"/>
               <a:t>.</a:t>
             </a:r>
           </a:p>
@@ -6605,7 +6505,7 @@
               <a:buAutoNum type="arabicPeriod"/>
             </a:pPr>
             <a:r>
-              <a:rPr lang="it-IT" b="1" dirty="0" smtClean="0">
+              <a:rPr lang="it-IT" b="1" dirty="0">
                 <a:solidFill>
                   <a:schemeClr val="tx1"/>
                 </a:solidFill>
@@ -6613,7 +6513,7 @@
               <a:t>Do </a:t>
             </a:r>
             <a:r>
-              <a:rPr lang="it-IT" b="1" dirty="0" err="1" smtClean="0">
+              <a:rPr lang="it-IT" b="1" dirty="0" err="1">
                 <a:solidFill>
                   <a:schemeClr val="tx1"/>
                 </a:solidFill>
@@ -6621,7 +6521,7 @@
               <a:t>you</a:t>
             </a:r>
             <a:r>
-              <a:rPr lang="it-IT" b="1" dirty="0" smtClean="0">
+              <a:rPr lang="it-IT" b="1" dirty="0">
                 <a:solidFill>
                   <a:schemeClr val="tx1"/>
                 </a:solidFill>
@@ -6629,7 +6529,7 @@
               <a:t> </a:t>
             </a:r>
             <a:r>
-              <a:rPr lang="it-IT" b="1" dirty="0" err="1" smtClean="0">
+              <a:rPr lang="it-IT" b="1" dirty="0" err="1">
                 <a:solidFill>
                   <a:schemeClr val="tx1"/>
                 </a:solidFill>
@@ -6637,7 +6537,7 @@
               <a:t>need</a:t>
             </a:r>
             <a:r>
-              <a:rPr lang="it-IT" b="1" dirty="0" smtClean="0">
+              <a:rPr lang="it-IT" b="1" dirty="0">
                 <a:solidFill>
                   <a:schemeClr val="tx1"/>
                 </a:solidFill>
@@ -6645,7 +6545,7 @@
               <a:t> to calibrate </a:t>
             </a:r>
             <a:r>
-              <a:rPr lang="it-IT" b="1" dirty="0" err="1" smtClean="0">
+              <a:rPr lang="it-IT" b="1" dirty="0" err="1">
                 <a:solidFill>
                   <a:schemeClr val="tx1"/>
                 </a:solidFill>
@@ -6653,7 +6553,7 @@
               <a:t>your</a:t>
             </a:r>
             <a:r>
-              <a:rPr lang="it-IT" b="1" dirty="0" smtClean="0">
+              <a:rPr lang="it-IT" b="1" dirty="0">
                 <a:solidFill>
                   <a:schemeClr val="tx1"/>
                 </a:solidFill>
@@ -6661,7 +6561,7 @@
               <a:t> </a:t>
             </a:r>
             <a:r>
-              <a:rPr lang="it-IT" b="1" dirty="0" err="1" smtClean="0">
+              <a:rPr lang="it-IT" b="1" dirty="0" err="1">
                 <a:solidFill>
                   <a:schemeClr val="tx1"/>
                 </a:solidFill>
@@ -6669,7 +6569,7 @@
               <a:t>gryo</a:t>
             </a:r>
             <a:r>
-              <a:rPr lang="it-IT" b="1" dirty="0" smtClean="0">
+              <a:rPr lang="it-IT" b="1" dirty="0">
                 <a:solidFill>
                   <a:schemeClr val="tx1"/>
                 </a:solidFill>
@@ -6677,7 +6577,7 @@
               <a:t> </a:t>
             </a:r>
             <a:r>
-              <a:rPr lang="it-IT" b="1" dirty="0" err="1" smtClean="0">
+              <a:rPr lang="it-IT" b="1" dirty="0" err="1">
                 <a:solidFill>
                   <a:schemeClr val="tx1"/>
                 </a:solidFill>
@@ -6685,7 +6585,7 @@
               <a:t>before</a:t>
             </a:r>
             <a:r>
-              <a:rPr lang="it-IT" b="1" dirty="0" smtClean="0">
+              <a:rPr lang="it-IT" b="1" dirty="0">
                 <a:solidFill>
                   <a:schemeClr val="tx1"/>
                 </a:solidFill>
@@ -6693,7 +6593,7 @@
               <a:t> </a:t>
             </a:r>
             <a:r>
-              <a:rPr lang="it-IT" b="1" dirty="0" err="1" smtClean="0">
+              <a:rPr lang="it-IT" b="1" dirty="0" err="1">
                 <a:solidFill>
                   <a:schemeClr val="tx1"/>
                 </a:solidFill>
@@ -6701,7 +6601,7 @@
               <a:t>every</a:t>
             </a:r>
             <a:r>
-              <a:rPr lang="it-IT" b="1" dirty="0" smtClean="0">
+              <a:rPr lang="it-IT" b="1" dirty="0">
                 <a:solidFill>
                   <a:schemeClr val="tx1"/>
                 </a:solidFill>
@@ -6709,7 +6609,7 @@
               <a:t> </a:t>
             </a:r>
             <a:r>
-              <a:rPr lang="it-IT" b="1" dirty="0" err="1" smtClean="0">
+              <a:rPr lang="it-IT" b="1" dirty="0" err="1">
                 <a:solidFill>
                   <a:schemeClr val="tx1"/>
                 </a:solidFill>
@@ -6717,7 +6617,7 @@
               <a:t>move</a:t>
             </a:r>
             <a:r>
-              <a:rPr lang="it-IT" b="1" dirty="0" smtClean="0">
+              <a:rPr lang="it-IT" b="1" dirty="0">
                 <a:solidFill>
                   <a:schemeClr val="tx1"/>
                 </a:solidFill>
@@ -6730,58 +6630,58 @@
               <a:buNone/>
             </a:pPr>
             <a:r>
-              <a:rPr lang="it-IT" dirty="0" err="1" smtClean="0"/>
+              <a:rPr lang="it-IT" dirty="0" err="1"/>
               <a:t>Ans</a:t>
             </a:r>
             <a:r>
-              <a:rPr lang="it-IT" dirty="0" smtClean="0"/>
+              <a:rPr lang="it-IT" dirty="0"/>
               <a:t>. No. Once </a:t>
             </a:r>
             <a:r>
-              <a:rPr lang="it-IT" dirty="0" err="1" smtClean="0"/>
+              <a:rPr lang="it-IT" dirty="0" err="1"/>
               <a:t>before</a:t>
             </a:r>
             <a:r>
-              <a:rPr lang="it-IT" dirty="0" smtClean="0"/>
+              <a:rPr lang="it-IT" dirty="0"/>
               <a:t> </a:t>
             </a:r>
             <a:r>
-              <a:rPr lang="it-IT" dirty="0" err="1" smtClean="0"/>
+              <a:rPr lang="it-IT" dirty="0" err="1"/>
               <a:t>you</a:t>
             </a:r>
             <a:r>
-              <a:rPr lang="it-IT" dirty="0" smtClean="0"/>
+              <a:rPr lang="it-IT" dirty="0"/>
               <a:t> </a:t>
             </a:r>
             <a:r>
-              <a:rPr lang="it-IT" dirty="0" err="1" smtClean="0"/>
+              <a:rPr lang="it-IT" dirty="0" err="1"/>
               <a:t>run</a:t>
             </a:r>
             <a:r>
-              <a:rPr lang="it-IT" dirty="0" smtClean="0"/>
+              <a:rPr lang="it-IT" dirty="0"/>
               <a:t> </a:t>
             </a:r>
             <a:r>
-              <a:rPr lang="it-IT" dirty="0" err="1" smtClean="0"/>
+              <a:rPr lang="it-IT" dirty="0" err="1"/>
               <a:t>your</a:t>
             </a:r>
             <a:r>
-              <a:rPr lang="it-IT" dirty="0" smtClean="0"/>
+              <a:rPr lang="it-IT" dirty="0"/>
               <a:t> </a:t>
             </a:r>
             <a:r>
-              <a:rPr lang="it-IT" dirty="0" err="1" smtClean="0"/>
+              <a:rPr lang="it-IT" dirty="0" err="1"/>
               <a:t>entire</a:t>
             </a:r>
             <a:r>
-              <a:rPr lang="it-IT" dirty="0" smtClean="0"/>
+              <a:rPr lang="it-IT" dirty="0"/>
               <a:t> </a:t>
             </a:r>
             <a:r>
-              <a:rPr lang="it-IT" dirty="0" err="1" smtClean="0"/>
+              <a:rPr lang="it-IT" dirty="0" err="1"/>
               <a:t>program</a:t>
             </a:r>
-            <a:endParaRPr lang="it-IT" dirty="0" smtClean="0"/>
+            <a:endParaRPr lang="it-IT" dirty="0"/>
           </a:p>
           <a:p>
             <a:pPr marL="457200" indent="-457200">
@@ -6789,7 +6689,7 @@
               <a:buAutoNum type="arabicPeriod"/>
             </a:pPr>
             <a:r>
-              <a:rPr lang="it-IT" b="1" dirty="0" err="1" smtClean="0">
+              <a:rPr lang="it-IT" b="1" dirty="0" err="1">
                 <a:solidFill>
                   <a:schemeClr val="tx1"/>
                 </a:solidFill>
@@ -6797,7 +6697,7 @@
               <a:t>Why</a:t>
             </a:r>
             <a:r>
-              <a:rPr lang="it-IT" b="1" dirty="0" smtClean="0">
+              <a:rPr lang="it-IT" b="1" dirty="0">
                 <a:solidFill>
                   <a:schemeClr val="tx1"/>
                 </a:solidFill>
@@ -6805,7 +6705,7 @@
               <a:t> </a:t>
             </a:r>
             <a:r>
-              <a:rPr lang="it-IT" b="1" dirty="0" err="1" smtClean="0">
+              <a:rPr lang="it-IT" b="1" dirty="0" err="1">
                 <a:solidFill>
                   <a:schemeClr val="tx1"/>
                 </a:solidFill>
@@ -6813,7 +6713,7 @@
               <a:t>might</a:t>
             </a:r>
             <a:r>
-              <a:rPr lang="it-IT" b="1" dirty="0" smtClean="0">
+              <a:rPr lang="it-IT" b="1" dirty="0">
                 <a:solidFill>
                   <a:schemeClr val="tx1"/>
                 </a:solidFill>
@@ -6821,7 +6721,7 @@
               <a:t> </a:t>
             </a:r>
             <a:r>
-              <a:rPr lang="it-IT" b="1" dirty="0" err="1" smtClean="0">
+              <a:rPr lang="it-IT" b="1" dirty="0" err="1">
                 <a:solidFill>
                   <a:schemeClr val="tx1"/>
                 </a:solidFill>
@@ -6829,7 +6729,7 @@
               <a:t>it</a:t>
             </a:r>
             <a:r>
-              <a:rPr lang="it-IT" b="1" dirty="0" smtClean="0">
+              <a:rPr lang="it-IT" b="1" dirty="0">
                 <a:solidFill>
                   <a:schemeClr val="tx1"/>
                 </a:solidFill>
@@ -6837,7 +6737,7 @@
               <a:t> be </a:t>
             </a:r>
             <a:r>
-              <a:rPr lang="it-IT" b="1" dirty="0" err="1" smtClean="0">
+              <a:rPr lang="it-IT" b="1" dirty="0" err="1">
                 <a:solidFill>
                   <a:schemeClr val="tx1"/>
                 </a:solidFill>
@@ -6845,7 +6745,7 @@
               <a:t>important</a:t>
             </a:r>
             <a:r>
-              <a:rPr lang="it-IT" b="1" dirty="0" smtClean="0">
+              <a:rPr lang="it-IT" b="1" dirty="0">
                 <a:solidFill>
                   <a:schemeClr val="tx1"/>
                 </a:solidFill>
@@ -6853,7 +6753,7 @@
               <a:t> to </a:t>
             </a:r>
             <a:r>
-              <a:rPr lang="it-IT" b="1" dirty="0" err="1" smtClean="0">
+              <a:rPr lang="it-IT" b="1" dirty="0" err="1">
                 <a:solidFill>
                   <a:schemeClr val="tx1"/>
                 </a:solidFill>
@@ -6861,7 +6761,7 @@
               <a:t>consider</a:t>
             </a:r>
             <a:r>
-              <a:rPr lang="it-IT" b="1" dirty="0" smtClean="0">
+              <a:rPr lang="it-IT" b="1" dirty="0">
                 <a:solidFill>
                   <a:schemeClr val="tx1"/>
                 </a:solidFill>
@@ -6869,7 +6769,7 @@
               <a:t> multiple </a:t>
             </a:r>
             <a:r>
-              <a:rPr lang="it-IT" b="1" dirty="0" err="1" smtClean="0">
+              <a:rPr lang="it-IT" b="1" dirty="0" err="1">
                 <a:solidFill>
                   <a:schemeClr val="tx1"/>
                 </a:solidFill>
@@ -6877,7 +6777,7 @@
               <a:t>solutions</a:t>
             </a:r>
             <a:r>
-              <a:rPr lang="it-IT" b="1" dirty="0" smtClean="0">
+              <a:rPr lang="it-IT" b="1" dirty="0">
                 <a:solidFill>
                   <a:schemeClr val="tx1"/>
                 </a:solidFill>
@@ -6885,7 +6785,7 @@
               <a:t> to a </a:t>
             </a:r>
             <a:r>
-              <a:rPr lang="it-IT" b="1" dirty="0" err="1" smtClean="0">
+              <a:rPr lang="it-IT" b="1" dirty="0" err="1">
                 <a:solidFill>
                   <a:schemeClr val="tx1"/>
                 </a:solidFill>
@@ -6893,145 +6793,136 @@
               <a:t>problem</a:t>
             </a:r>
             <a:r>
-              <a:rPr lang="it-IT" b="1" dirty="0" smtClean="0">
+              <a:rPr lang="it-IT" b="1" dirty="0">
                 <a:solidFill>
                   <a:schemeClr val="tx1"/>
                 </a:solidFill>
               </a:rPr>
               <a:t>?</a:t>
             </a:r>
-            <a:endParaRPr lang="it-IT" b="1" dirty="0">
-              <a:solidFill>
-                <a:schemeClr val="tx1"/>
-              </a:solidFill>
-            </a:endParaRPr>
           </a:p>
           <a:p>
             <a:pPr marL="460375" lvl="1" indent="0">
               <a:buNone/>
             </a:pPr>
             <a:r>
-              <a:rPr lang="it-IT" dirty="0" err="1" smtClean="0"/>
+              <a:rPr lang="it-IT" dirty="0" err="1"/>
               <a:t>Ans</a:t>
             </a:r>
             <a:r>
-              <a:rPr lang="it-IT" dirty="0" smtClean="0"/>
+              <a:rPr lang="it-IT" dirty="0"/>
               <a:t>. In </a:t>
             </a:r>
             <a:r>
-              <a:rPr lang="it-IT" dirty="0" err="1" smtClean="0"/>
+              <a:rPr lang="it-IT" dirty="0" err="1"/>
               <a:t>robotics</a:t>
             </a:r>
             <a:r>
-              <a:rPr lang="it-IT" dirty="0" smtClean="0"/>
+              <a:rPr lang="it-IT" dirty="0"/>
               <a:t>, </a:t>
             </a:r>
             <a:r>
-              <a:rPr lang="it-IT" dirty="0" err="1" smtClean="0"/>
+              <a:rPr lang="it-IT" dirty="0" err="1"/>
               <a:t>there</a:t>
             </a:r>
             <a:r>
-              <a:rPr lang="it-IT" dirty="0" smtClean="0"/>
+              <a:rPr lang="it-IT" dirty="0"/>
               <a:t> are multiple ways to solve a </a:t>
             </a:r>
             <a:r>
-              <a:rPr lang="it-IT" dirty="0" err="1" smtClean="0"/>
+              <a:rPr lang="it-IT" dirty="0" err="1"/>
               <a:t>problem</a:t>
+            </a:r>
+            <a:r>
+              <a:rPr lang="it-IT" dirty="0"/>
+              <a:t> and </a:t>
+            </a:r>
+            <a:r>
+              <a:rPr lang="it-IT" dirty="0" err="1"/>
+              <a:t>there</a:t>
             </a:r>
             <a:r>
               <a:rPr lang="it-IT" dirty="0"/>
               <a:t> </a:t>
             </a:r>
             <a:r>
-              <a:rPr lang="it-IT" dirty="0" smtClean="0"/>
-              <a:t>and </a:t>
-            </a:r>
-            <a:r>
-              <a:rPr lang="it-IT" dirty="0" err="1" smtClean="0"/>
-              <a:t>there</a:t>
-            </a:r>
-            <a:r>
-              <a:rPr lang="it-IT" dirty="0" smtClean="0"/>
+              <a:rPr lang="it-IT" dirty="0" err="1"/>
+              <a:t>might</a:t>
+            </a:r>
+            <a:r>
+              <a:rPr lang="it-IT" dirty="0"/>
+              <a:t> be </a:t>
+            </a:r>
+            <a:r>
+              <a:rPr lang="it-IT" dirty="0" err="1"/>
+              <a:t>tradeoffs</a:t>
+            </a:r>
+            <a:r>
+              <a:rPr lang="it-IT" dirty="0"/>
               <a:t> </a:t>
             </a:r>
             <a:r>
-              <a:rPr lang="it-IT" dirty="0" err="1" smtClean="0"/>
-              <a:t>might</a:t>
-            </a:r>
-            <a:r>
-              <a:rPr lang="it-IT" dirty="0" smtClean="0"/>
-              <a:t> be </a:t>
-            </a:r>
-            <a:r>
-              <a:rPr lang="it-IT" dirty="0" err="1" smtClean="0"/>
-              <a:t>tradeoffs</a:t>
-            </a:r>
-            <a:r>
-              <a:rPr lang="it-IT" dirty="0" smtClean="0"/>
-              <a:t> </a:t>
-            </a:r>
-            <a:r>
-              <a:rPr lang="it-IT" dirty="0" err="1" smtClean="0"/>
+              <a:rPr lang="it-IT" dirty="0" err="1"/>
               <a:t>between</a:t>
             </a:r>
             <a:r>
-              <a:rPr lang="it-IT" dirty="0" smtClean="0"/>
+              <a:rPr lang="it-IT" dirty="0"/>
               <a:t> the </a:t>
             </a:r>
             <a:r>
-              <a:rPr lang="it-IT" dirty="0" err="1" smtClean="0"/>
+              <a:rPr lang="it-IT" dirty="0" err="1"/>
               <a:t>solutions</a:t>
             </a:r>
             <a:r>
-              <a:rPr lang="it-IT" dirty="0" smtClean="0"/>
+              <a:rPr lang="it-IT" dirty="0"/>
               <a:t> (e.g. </a:t>
             </a:r>
             <a:r>
-              <a:rPr lang="it-IT" dirty="0" err="1" smtClean="0"/>
+              <a:rPr lang="it-IT" dirty="0" err="1"/>
               <a:t>how</a:t>
             </a:r>
             <a:r>
-              <a:rPr lang="it-IT" dirty="0" smtClean="0"/>
+              <a:rPr lang="it-IT" dirty="0"/>
               <a:t> long the code </a:t>
             </a:r>
             <a:r>
-              <a:rPr lang="it-IT" dirty="0" err="1" smtClean="0"/>
+              <a:rPr lang="it-IT" dirty="0" err="1"/>
               <a:t>takes</a:t>
             </a:r>
             <a:r>
-              <a:rPr lang="it-IT" dirty="0" smtClean="0"/>
+              <a:rPr lang="it-IT" dirty="0"/>
               <a:t> to </a:t>
             </a:r>
             <a:r>
-              <a:rPr lang="it-IT" dirty="0" err="1" smtClean="0"/>
+              <a:rPr lang="it-IT" dirty="0" err="1"/>
               <a:t>run</a:t>
             </a:r>
             <a:r>
-              <a:rPr lang="it-IT" dirty="0" smtClean="0"/>
+              <a:rPr lang="it-IT" dirty="0"/>
               <a:t> the code, can </a:t>
             </a:r>
             <a:r>
-              <a:rPr lang="it-IT" dirty="0" err="1" smtClean="0"/>
+              <a:rPr lang="it-IT" dirty="0" err="1"/>
               <a:t>you</a:t>
             </a:r>
             <a:r>
-              <a:rPr lang="it-IT" dirty="0" smtClean="0"/>
+              <a:rPr lang="it-IT" dirty="0"/>
               <a:t> use </a:t>
             </a:r>
             <a:r>
-              <a:rPr lang="it-IT" dirty="0" err="1" smtClean="0"/>
+              <a:rPr lang="it-IT" dirty="0" err="1"/>
               <a:t>both</a:t>
             </a:r>
             <a:r>
-              <a:rPr lang="it-IT" dirty="0" smtClean="0"/>
+              <a:rPr lang="it-IT" dirty="0"/>
               <a:t> rate and angle </a:t>
             </a:r>
             <a:r>
-              <a:rPr lang="it-IT" dirty="0" err="1" smtClean="0"/>
+              <a:rPr lang="it-IT" dirty="0" err="1"/>
               <a:t>readings</a:t>
             </a:r>
             <a:r>
-              <a:rPr lang="it-IT" dirty="0" smtClean="0"/>
+              <a:rPr lang="it-IT" dirty="0"/>
               <a:t>?)</a:t>
             </a:r>
           </a:p>
@@ -7046,7 +6937,7 @@
               <a:buNone/>
             </a:pPr>
             <a:r>
-              <a:rPr lang="it-IT" sz="2600" b="1" i="1" dirty="0" smtClean="0">
+              <a:rPr lang="it-IT" sz="2400" b="1" i="1" dirty="0">
                 <a:solidFill>
                   <a:srgbClr val="FF0000"/>
                 </a:solidFill>
@@ -7054,7 +6945,7 @@
               <a:t>Update: </a:t>
             </a:r>
             <a:r>
-              <a:rPr lang="it-IT" sz="2600" b="1" i="1" dirty="0" err="1" smtClean="0">
+              <a:rPr lang="it-IT" sz="2400" b="1" i="1" dirty="0" err="1">
                 <a:solidFill>
                   <a:srgbClr val="FF0000"/>
                 </a:solidFill>
@@ -7062,7 +6953,7 @@
               <a:t>Please</a:t>
             </a:r>
             <a:r>
-              <a:rPr lang="it-IT" sz="2600" b="1" i="1" dirty="0" smtClean="0">
+              <a:rPr lang="it-IT" sz="2400" b="1" i="1" dirty="0">
                 <a:solidFill>
                   <a:srgbClr val="FF0000"/>
                 </a:solidFill>
@@ -7070,7 +6961,7 @@
               <a:t> </a:t>
             </a:r>
             <a:r>
-              <a:rPr lang="it-IT" sz="2600" b="1" i="1" dirty="0" err="1" smtClean="0">
+              <a:rPr lang="it-IT" sz="2400" b="1" i="1" dirty="0" err="1">
                 <a:solidFill>
                   <a:srgbClr val="FF0000"/>
                 </a:solidFill>
@@ -7078,7 +6969,7 @@
               <a:t>read</a:t>
             </a:r>
             <a:r>
-              <a:rPr lang="it-IT" sz="2600" b="1" i="1" dirty="0" smtClean="0">
+              <a:rPr lang="it-IT" sz="2400" b="1" i="1" dirty="0">
                 <a:solidFill>
                   <a:srgbClr val="FF0000"/>
                 </a:solidFill>
@@ -7086,7 +6977,7 @@
               <a:t> the “</a:t>
             </a:r>
             <a:r>
-              <a:rPr lang="it-IT" sz="2600" b="1" i="1" dirty="0" err="1" smtClean="0">
+              <a:rPr lang="it-IT" sz="2400" b="1" i="1" dirty="0" err="1">
                 <a:solidFill>
                   <a:srgbClr val="FF0000"/>
                 </a:solidFill>
@@ -7094,7 +6985,7 @@
               <a:t>Gyro</a:t>
             </a:r>
             <a:r>
-              <a:rPr lang="it-IT" sz="2600" b="1" i="1" dirty="0" smtClean="0">
+              <a:rPr lang="it-IT" sz="2400" b="1" i="1" dirty="0">
                 <a:solidFill>
                   <a:srgbClr val="FF0000"/>
                 </a:solidFill>
@@ -7102,7 +6993,7 @@
               <a:t> Sensor </a:t>
             </a:r>
             <a:r>
-              <a:rPr lang="it-IT" sz="2600" b="1" i="1" dirty="0" err="1" smtClean="0">
+              <a:rPr lang="it-IT" sz="2400" b="1" i="1" dirty="0" err="1">
                 <a:solidFill>
                   <a:srgbClr val="FF0000"/>
                 </a:solidFill>
@@ -7110,7 +7001,7 @@
               <a:t>Revisited</a:t>
             </a:r>
             <a:r>
-              <a:rPr lang="it-IT" sz="2600" b="1" i="1" dirty="0" smtClean="0">
+              <a:rPr lang="it-IT" sz="2400" b="1" i="1" dirty="0">
                 <a:solidFill>
                   <a:srgbClr val="FF0000"/>
                 </a:solidFill>
@@ -7118,7 +7009,7 @@
               <a:t>” </a:t>
             </a:r>
             <a:r>
-              <a:rPr lang="it-IT" sz="2600" b="1" i="1" dirty="0" err="1" smtClean="0">
+              <a:rPr lang="it-IT" sz="2400" b="1" i="1" dirty="0" err="1">
                 <a:solidFill>
                   <a:srgbClr val="FF0000"/>
                 </a:solidFill>
@@ -7126,7 +7017,7 @@
               <a:t>lesson</a:t>
             </a:r>
             <a:r>
-              <a:rPr lang="it-IT" sz="2600" b="1" i="1" dirty="0" smtClean="0">
+              <a:rPr lang="it-IT" sz="2400" b="1" i="1" dirty="0">
                 <a:solidFill>
                   <a:srgbClr val="FF0000"/>
                 </a:solidFill>
@@ -7134,7 +7025,7 @@
               <a:t> for </a:t>
             </a:r>
             <a:r>
-              <a:rPr lang="it-IT" sz="2600" b="1" i="1" dirty="0" err="1" smtClean="0">
+              <a:rPr lang="it-IT" sz="2400" b="1" i="1" dirty="0" err="1">
                 <a:solidFill>
                   <a:srgbClr val="FF0000"/>
                 </a:solidFill>
@@ -7142,7 +7033,7 @@
               <a:t>important</a:t>
             </a:r>
             <a:r>
-              <a:rPr lang="it-IT" sz="2600" b="1" i="1" dirty="0" smtClean="0">
+              <a:rPr lang="it-IT" sz="2400" b="1" i="1" dirty="0">
                 <a:solidFill>
                   <a:srgbClr val="FF0000"/>
                 </a:solidFill>
@@ -7150,7 +7041,7 @@
               <a:t> </a:t>
             </a:r>
             <a:r>
-              <a:rPr lang="it-IT" sz="2600" b="1" i="1" dirty="0" err="1" smtClean="0">
+              <a:rPr lang="it-IT" sz="2400" b="1" i="1" dirty="0" err="1">
                 <a:solidFill>
                   <a:srgbClr val="FF0000"/>
                 </a:solidFill>
@@ -7158,18 +7049,499 @@
               <a:t>updates</a:t>
             </a:r>
             <a:r>
-              <a:rPr lang="it-IT" sz="2600" b="1" i="1" dirty="0" smtClean="0">
-                <a:solidFill>
-                  <a:srgbClr val="FF0000"/>
-                </a:solidFill>
-              </a:rPr>
-              <a:t> (8/6/2017)</a:t>
-            </a:r>
-            <a:endParaRPr lang="it-IT" sz="2600" b="1" i="1" dirty="0" smtClean="0">
-              <a:solidFill>
-                <a:srgbClr val="FF0000"/>
-              </a:solidFill>
-            </a:endParaRPr>
+              <a:rPr lang="it-IT" sz="2400" b="1" i="1" dirty="0">
+                <a:solidFill>
+                  <a:srgbClr val="FF0000"/>
+                </a:solidFill>
+              </a:rPr>
+              <a:t> (8/6/2017) </a:t>
+            </a:r>
+            <a:r>
+              <a:rPr lang="it-IT" sz="2400" b="1" i="1" dirty="0" err="1">
+                <a:solidFill>
+                  <a:srgbClr val="FF0000"/>
+                </a:solidFill>
+              </a:rPr>
+              <a:t>after</a:t>
+            </a:r>
+            <a:r>
+              <a:rPr lang="it-IT" sz="2400" b="1" i="1" dirty="0">
+                <a:solidFill>
+                  <a:srgbClr val="FF0000"/>
+                </a:solidFill>
+              </a:rPr>
+              <a:t> </a:t>
+            </a:r>
+            <a:r>
+              <a:rPr lang="it-IT" sz="2400" b="1" i="1" dirty="0" err="1">
+                <a:solidFill>
+                  <a:srgbClr val="FF0000"/>
+                </a:solidFill>
+              </a:rPr>
+              <a:t>you</a:t>
+            </a:r>
+            <a:r>
+              <a:rPr lang="it-IT" sz="2400" b="1" i="1" dirty="0">
+                <a:solidFill>
+                  <a:srgbClr val="FF0000"/>
+                </a:solidFill>
+              </a:rPr>
+              <a:t> complete </a:t>
+            </a:r>
+            <a:r>
+              <a:rPr lang="it-IT" sz="2400" b="1" i="1" dirty="0" err="1">
+                <a:solidFill>
+                  <a:srgbClr val="FF0000"/>
+                </a:solidFill>
+              </a:rPr>
+              <a:t>this</a:t>
+            </a:r>
+            <a:r>
+              <a:rPr lang="it-IT" sz="2400" b="1" i="1" dirty="0">
+                <a:solidFill>
+                  <a:srgbClr val="FF0000"/>
+                </a:solidFill>
+              </a:rPr>
+              <a:t> </a:t>
+            </a:r>
+            <a:r>
+              <a:rPr lang="it-IT" sz="2400" b="1" i="1" dirty="0" err="1">
+                <a:solidFill>
+                  <a:srgbClr val="FF0000"/>
+                </a:solidFill>
+              </a:rPr>
+              <a:t>lesson</a:t>
+            </a:r>
+            <a:r>
+              <a:rPr lang="it-IT" sz="2400" b="1" i="1" dirty="0">
+                <a:solidFill>
+                  <a:srgbClr val="FF0000"/>
+                </a:solidFill>
+              </a:rPr>
+              <a:t>. The </a:t>
+            </a:r>
+            <a:r>
+              <a:rPr lang="it-IT" sz="2400" b="1" i="1" dirty="0" err="1">
+                <a:solidFill>
+                  <a:srgbClr val="FF0000"/>
+                </a:solidFill>
+              </a:rPr>
+              <a:t>strategies</a:t>
+            </a:r>
+            <a:r>
+              <a:rPr lang="it-IT" sz="2400" b="1" i="1" dirty="0">
+                <a:solidFill>
+                  <a:srgbClr val="FF0000"/>
+                </a:solidFill>
+              </a:rPr>
+              <a:t> in </a:t>
+            </a:r>
+            <a:r>
+              <a:rPr lang="it-IT" sz="2400" b="1" i="1" dirty="0" err="1">
+                <a:solidFill>
+                  <a:srgbClr val="FF0000"/>
+                </a:solidFill>
+              </a:rPr>
+              <a:t>this</a:t>
+            </a:r>
+            <a:r>
+              <a:rPr lang="it-IT" sz="2400" b="1" i="1" dirty="0">
+                <a:solidFill>
+                  <a:srgbClr val="FF0000"/>
+                </a:solidFill>
+              </a:rPr>
+              <a:t> </a:t>
+            </a:r>
+            <a:r>
+              <a:rPr lang="it-IT" sz="2400" b="1" i="1" dirty="0" err="1">
+                <a:solidFill>
+                  <a:srgbClr val="FF0000"/>
+                </a:solidFill>
+              </a:rPr>
+              <a:t>lesson</a:t>
+            </a:r>
+            <a:r>
+              <a:rPr lang="it-IT" sz="2400" b="1" i="1" dirty="0">
+                <a:solidFill>
+                  <a:srgbClr val="FF0000"/>
+                </a:solidFill>
+              </a:rPr>
+              <a:t> </a:t>
+            </a:r>
+            <a:r>
+              <a:rPr lang="it-IT" sz="2400" b="1" i="1" dirty="0" err="1">
+                <a:solidFill>
+                  <a:srgbClr val="FF0000"/>
+                </a:solidFill>
+              </a:rPr>
+              <a:t>will</a:t>
+            </a:r>
+            <a:r>
+              <a:rPr lang="it-IT" sz="2400" b="1" i="1" dirty="0">
+                <a:solidFill>
+                  <a:srgbClr val="FF0000"/>
+                </a:solidFill>
+              </a:rPr>
+              <a:t> </a:t>
+            </a:r>
+            <a:r>
+              <a:rPr lang="it-IT" sz="2400" b="1" i="1" dirty="0" err="1">
+                <a:solidFill>
+                  <a:srgbClr val="FF0000"/>
+                </a:solidFill>
+              </a:rPr>
+              <a:t>not</a:t>
+            </a:r>
+            <a:r>
+              <a:rPr lang="it-IT" sz="2400" b="1" i="1" dirty="0">
+                <a:solidFill>
+                  <a:srgbClr val="FF0000"/>
+                </a:solidFill>
+              </a:rPr>
+              <a:t> work on </a:t>
+            </a:r>
+            <a:r>
+              <a:rPr lang="it-IT" sz="2400" b="1" i="1" dirty="0" err="1">
+                <a:solidFill>
+                  <a:srgbClr val="FF0000"/>
+                </a:solidFill>
+              </a:rPr>
+              <a:t>newer</a:t>
+            </a:r>
+            <a:r>
+              <a:rPr lang="it-IT" sz="2400" b="1" i="1" dirty="0">
+                <a:solidFill>
+                  <a:srgbClr val="FF0000"/>
+                </a:solidFill>
+              </a:rPr>
+              <a:t> </a:t>
+            </a:r>
+            <a:r>
+              <a:rPr lang="it-IT" sz="2400" b="1" i="1" dirty="0" err="1">
+                <a:solidFill>
+                  <a:srgbClr val="FF0000"/>
+                </a:solidFill>
+              </a:rPr>
+              <a:t>gyro</a:t>
+            </a:r>
+            <a:r>
+              <a:rPr lang="it-IT" sz="2400" b="1" i="1" dirty="0">
+                <a:solidFill>
+                  <a:srgbClr val="FF0000"/>
+                </a:solidFill>
+              </a:rPr>
+              <a:t> </a:t>
+            </a:r>
+            <a:r>
+              <a:rPr lang="it-IT" sz="2400" b="1" i="1" dirty="0" err="1">
+                <a:solidFill>
+                  <a:srgbClr val="FF0000"/>
+                </a:solidFill>
+              </a:rPr>
+              <a:t>sensors</a:t>
+            </a:r>
+            <a:r>
+              <a:rPr lang="it-IT" sz="2400" b="1" i="1" dirty="0">
+                <a:solidFill>
+                  <a:srgbClr val="FF0000"/>
+                </a:solidFill>
+              </a:rPr>
+              <a:t>. </a:t>
+            </a:r>
+            <a:r>
+              <a:rPr lang="it-IT" sz="2400" b="1" i="1" dirty="0" err="1">
+                <a:solidFill>
+                  <a:srgbClr val="FF0000"/>
+                </a:solidFill>
+              </a:rPr>
+              <a:t>Please</a:t>
+            </a:r>
+            <a:r>
+              <a:rPr lang="it-IT" sz="2400" b="1" i="1" dirty="0">
+                <a:solidFill>
+                  <a:srgbClr val="FF0000"/>
+                </a:solidFill>
+              </a:rPr>
+              <a:t> </a:t>
+            </a:r>
+            <a:r>
+              <a:rPr lang="it-IT" sz="2400" b="1" i="1" dirty="0" err="1">
+                <a:solidFill>
+                  <a:srgbClr val="FF0000"/>
+                </a:solidFill>
+              </a:rPr>
+              <a:t>read</a:t>
+            </a:r>
+            <a:r>
+              <a:rPr lang="it-IT" sz="2400" b="1" i="1" dirty="0">
+                <a:solidFill>
+                  <a:srgbClr val="FF0000"/>
+                </a:solidFill>
+              </a:rPr>
+              <a:t> the </a:t>
+            </a:r>
+            <a:r>
+              <a:rPr lang="it-IT" sz="2400" b="1" i="1" dirty="0" err="1">
+                <a:solidFill>
+                  <a:srgbClr val="FF0000"/>
+                </a:solidFill>
+              </a:rPr>
+              <a:t>next</a:t>
+            </a:r>
+            <a:r>
+              <a:rPr lang="it-IT" sz="2400" b="1" i="1" dirty="0">
+                <a:solidFill>
+                  <a:srgbClr val="FF0000"/>
+                </a:solidFill>
+              </a:rPr>
+              <a:t> </a:t>
+            </a:r>
+            <a:r>
+              <a:rPr lang="it-IT" sz="2400" b="1" i="1" dirty="0" err="1">
+                <a:solidFill>
+                  <a:srgbClr val="FF0000"/>
+                </a:solidFill>
+              </a:rPr>
+              <a:t>lesson</a:t>
+            </a:r>
+            <a:r>
+              <a:rPr lang="it-IT" sz="2400" b="1" i="1" dirty="0">
+                <a:solidFill>
+                  <a:srgbClr val="FF0000"/>
+                </a:solidFill>
+              </a:rPr>
+              <a:t> to </a:t>
+            </a:r>
+            <a:r>
+              <a:rPr lang="it-IT" sz="2400" b="1" i="1" dirty="0" err="1">
+                <a:solidFill>
+                  <a:srgbClr val="FF0000"/>
+                </a:solidFill>
+              </a:rPr>
+              <a:t>find</a:t>
+            </a:r>
+            <a:r>
+              <a:rPr lang="it-IT" sz="2400" b="1" i="1" dirty="0">
+                <a:solidFill>
+                  <a:srgbClr val="FF0000"/>
+                </a:solidFill>
+              </a:rPr>
+              <a:t> out </a:t>
+            </a:r>
+            <a:r>
+              <a:rPr lang="it-IT" sz="2400" b="1" i="1" dirty="0" err="1">
+                <a:solidFill>
+                  <a:srgbClr val="FF0000"/>
+                </a:solidFill>
+              </a:rPr>
+              <a:t>if</a:t>
+            </a:r>
+            <a:r>
+              <a:rPr lang="it-IT" sz="2400" b="1" i="1" dirty="0">
+                <a:solidFill>
+                  <a:srgbClr val="FF0000"/>
+                </a:solidFill>
+              </a:rPr>
+              <a:t> </a:t>
+            </a:r>
+            <a:r>
+              <a:rPr lang="it-IT" sz="2400" b="1" i="1" dirty="0" err="1">
+                <a:solidFill>
+                  <a:srgbClr val="FF0000"/>
+                </a:solidFill>
+              </a:rPr>
+              <a:t>your</a:t>
+            </a:r>
+            <a:r>
+              <a:rPr lang="it-IT" sz="2400" b="1" i="1" dirty="0">
+                <a:solidFill>
+                  <a:srgbClr val="FF0000"/>
+                </a:solidFill>
+              </a:rPr>
+              <a:t> </a:t>
+            </a:r>
+            <a:r>
+              <a:rPr lang="it-IT" sz="2400" b="1" i="1" dirty="0" err="1">
+                <a:solidFill>
+                  <a:srgbClr val="FF0000"/>
+                </a:solidFill>
+              </a:rPr>
+              <a:t>sensor</a:t>
+            </a:r>
+            <a:r>
+              <a:rPr lang="it-IT" sz="2400" b="1" i="1" dirty="0">
+                <a:solidFill>
+                  <a:srgbClr val="FF0000"/>
+                </a:solidFill>
+              </a:rPr>
+              <a:t> </a:t>
+            </a:r>
+            <a:r>
+              <a:rPr lang="it-IT" sz="2400" b="1" i="1" dirty="0" err="1">
+                <a:solidFill>
+                  <a:srgbClr val="FF0000"/>
+                </a:solidFill>
+              </a:rPr>
+              <a:t>is</a:t>
+            </a:r>
+            <a:r>
+              <a:rPr lang="it-IT" sz="2400" b="1" i="1" dirty="0">
+                <a:solidFill>
+                  <a:srgbClr val="FF0000"/>
+                </a:solidFill>
+              </a:rPr>
+              <a:t> a </a:t>
+            </a:r>
+            <a:r>
+              <a:rPr lang="it-IT" sz="2400" b="1" i="1" dirty="0" err="1">
+                <a:solidFill>
+                  <a:srgbClr val="FF0000"/>
+                </a:solidFill>
+              </a:rPr>
+              <a:t>newer</a:t>
+            </a:r>
+            <a:r>
+              <a:rPr lang="it-IT" sz="2400" b="1" i="1" dirty="0">
+                <a:solidFill>
+                  <a:srgbClr val="FF0000"/>
+                </a:solidFill>
+              </a:rPr>
+              <a:t> model and </a:t>
+            </a:r>
+            <a:r>
+              <a:rPr lang="it-IT" sz="2400" b="1" i="1" dirty="0" err="1">
+                <a:solidFill>
+                  <a:srgbClr val="FF0000"/>
+                </a:solidFill>
+              </a:rPr>
+              <a:t>what</a:t>
+            </a:r>
+            <a:r>
+              <a:rPr lang="it-IT" sz="2400" b="1" i="1" dirty="0">
+                <a:solidFill>
+                  <a:srgbClr val="FF0000"/>
+                </a:solidFill>
+              </a:rPr>
+              <a:t> </a:t>
+            </a:r>
+            <a:r>
+              <a:rPr lang="it-IT" sz="2400" b="1" i="1" dirty="0" err="1">
+                <a:solidFill>
+                  <a:srgbClr val="FF0000"/>
+                </a:solidFill>
+              </a:rPr>
+              <a:t>alternatives</a:t>
+            </a:r>
+            <a:r>
+              <a:rPr lang="it-IT" sz="2400" b="1" i="1" dirty="0">
+                <a:solidFill>
+                  <a:srgbClr val="FF0000"/>
+                </a:solidFill>
+              </a:rPr>
+              <a:t> </a:t>
+            </a:r>
+            <a:r>
+              <a:rPr lang="it-IT" sz="2400" b="1" i="1" dirty="0" err="1">
+                <a:solidFill>
+                  <a:srgbClr val="FF0000"/>
+                </a:solidFill>
+              </a:rPr>
+              <a:t>you</a:t>
+            </a:r>
+            <a:r>
+              <a:rPr lang="it-IT" sz="2400" b="1" i="1" dirty="0">
+                <a:solidFill>
+                  <a:srgbClr val="FF0000"/>
+                </a:solidFill>
+              </a:rPr>
+              <a:t> </a:t>
+            </a:r>
+            <a:r>
+              <a:rPr lang="it-IT" sz="2400" b="1" i="1" dirty="0" err="1">
+                <a:solidFill>
+                  <a:srgbClr val="FF0000"/>
+                </a:solidFill>
+              </a:rPr>
+              <a:t>have</a:t>
+            </a:r>
+            <a:r>
+              <a:rPr lang="it-IT" sz="2400" b="1" i="1" dirty="0">
+                <a:solidFill>
+                  <a:srgbClr val="FF0000"/>
+                </a:solidFill>
+              </a:rPr>
+              <a:t> to </a:t>
+            </a:r>
+            <a:r>
+              <a:rPr lang="it-IT" sz="2400" b="1" i="1" dirty="0" err="1">
+                <a:solidFill>
+                  <a:srgbClr val="FF0000"/>
+                </a:solidFill>
+              </a:rPr>
+              <a:t>reclaibrate</a:t>
+            </a:r>
+            <a:r>
+              <a:rPr lang="it-IT" sz="2400" b="1" i="1" dirty="0">
+                <a:solidFill>
+                  <a:srgbClr val="FF0000"/>
+                </a:solidFill>
+              </a:rPr>
+              <a:t> </a:t>
+            </a:r>
+            <a:r>
+              <a:rPr lang="it-IT" sz="2400" b="1" i="1" dirty="0" err="1">
+                <a:solidFill>
+                  <a:srgbClr val="FF0000"/>
+                </a:solidFill>
+              </a:rPr>
+              <a:t>your</a:t>
+            </a:r>
+            <a:r>
+              <a:rPr lang="it-IT" sz="2400" b="1" i="1" dirty="0">
+                <a:solidFill>
+                  <a:srgbClr val="FF0000"/>
+                </a:solidFill>
+              </a:rPr>
+              <a:t> </a:t>
+            </a:r>
+            <a:r>
+              <a:rPr lang="it-IT" sz="2400" b="1" i="1" dirty="0" err="1">
+                <a:solidFill>
+                  <a:srgbClr val="FF0000"/>
+                </a:solidFill>
+              </a:rPr>
+              <a:t>gyro</a:t>
+            </a:r>
+            <a:r>
+              <a:rPr lang="it-IT" sz="2400" b="1" i="1" dirty="0">
+                <a:solidFill>
+                  <a:srgbClr val="FF0000"/>
+                </a:solidFill>
+              </a:rPr>
+              <a:t> </a:t>
+            </a:r>
+            <a:r>
+              <a:rPr lang="it-IT" sz="2400" b="1" i="1" dirty="0" err="1">
+                <a:solidFill>
+                  <a:srgbClr val="FF0000"/>
+                </a:solidFill>
+              </a:rPr>
+              <a:t>sensor</a:t>
+            </a:r>
+            <a:r>
+              <a:rPr lang="it-IT" sz="2400" b="1" i="1" dirty="0">
+                <a:solidFill>
+                  <a:srgbClr val="FF0000"/>
+                </a:solidFill>
+              </a:rPr>
+              <a:t>.</a:t>
+            </a:r>
+          </a:p>
+          <a:p>
+            <a:pPr marL="460375" lvl="1" indent="0">
+              <a:buNone/>
+            </a:pPr>
+            <a:endParaRPr lang="it-IT" dirty="0"/>
           </a:p>
         </p:txBody>
       </p:sp>
@@ -7190,7 +7562,7 @@
           <a:p>
             <a:fld id="{F9D1C0A9-2B1B-9943-A35C-2A04CA207E70}" type="datetime1">
               <a:rPr lang="en-US" smtClean="0"/>
-              <a:t>8/6/17</a:t>
+              <a:t>12/21/18</a:t>
             </a:fld>
             <a:endParaRPr lang="en-US"/>
           </a:p>
@@ -7265,56 +7637,55 @@
           <a:lstStyle/>
           <a:p>
             <a:r>
-              <a:rPr lang="en-US" dirty="0" smtClean="0"/>
+              <a:rPr lang="en-US" dirty="0"/>
               <a:t>This tutorial was written by Sanjay </a:t>
             </a:r>
             <a:r>
-              <a:rPr lang="en-US" dirty="0" err="1" smtClean="0"/>
+              <a:rPr lang="en-US" dirty="0" err="1"/>
               <a:t>Seshan</a:t>
             </a:r>
             <a:r>
-              <a:rPr lang="en-US" dirty="0" smtClean="0"/>
+              <a:rPr lang="en-US" dirty="0"/>
               <a:t> and Arvind </a:t>
             </a:r>
             <a:r>
-              <a:rPr lang="en-US" dirty="0" err="1" smtClean="0"/>
+              <a:rPr lang="en-US" dirty="0" err="1"/>
               <a:t>Seshan</a:t>
             </a:r>
             <a:r>
-              <a:rPr lang="en-US" dirty="0" smtClean="0"/>
+              <a:rPr lang="en-US" dirty="0"/>
               <a:t> </a:t>
             </a:r>
             <a:r>
-              <a:rPr lang="en-US" smtClean="0"/>
+              <a:rPr lang="en-US"/>
               <a:t>and uses </a:t>
             </a:r>
             <a:r>
-              <a:rPr lang="en-US" dirty="0" smtClean="0"/>
+              <a:rPr lang="en-US" dirty="0"/>
               <a:t>code shared by Hoosier </a:t>
             </a:r>
             <a:r>
-              <a:rPr lang="en-US" dirty="0" err="1" smtClean="0"/>
+              <a:rPr lang="en-US" dirty="0" err="1"/>
               <a:t>Girlz</a:t>
             </a:r>
             <a:r>
-              <a:rPr lang="en-US" dirty="0" smtClean="0"/>
+              <a:rPr lang="en-US" dirty="0"/>
               <a:t> (http://</a:t>
             </a:r>
             <a:r>
-              <a:rPr lang="en-US" dirty="0" err="1" smtClean="0"/>
+              <a:rPr lang="en-US" dirty="0" err="1"/>
               <a:t>www.fllhoosiergirlz.com</a:t>
             </a:r>
             <a:r>
-              <a:rPr lang="en-US" dirty="0" smtClean="0"/>
+              <a:rPr lang="en-US" dirty="0"/>
               <a:t>)</a:t>
             </a:r>
           </a:p>
           <a:p>
             <a:r>
-              <a:rPr lang="en-US" dirty="0" smtClean="0"/>
+              <a:rPr lang="en-US" dirty="0"/>
               <a:t>More lessons at www.ev3lessons.com</a:t>
             </a:r>
-            <a:endParaRPr lang="en-US" dirty="0"/>
           </a:p>
         </p:txBody>
       </p:sp>
@@ -7334,7 +7705,7 @@
           <a:lstStyle/>
           <a:p>
             <a:r>
-              <a:rPr lang="sk-SK" smtClean="0"/>
+              <a:rPr lang="sk-SK"/>
               <a:t>© 2016 EV3Lessons.com</a:t>
             </a:r>
             <a:endParaRPr lang="en-US"/>
@@ -7357,7 +7728,7 @@
           <a:lstStyle/>
           <a:p>
             <a:r>
-              <a:rPr lang="en-US" smtClean="0"/>
+              <a:rPr lang="en-US"/>
               <a:t>Credits</a:t>
             </a:r>
             <a:endParaRPr lang="en-US" dirty="0"/>
@@ -7389,7 +7760,7 @@
           <a:effectLst/>
           <a:extLst>
             <a:ext uri="{91240B29-F687-4f45-9708-019B960494DF}">
-              <a14:hiddenLine xmlns:a14="http://schemas.microsoft.com/office/drawing/2010/main" xmlns="" w="9525">
+              <a14:hiddenLine xmlns="" xmlns:a14="http://schemas.microsoft.com/office/drawing/2010/main" w="9525">
                 <a:solidFill>
                   <a:schemeClr val="tx1"/>
                 </a:solidFill>
@@ -7399,7 +7770,7 @@
               </a14:hiddenLine>
             </a:ext>
             <a:ext uri="{AF507438-7753-43e0-B8FC-AC1667EBCBE1}">
-              <a14:hiddenEffects xmlns:a14="http://schemas.microsoft.com/office/drawing/2010/main" xmlns="">
+              <a14:hiddenEffects xmlns="" xmlns:a14="http://schemas.microsoft.com/office/drawing/2010/main">
                 <a:effectLst>
                   <a:outerShdw dist="35921" dir="2700000" algn="ctr" rotWithShape="0">
                     <a:schemeClr val="bg2"/>
@@ -7562,7 +7933,7 @@
               <a:tabLst/>
             </a:pPr>
             <a:r>
-              <a:rPr kumimoji="0" lang="en-US" altLang="en-US" sz="2000" b="0" i="0" u="none" strike="noStrike" cap="none" normalizeH="0" baseline="0" dirty="0" smtClean="0">
+              <a:rPr kumimoji="0" lang="en-US" altLang="en-US" sz="2000" b="0" i="0" u="none" strike="noStrike" cap="none" normalizeH="0" baseline="0" dirty="0">
                 <a:ln>
                   <a:noFill/>
                 </a:ln>
@@ -7574,8 +7945,8 @@
               </a:rPr>
               <a:t>                         </a:t>
             </a:r>
-            <a:r>
-              <a:rPr kumimoji="0" lang="en-US" altLang="en-US" sz="1600" b="0" i="0" u="none" strike="noStrike" cap="none" normalizeH="0" baseline="0" dirty="0" smtClean="0">
+            <a:br>
+              <a:rPr kumimoji="0" lang="en-US" altLang="en-US" sz="1600" b="0" i="0" u="none" strike="noStrike" cap="none" normalizeH="0" baseline="0" dirty="0">
                 <a:ln>
                   <a:noFill/>
                 </a:ln>
@@ -7584,34 +7955,36 @@
                 </a:solidFill>
                 <a:effectLst/>
               </a:rPr>
-              <a:t/>
-            </a:r>
-            <a:br>
-              <a:rPr kumimoji="0" lang="en-US" altLang="en-US" sz="1600" b="0" i="0" u="none" strike="noStrike" cap="none" normalizeH="0" baseline="0" dirty="0" smtClean="0">
+            </a:br>
+            <a:r>
+              <a:rPr kumimoji="0" lang="en-US" altLang="en-US" sz="2000" b="0" i="0" u="none" strike="noStrike" cap="none" normalizeH="0" baseline="0" dirty="0">
                 <a:ln>
                   <a:noFill/>
                 </a:ln>
                 <a:solidFill>
-                  <a:schemeClr val="tx1"/>
+                  <a:srgbClr val="000000"/>
                 </a:solidFill>
                 <a:effectLst/>
-              </a:rPr>
-            </a:br>
-            <a:r>
-              <a:rPr kumimoji="0" lang="en-US" altLang="en-US" sz="2000" b="0" i="0" u="none" strike="noStrike" cap="none" normalizeH="0" baseline="0" dirty="0" smtClean="0">
+                <a:latin typeface="Helvetica Neue"/>
+              </a:rPr>
+              <a:t>This work is licensed under a </a:t>
+            </a:r>
+            <a:r>
+              <a:rPr kumimoji="0" lang="en-US" altLang="en-US" sz="2000" b="0" i="0" u="none" strike="noStrike" cap="none" normalizeH="0" baseline="0" dirty="0">
                 <a:ln>
                   <a:noFill/>
                 </a:ln>
                 <a:solidFill>
-                  <a:srgbClr val="000000"/>
+                  <a:srgbClr val="4374B7"/>
                 </a:solidFill>
                 <a:effectLst/>
                 <a:latin typeface="Helvetica Neue"/>
-              </a:rPr>
-              <a:t>This work is licensed under a </a:t>
-            </a:r>
-            <a:r>
-              <a:rPr kumimoji="0" lang="en-US" altLang="en-US" sz="2000" b="0" i="0" u="none" strike="noStrike" cap="none" normalizeH="0" baseline="0" dirty="0" smtClean="0">
+                <a:hlinkClick r:id="rId3"/>
+              </a:rPr>
+              <a:t>Creative Commons Attribution-</a:t>
+            </a:r>
+            <a:r>
+              <a:rPr kumimoji="0" lang="en-US" altLang="en-US" sz="2000" b="0" i="0" u="none" strike="noStrike" cap="none" normalizeH="0" baseline="0" dirty="0" err="1">
                 <a:ln>
                   <a:noFill/>
                 </a:ln>
@@ -7622,10 +7995,10 @@
                 <a:latin typeface="Helvetica Neue"/>
                 <a:hlinkClick r:id="rId3"/>
               </a:rPr>
-              <a:t>Creative Commons Attribution-</a:t>
-            </a:r>
-            <a:r>
-              <a:rPr kumimoji="0" lang="en-US" altLang="en-US" sz="2000" b="0" i="0" u="none" strike="noStrike" cap="none" normalizeH="0" baseline="0" dirty="0" err="1" smtClean="0">
+              <a:t>NonCommercial</a:t>
+            </a:r>
+            <a:r>
+              <a:rPr kumimoji="0" lang="en-US" altLang="en-US" sz="2000" b="0" i="0" u="none" strike="noStrike" cap="none" normalizeH="0" baseline="0" dirty="0">
                 <a:ln>
                   <a:noFill/>
                 </a:ln>
@@ -7636,10 +8009,10 @@
                 <a:latin typeface="Helvetica Neue"/>
                 <a:hlinkClick r:id="rId3"/>
               </a:rPr>
-              <a:t>NonCommercial</a:t>
-            </a:r>
-            <a:r>
-              <a:rPr kumimoji="0" lang="en-US" altLang="en-US" sz="2000" b="0" i="0" u="none" strike="noStrike" cap="none" normalizeH="0" baseline="0" dirty="0" smtClean="0">
+              <a:t>-</a:t>
+            </a:r>
+            <a:r>
+              <a:rPr kumimoji="0" lang="en-US" altLang="en-US" sz="2000" b="0" i="0" u="none" strike="noStrike" cap="none" normalizeH="0" baseline="0" dirty="0" err="1">
                 <a:ln>
                   <a:noFill/>
                 </a:ln>
@@ -7650,10 +8023,10 @@
                 <a:latin typeface="Helvetica Neue"/>
                 <a:hlinkClick r:id="rId3"/>
               </a:rPr>
-              <a:t>-</a:t>
-            </a:r>
-            <a:r>
-              <a:rPr kumimoji="0" lang="en-US" altLang="en-US" sz="2000" b="0" i="0" u="none" strike="noStrike" cap="none" normalizeH="0" baseline="0" dirty="0" err="1" smtClean="0">
+              <a:t>ShareAlike</a:t>
+            </a:r>
+            <a:r>
+              <a:rPr kumimoji="0" lang="en-US" altLang="en-US" sz="2000" b="0" i="0" u="none" strike="noStrike" cap="none" normalizeH="0" baseline="0" dirty="0">
                 <a:ln>
                   <a:noFill/>
                 </a:ln>
@@ -7664,48 +8037,34 @@
                 <a:latin typeface="Helvetica Neue"/>
                 <a:hlinkClick r:id="rId3"/>
               </a:rPr>
-              <a:t>ShareAlike</a:t>
-            </a:r>
-            <a:r>
-              <a:rPr kumimoji="0" lang="en-US" altLang="en-US" sz="2000" b="0" i="0" u="none" strike="noStrike" cap="none" normalizeH="0" baseline="0" dirty="0" smtClean="0">
+              <a:t> 4.0 International License</a:t>
+            </a:r>
+            <a:r>
+              <a:rPr kumimoji="0" lang="en-US" altLang="en-US" sz="2000" b="0" i="0" u="none" strike="noStrike" cap="none" normalizeH="0" baseline="0" dirty="0">
                 <a:ln>
                   <a:noFill/>
                 </a:ln>
                 <a:solidFill>
-                  <a:srgbClr val="4374B7"/>
+                  <a:srgbClr val="000000"/>
                 </a:solidFill>
                 <a:effectLst/>
                 <a:latin typeface="Helvetica Neue"/>
-                <a:hlinkClick r:id="rId3"/>
-              </a:rPr>
-              <a:t> 4.0 International License</a:t>
-            </a:r>
-            <a:r>
-              <a:rPr kumimoji="0" lang="en-US" altLang="en-US" sz="2000" b="0" i="0" u="none" strike="noStrike" cap="none" normalizeH="0" baseline="0" dirty="0" smtClean="0">
+              </a:rPr>
+              <a:t>.</a:t>
+            </a:r>
+            <a:r>
+              <a:rPr kumimoji="0" lang="en-US" altLang="en-US" sz="1600" b="0" i="0" u="none" strike="noStrike" cap="none" normalizeH="0" baseline="0" dirty="0">
                 <a:ln>
                   <a:noFill/>
                 </a:ln>
                 <a:solidFill>
-                  <a:srgbClr val="000000"/>
+                  <a:schemeClr val="tx1"/>
                 </a:solidFill>
                 <a:effectLst/>
-                <a:latin typeface="Helvetica Neue"/>
-              </a:rPr>
-              <a:t>.</a:t>
-            </a:r>
-            <a:r>
-              <a:rPr kumimoji="0" lang="en-US" altLang="en-US" sz="1600" b="0" i="0" u="none" strike="noStrike" cap="none" normalizeH="0" baseline="0" dirty="0" smtClean="0">
-                <a:ln>
-                  <a:noFill/>
-                </a:ln>
-                <a:solidFill>
-                  <a:schemeClr val="tx1"/>
-                </a:solidFill>
-                <a:effectLst/>
               </a:rPr>
               <a:t> </a:t>
             </a:r>
-            <a:endParaRPr kumimoji="0" lang="en-US" altLang="en-US" sz="2000" b="0" i="0" u="none" strike="noStrike" cap="none" normalizeH="0" baseline="0" dirty="0" smtClean="0">
+            <a:endParaRPr kumimoji="0" lang="en-US" altLang="en-US" sz="2000" b="0" i="0" u="none" strike="noStrike" cap="none" normalizeH="0" baseline="0" dirty="0">
               <a:ln>
                 <a:noFill/>
               </a:ln>
@@ -7752,7 +8111,7 @@
           <a:noFill/>
           <a:extLst>
             <a:ext uri="{909E8E84-426E-40dd-AFC4-6F175D3DCCD1}">
-              <a14:hiddenFill xmlns:a14="http://schemas.microsoft.com/office/drawing/2010/main" xmlns="">
+              <a14:hiddenFill xmlns="" xmlns:a14="http://schemas.microsoft.com/office/drawing/2010/main">
                 <a:solidFill>
                   <a:srgbClr val="FFFFFF"/>
                 </a:solidFill>
@@ -7778,7 +8137,7 @@
           <a:p>
             <a:fld id="{CD848738-2DDE-9B42-91A4-B9D48A936005}" type="datetime1">
               <a:rPr lang="en-US" smtClean="0"/>
-              <a:t>8/6/17</a:t>
+              <a:t>12/21/18</a:t>
             </a:fld>
             <a:endParaRPr lang="en-US"/>
           </a:p>
@@ -7817,21 +8176,6 @@
   <p:clrMapOvr>
     <a:masterClrMapping/>
   </p:clrMapOvr>
-  <mc:AlternateContent xmlns:mc="http://schemas.openxmlformats.org/markup-compatibility/2006" xmlns:p14="http://schemas.microsoft.com/office/powerpoint/2010/main">
-    <mc:Choice Requires="p14">
-      <p:transition spd="slow" p14:dur="2000"/>
-    </mc:Choice>
-    <mc:Fallback xmlns="">
-      <p:transition spd="slow"/>
-    </mc:Fallback>
-  </mc:AlternateContent>
-  <p:timing>
-    <p:tnLst>
-      <p:par>
-        <p:cTn id="1" dur="indefinite" restart="never" nodeType="tmRoot"/>
-      </p:par>
-    </p:tnLst>
-  </p:timing>
 </p:sld>
 </file>
 
@@ -7865,7 +8209,7 @@
         <p:spPr/>
         <p:txBody>
           <a:bodyPr>
-            <a:normAutofit fontScale="85000" lnSpcReduction="10000"/>
+            <a:normAutofit fontScale="70000" lnSpcReduction="20000"/>
           </a:bodyPr>
           <a:lstStyle/>
           <a:p>
@@ -7874,7 +8218,7 @@
               <a:buAutoNum type="arabicPeriod"/>
             </a:pPr>
             <a:r>
-              <a:rPr lang="en-US" dirty="0" smtClean="0"/>
+              <a:rPr lang="en-US" dirty="0"/>
               <a:t>Learn what the Gyro Sensor does</a:t>
             </a:r>
           </a:p>
@@ -7884,7 +8228,7 @@
               <a:buAutoNum type="arabicPeriod"/>
             </a:pPr>
             <a:r>
-              <a:rPr lang="en-US" dirty="0" smtClean="0"/>
+              <a:rPr lang="en-US" dirty="0"/>
               <a:t>Learn about 2 common problems with using the gyro sensor (drift and lag)</a:t>
             </a:r>
           </a:p>
@@ -7894,7 +8238,7 @@
               <a:buAutoNum type="arabicPeriod"/>
             </a:pPr>
             <a:r>
-              <a:rPr lang="en-US" dirty="0" smtClean="0"/>
+              <a:rPr lang="en-US" dirty="0"/>
               <a:t>Learn what “drift” means</a:t>
             </a:r>
           </a:p>
@@ -7904,7 +8248,7 @@
               <a:buAutoNum type="arabicPeriod"/>
             </a:pPr>
             <a:r>
-              <a:rPr lang="en-US" dirty="0" smtClean="0"/>
+              <a:rPr lang="en-US" dirty="0"/>
               <a:t>Learn how to correct for drift with a gyro “calibration” technique</a:t>
             </a:r>
           </a:p>
@@ -7914,7 +8258,7 @@
               <a:buAutoNum type="arabicPeriod"/>
             </a:pPr>
             <a:r>
-              <a:rPr lang="en-US" dirty="0" smtClean="0"/>
+              <a:rPr lang="en-US" dirty="0"/>
               <a:t>Understand why it is important to consider multiple solutions to a problem such as gyro drift</a:t>
             </a:r>
           </a:p>
@@ -7923,12 +8267,8 @@
               <a:buNone/>
             </a:pPr>
             <a:r>
-              <a:rPr lang="en-US" dirty="0" smtClean="0"/>
-              <a:t>Prerequisites: Data wires, Loops, Logic &amp; Comparison </a:t>
-            </a:r>
-            <a:r>
-              <a:rPr lang="en-US" dirty="0" smtClean="0"/>
-              <a:t>Blocks</a:t>
+              <a:rPr lang="en-US" dirty="0"/>
+              <a:t>Prerequisites: Data wires, Loops, Logic &amp; Comparison Blocks</a:t>
             </a:r>
           </a:p>
           <a:p>
@@ -8061,18 +8401,10 @@
                   <a:srgbClr val="FF0000"/>
                 </a:solidFill>
               </a:rPr>
-              <a:t> (8/6/2017</a:t>
-            </a:r>
-            <a:r>
-              <a:rPr lang="it-IT" sz="2600" b="1" i="1" dirty="0" smtClean="0">
-                <a:solidFill>
-                  <a:srgbClr val="FF0000"/>
-                </a:solidFill>
-              </a:rPr>
-              <a:t>) </a:t>
-            </a:r>
-            <a:r>
-              <a:rPr lang="it-IT" sz="2600" b="1" i="1" dirty="0" err="1" smtClean="0">
+              <a:t> (8/6/2017) </a:t>
+            </a:r>
+            <a:r>
+              <a:rPr lang="it-IT" sz="2600" b="1" i="1" dirty="0" err="1">
                 <a:solidFill>
                   <a:srgbClr val="FF0000"/>
                 </a:solidFill>
@@ -8080,7 +8412,7 @@
               <a:t>after</a:t>
             </a:r>
             <a:r>
-              <a:rPr lang="it-IT" sz="2600" b="1" i="1" dirty="0" smtClean="0">
+              <a:rPr lang="it-IT" sz="2600" b="1" i="1" dirty="0">
                 <a:solidFill>
                   <a:srgbClr val="FF0000"/>
                 </a:solidFill>
@@ -8088,7 +8420,7 @@
               <a:t> </a:t>
             </a:r>
             <a:r>
-              <a:rPr lang="it-IT" sz="2600" b="1" i="1" dirty="0" err="1" smtClean="0">
+              <a:rPr lang="it-IT" sz="2600" b="1" i="1" dirty="0" err="1">
                 <a:solidFill>
                   <a:srgbClr val="FF0000"/>
                 </a:solidFill>
@@ -8096,7 +8428,7 @@
               <a:t>you</a:t>
             </a:r>
             <a:r>
-              <a:rPr lang="it-IT" sz="2600" b="1" i="1" dirty="0" smtClean="0">
+              <a:rPr lang="it-IT" sz="2600" b="1" i="1" dirty="0">
                 <a:solidFill>
                   <a:srgbClr val="FF0000"/>
                 </a:solidFill>
@@ -8104,7 +8436,7 @@
               <a:t> complete </a:t>
             </a:r>
             <a:r>
-              <a:rPr lang="it-IT" sz="2600" b="1" i="1" dirty="0" err="1" smtClean="0">
+              <a:rPr lang="it-IT" sz="2600" b="1" i="1" dirty="0" err="1">
                 <a:solidFill>
                   <a:srgbClr val="FF0000"/>
                 </a:solidFill>
@@ -8112,7 +8444,7 @@
               <a:t>this</a:t>
             </a:r>
             <a:r>
-              <a:rPr lang="it-IT" sz="2600" b="1" i="1" dirty="0" smtClean="0">
+              <a:rPr lang="it-IT" sz="2600" b="1" i="1" dirty="0">
                 <a:solidFill>
                   <a:srgbClr val="FF0000"/>
                 </a:solidFill>
@@ -8120,7 +8452,7 @@
               <a:t> </a:t>
             </a:r>
             <a:r>
-              <a:rPr lang="it-IT" sz="2600" b="1" i="1" dirty="0" err="1" smtClean="0">
+              <a:rPr lang="it-IT" sz="2600" b="1" i="1" dirty="0" err="1">
                 <a:solidFill>
                   <a:srgbClr val="FF0000"/>
                 </a:solidFill>
@@ -8128,24 +8460,435 @@
               <a:t>lesson</a:t>
             </a:r>
             <a:r>
-              <a:rPr lang="it-IT" sz="2600" b="1" i="1" smtClean="0">
+              <a:rPr lang="it-IT" sz="2600" b="1" i="1" dirty="0">
+                <a:solidFill>
+                  <a:srgbClr val="FF0000"/>
+                </a:solidFill>
+              </a:rPr>
+              <a:t>. The </a:t>
+            </a:r>
+            <a:r>
+              <a:rPr lang="it-IT" sz="2600" b="1" i="1" dirty="0" err="1">
+                <a:solidFill>
+                  <a:srgbClr val="FF0000"/>
+                </a:solidFill>
+              </a:rPr>
+              <a:t>strategies</a:t>
+            </a:r>
+            <a:r>
+              <a:rPr lang="it-IT" sz="2600" b="1" i="1" dirty="0">
+                <a:solidFill>
+                  <a:srgbClr val="FF0000"/>
+                </a:solidFill>
+              </a:rPr>
+              <a:t> in </a:t>
+            </a:r>
+            <a:r>
+              <a:rPr lang="it-IT" sz="2600" b="1" i="1" dirty="0" err="1">
+                <a:solidFill>
+                  <a:srgbClr val="FF0000"/>
+                </a:solidFill>
+              </a:rPr>
+              <a:t>this</a:t>
+            </a:r>
+            <a:r>
+              <a:rPr lang="it-IT" sz="2600" b="1" i="1" dirty="0">
+                <a:solidFill>
+                  <a:srgbClr val="FF0000"/>
+                </a:solidFill>
+              </a:rPr>
+              <a:t> </a:t>
+            </a:r>
+            <a:r>
+              <a:rPr lang="it-IT" sz="2600" b="1" i="1" dirty="0" err="1">
+                <a:solidFill>
+                  <a:srgbClr val="FF0000"/>
+                </a:solidFill>
+              </a:rPr>
+              <a:t>lesson</a:t>
+            </a:r>
+            <a:r>
+              <a:rPr lang="it-IT" sz="2600" b="1" i="1" dirty="0">
+                <a:solidFill>
+                  <a:srgbClr val="FF0000"/>
+                </a:solidFill>
+              </a:rPr>
+              <a:t> </a:t>
+            </a:r>
+            <a:r>
+              <a:rPr lang="it-IT" sz="2600" b="1" i="1" dirty="0" err="1">
+                <a:solidFill>
+                  <a:srgbClr val="FF0000"/>
+                </a:solidFill>
+              </a:rPr>
+              <a:t>will</a:t>
+            </a:r>
+            <a:r>
+              <a:rPr lang="it-IT" sz="2600" b="1" i="1" dirty="0">
+                <a:solidFill>
+                  <a:srgbClr val="FF0000"/>
+                </a:solidFill>
+              </a:rPr>
+              <a:t> </a:t>
+            </a:r>
+            <a:r>
+              <a:rPr lang="it-IT" sz="2600" b="1" i="1" dirty="0" err="1">
+                <a:solidFill>
+                  <a:srgbClr val="FF0000"/>
+                </a:solidFill>
+              </a:rPr>
+              <a:t>not</a:t>
+            </a:r>
+            <a:r>
+              <a:rPr lang="it-IT" sz="2600" b="1" i="1" dirty="0">
+                <a:solidFill>
+                  <a:srgbClr val="FF0000"/>
+                </a:solidFill>
+              </a:rPr>
+              <a:t> work on </a:t>
+            </a:r>
+            <a:r>
+              <a:rPr lang="it-IT" sz="2600" b="1" i="1" dirty="0" err="1">
+                <a:solidFill>
+                  <a:srgbClr val="FF0000"/>
+                </a:solidFill>
+              </a:rPr>
+              <a:t>newer</a:t>
+            </a:r>
+            <a:r>
+              <a:rPr lang="it-IT" sz="2600" b="1" i="1" dirty="0">
+                <a:solidFill>
+                  <a:srgbClr val="FF0000"/>
+                </a:solidFill>
+              </a:rPr>
+              <a:t> </a:t>
+            </a:r>
+            <a:r>
+              <a:rPr lang="it-IT" sz="2600" b="1" i="1" dirty="0" err="1">
+                <a:solidFill>
+                  <a:srgbClr val="FF0000"/>
+                </a:solidFill>
+              </a:rPr>
+              <a:t>gyro</a:t>
+            </a:r>
+            <a:r>
+              <a:rPr lang="it-IT" sz="2600" b="1" i="1" dirty="0">
+                <a:solidFill>
+                  <a:srgbClr val="FF0000"/>
+                </a:solidFill>
+              </a:rPr>
+              <a:t> </a:t>
+            </a:r>
+            <a:r>
+              <a:rPr lang="it-IT" sz="2600" b="1" i="1" dirty="0" err="1">
+                <a:solidFill>
+                  <a:srgbClr val="FF0000"/>
+                </a:solidFill>
+              </a:rPr>
+              <a:t>sensors</a:t>
+            </a:r>
+            <a:r>
+              <a:rPr lang="it-IT" sz="2600" b="1" i="1" dirty="0">
+                <a:solidFill>
+                  <a:srgbClr val="FF0000"/>
+                </a:solidFill>
+              </a:rPr>
+              <a:t>. </a:t>
+            </a:r>
+            <a:r>
+              <a:rPr lang="it-IT" sz="2600" b="1" i="1" dirty="0" err="1">
+                <a:solidFill>
+                  <a:srgbClr val="FF0000"/>
+                </a:solidFill>
+              </a:rPr>
+              <a:t>Please</a:t>
+            </a:r>
+            <a:r>
+              <a:rPr lang="it-IT" sz="2600" b="1" i="1" dirty="0">
+                <a:solidFill>
+                  <a:srgbClr val="FF0000"/>
+                </a:solidFill>
+              </a:rPr>
+              <a:t> </a:t>
+            </a:r>
+            <a:r>
+              <a:rPr lang="it-IT" sz="2600" b="1" i="1" dirty="0" err="1">
+                <a:solidFill>
+                  <a:srgbClr val="FF0000"/>
+                </a:solidFill>
+              </a:rPr>
+              <a:t>read</a:t>
+            </a:r>
+            <a:r>
+              <a:rPr lang="it-IT" sz="2600" b="1" i="1" dirty="0">
+                <a:solidFill>
+                  <a:srgbClr val="FF0000"/>
+                </a:solidFill>
+              </a:rPr>
+              <a:t> the </a:t>
+            </a:r>
+            <a:r>
+              <a:rPr lang="it-IT" sz="2600" b="1" i="1" dirty="0" err="1">
+                <a:solidFill>
+                  <a:srgbClr val="FF0000"/>
+                </a:solidFill>
+              </a:rPr>
+              <a:t>next</a:t>
+            </a:r>
+            <a:r>
+              <a:rPr lang="it-IT" sz="2600" b="1" i="1" dirty="0">
+                <a:solidFill>
+                  <a:srgbClr val="FF0000"/>
+                </a:solidFill>
+              </a:rPr>
+              <a:t> </a:t>
+            </a:r>
+            <a:r>
+              <a:rPr lang="it-IT" sz="2600" b="1" i="1" dirty="0" err="1">
+                <a:solidFill>
+                  <a:srgbClr val="FF0000"/>
+                </a:solidFill>
+              </a:rPr>
+              <a:t>lesson</a:t>
+            </a:r>
+            <a:r>
+              <a:rPr lang="it-IT" sz="2600" b="1" i="1" dirty="0">
+                <a:solidFill>
+                  <a:srgbClr val="FF0000"/>
+                </a:solidFill>
+              </a:rPr>
+              <a:t> to </a:t>
+            </a:r>
+            <a:r>
+              <a:rPr lang="it-IT" sz="2600" b="1" i="1" dirty="0" err="1">
+                <a:solidFill>
+                  <a:srgbClr val="FF0000"/>
+                </a:solidFill>
+              </a:rPr>
+              <a:t>find</a:t>
+            </a:r>
+            <a:r>
+              <a:rPr lang="it-IT" sz="2600" b="1" i="1" dirty="0">
+                <a:solidFill>
+                  <a:srgbClr val="FF0000"/>
+                </a:solidFill>
+              </a:rPr>
+              <a:t> out </a:t>
+            </a:r>
+            <a:r>
+              <a:rPr lang="it-IT" sz="2600" b="1" i="1" dirty="0" err="1">
+                <a:solidFill>
+                  <a:srgbClr val="FF0000"/>
+                </a:solidFill>
+              </a:rPr>
+              <a:t>if</a:t>
+            </a:r>
+            <a:r>
+              <a:rPr lang="it-IT" sz="2600" b="1" i="1" dirty="0">
+                <a:solidFill>
+                  <a:srgbClr val="FF0000"/>
+                </a:solidFill>
+              </a:rPr>
+              <a:t> </a:t>
+            </a:r>
+            <a:r>
+              <a:rPr lang="it-IT" sz="2600" b="1" i="1" dirty="0" err="1">
+                <a:solidFill>
+                  <a:srgbClr val="FF0000"/>
+                </a:solidFill>
+              </a:rPr>
+              <a:t>your</a:t>
+            </a:r>
+            <a:r>
+              <a:rPr lang="it-IT" sz="2600" b="1" i="1" dirty="0">
+                <a:solidFill>
+                  <a:srgbClr val="FF0000"/>
+                </a:solidFill>
+              </a:rPr>
+              <a:t> </a:t>
+            </a:r>
+            <a:r>
+              <a:rPr lang="it-IT" sz="2600" b="1" i="1" dirty="0" err="1">
+                <a:solidFill>
+                  <a:srgbClr val="FF0000"/>
+                </a:solidFill>
+              </a:rPr>
+              <a:t>sensor</a:t>
+            </a:r>
+            <a:r>
+              <a:rPr lang="it-IT" sz="2600" b="1" i="1" dirty="0">
+                <a:solidFill>
+                  <a:srgbClr val="FF0000"/>
+                </a:solidFill>
+              </a:rPr>
+              <a:t> </a:t>
+            </a:r>
+            <a:r>
+              <a:rPr lang="it-IT" sz="2600" b="1" i="1" dirty="0" err="1">
+                <a:solidFill>
+                  <a:srgbClr val="FF0000"/>
+                </a:solidFill>
+              </a:rPr>
+              <a:t>is</a:t>
+            </a:r>
+            <a:r>
+              <a:rPr lang="it-IT" sz="2600" b="1" i="1" dirty="0">
+                <a:solidFill>
+                  <a:srgbClr val="FF0000"/>
+                </a:solidFill>
+              </a:rPr>
+              <a:t> a </a:t>
+            </a:r>
+            <a:r>
+              <a:rPr lang="it-IT" sz="2600" b="1" i="1" dirty="0" err="1">
+                <a:solidFill>
+                  <a:srgbClr val="FF0000"/>
+                </a:solidFill>
+              </a:rPr>
+              <a:t>newer</a:t>
+            </a:r>
+            <a:r>
+              <a:rPr lang="it-IT" sz="2600" b="1" i="1" dirty="0">
+                <a:solidFill>
+                  <a:srgbClr val="FF0000"/>
+                </a:solidFill>
+              </a:rPr>
+              <a:t> model and </a:t>
+            </a:r>
+            <a:r>
+              <a:rPr lang="it-IT" sz="2600" b="1" i="1" dirty="0" err="1">
+                <a:solidFill>
+                  <a:srgbClr val="FF0000"/>
+                </a:solidFill>
+              </a:rPr>
+              <a:t>what</a:t>
+            </a:r>
+            <a:r>
+              <a:rPr lang="it-IT" sz="2600" b="1" i="1" dirty="0">
+                <a:solidFill>
+                  <a:srgbClr val="FF0000"/>
+                </a:solidFill>
+              </a:rPr>
+              <a:t> </a:t>
+            </a:r>
+            <a:r>
+              <a:rPr lang="it-IT" sz="2600" b="1" i="1" dirty="0" err="1">
+                <a:solidFill>
+                  <a:srgbClr val="FF0000"/>
+                </a:solidFill>
+              </a:rPr>
+              <a:t>alternatives</a:t>
+            </a:r>
+            <a:r>
+              <a:rPr lang="it-IT" sz="2600" b="1" i="1" dirty="0">
+                <a:solidFill>
+                  <a:srgbClr val="FF0000"/>
+                </a:solidFill>
+              </a:rPr>
+              <a:t> </a:t>
+            </a:r>
+            <a:r>
+              <a:rPr lang="it-IT" sz="2600" b="1" i="1" dirty="0" err="1">
+                <a:solidFill>
+                  <a:srgbClr val="FF0000"/>
+                </a:solidFill>
+              </a:rPr>
+              <a:t>you</a:t>
+            </a:r>
+            <a:r>
+              <a:rPr lang="it-IT" sz="2600" b="1" i="1" dirty="0">
+                <a:solidFill>
+                  <a:srgbClr val="FF0000"/>
+                </a:solidFill>
+              </a:rPr>
+              <a:t> </a:t>
+            </a:r>
+            <a:r>
+              <a:rPr lang="it-IT" sz="2600" b="1" i="1" dirty="0" err="1">
+                <a:solidFill>
+                  <a:srgbClr val="FF0000"/>
+                </a:solidFill>
+              </a:rPr>
+              <a:t>have</a:t>
+            </a:r>
+            <a:r>
+              <a:rPr lang="it-IT" sz="2600" b="1" i="1" dirty="0">
+                <a:solidFill>
+                  <a:srgbClr val="FF0000"/>
+                </a:solidFill>
+              </a:rPr>
+              <a:t> to </a:t>
+            </a:r>
+            <a:r>
+              <a:rPr lang="it-IT" sz="2600" b="1" i="1" dirty="0" err="1">
+                <a:solidFill>
+                  <a:srgbClr val="FF0000"/>
+                </a:solidFill>
+              </a:rPr>
+              <a:t>reclaibrate</a:t>
+            </a:r>
+            <a:r>
+              <a:rPr lang="it-IT" sz="2600" b="1" i="1" dirty="0">
+                <a:solidFill>
+                  <a:srgbClr val="FF0000"/>
+                </a:solidFill>
+              </a:rPr>
+              <a:t> </a:t>
+            </a:r>
+            <a:r>
+              <a:rPr lang="it-IT" sz="2600" b="1" i="1" dirty="0" err="1">
+                <a:solidFill>
+                  <a:srgbClr val="FF0000"/>
+                </a:solidFill>
+              </a:rPr>
+              <a:t>your</a:t>
+            </a:r>
+            <a:r>
+              <a:rPr lang="it-IT" sz="2600" b="1" i="1" dirty="0">
+                <a:solidFill>
+                  <a:srgbClr val="FF0000"/>
+                </a:solidFill>
+              </a:rPr>
+              <a:t> </a:t>
+            </a:r>
+            <a:r>
+              <a:rPr lang="it-IT" sz="2600" b="1" i="1" dirty="0" err="1">
+                <a:solidFill>
+                  <a:srgbClr val="FF0000"/>
+                </a:solidFill>
+              </a:rPr>
+              <a:t>gyro</a:t>
+            </a:r>
+            <a:r>
+              <a:rPr lang="it-IT" sz="2600" b="1" i="1" dirty="0">
+                <a:solidFill>
+                  <a:srgbClr val="FF0000"/>
+                </a:solidFill>
+              </a:rPr>
+              <a:t> </a:t>
+            </a:r>
+            <a:r>
+              <a:rPr lang="it-IT" sz="2600" b="1" i="1" dirty="0" err="1">
+                <a:solidFill>
+                  <a:srgbClr val="FF0000"/>
+                </a:solidFill>
+              </a:rPr>
+              <a:t>sensor</a:t>
+            </a:r>
+            <a:r>
+              <a:rPr lang="it-IT" sz="2600" b="1" i="1" dirty="0">
                 <a:solidFill>
                   <a:srgbClr val="FF0000"/>
                 </a:solidFill>
               </a:rPr>
               <a:t>.</a:t>
             </a:r>
-            <a:endParaRPr lang="it-IT" sz="2600" b="1" i="1">
-              <a:solidFill>
-                <a:srgbClr val="FF0000"/>
-              </a:solidFill>
-            </a:endParaRPr>
           </a:p>
           <a:p>
             <a:pPr marL="0" indent="0">
               <a:buNone/>
             </a:pPr>
-            <a:endParaRPr lang="en-US" dirty="0" smtClean="0"/>
+            <a:endParaRPr lang="en-US" dirty="0"/>
           </a:p>
         </p:txBody>
       </p:sp>
@@ -8165,7 +8908,7 @@
           <a:lstStyle/>
           <a:p>
             <a:r>
-              <a:rPr lang="sk-SK" smtClean="0"/>
+              <a:rPr lang="sk-SK"/>
               <a:t>© 2016 EV3Lessons.com</a:t>
             </a:r>
             <a:endParaRPr lang="en-US"/>
@@ -8188,10 +8931,9 @@
           <a:lstStyle/>
           <a:p>
             <a:r>
-              <a:rPr lang="en-US" dirty="0" smtClean="0"/>
+              <a:rPr lang="en-US" dirty="0"/>
               <a:t>Lesson Objectives</a:t>
             </a:r>
-            <a:endParaRPr lang="en-US" dirty="0"/>
           </a:p>
         </p:txBody>
       </p:sp>
@@ -8212,7 +8954,7 @@
           <a:p>
             <a:fld id="{504049EF-DCAF-B14F-ACA0-1EE592A878A0}" type="datetime1">
               <a:rPr lang="en-US" smtClean="0"/>
-              <a:t>8/6/17</a:t>
+              <a:t>12/21/18</a:t>
             </a:fld>
             <a:endParaRPr lang="en-US"/>
           </a:p>
@@ -8287,28 +9029,27 @@
           <a:lstStyle/>
           <a:p>
             <a:r>
-              <a:rPr lang="en-US" dirty="0" smtClean="0"/>
+              <a:rPr lang="en-US" dirty="0"/>
               <a:t>Gyro sensor detects rotational motion</a:t>
             </a:r>
           </a:p>
           <a:p>
             <a:r>
-              <a:rPr lang="en-US" dirty="0" smtClean="0"/>
+              <a:rPr lang="en-US" dirty="0"/>
               <a:t>The sensor measures the rate of rotation in degrees per second (rate)</a:t>
             </a:r>
           </a:p>
           <a:p>
             <a:r>
-              <a:rPr lang="en-US" dirty="0" smtClean="0"/>
+              <a:rPr lang="en-US" dirty="0"/>
               <a:t>It also keeps track of the total rotational angle and therefore lets you measure how far your robot has turned (angle)</a:t>
             </a:r>
           </a:p>
           <a:p>
             <a:r>
-              <a:rPr lang="en-US" dirty="0" smtClean="0"/>
+              <a:rPr lang="en-US" dirty="0"/>
               <a:t>The accuracy of the sensor is ±3 degrees for 90 degree turn</a:t>
             </a:r>
-            <a:endParaRPr lang="en-US" dirty="0"/>
           </a:p>
           <a:p>
             <a:endParaRPr lang="en-US" dirty="0"/>
@@ -8331,7 +9072,7 @@
           <a:lstStyle/>
           <a:p>
             <a:r>
-              <a:rPr lang="sk-SK" smtClean="0"/>
+              <a:rPr lang="sk-SK"/>
               <a:t>© 2016 EV3Lessons.com</a:t>
             </a:r>
             <a:endParaRPr lang="en-US"/>
@@ -8354,10 +9095,9 @@
           <a:lstStyle/>
           <a:p>
             <a:r>
-              <a:rPr lang="en-US" dirty="0" smtClean="0"/>
+              <a:rPr lang="en-US" dirty="0"/>
               <a:t>What is the Gyro Sensor?</a:t>
             </a:r>
-            <a:endParaRPr lang="en-US" dirty="0"/>
           </a:p>
         </p:txBody>
       </p:sp>
@@ -8378,7 +9118,7 @@
           <a:p>
             <a:fld id="{7CAD3490-3091-EB47-9335-B171F325E32C}" type="datetime1">
               <a:rPr lang="en-US" smtClean="0"/>
-              <a:t>8/6/17</a:t>
+              <a:t>12/21/18</a:t>
             </a:fld>
             <a:endParaRPr lang="en-US"/>
           </a:p>
@@ -8455,66 +9195,66 @@
           <a:lstStyle/>
           <a:p>
             <a:r>
-              <a:rPr lang="en-US" dirty="0" smtClean="0"/>
+              <a:rPr lang="en-US" dirty="0"/>
               <a:t>There are 2 common Gyro issues – drift and lag</a:t>
             </a:r>
           </a:p>
           <a:p>
             <a:pPr lvl="1"/>
             <a:r>
-              <a:rPr lang="en-US" dirty="0" smtClean="0"/>
+              <a:rPr lang="en-US" dirty="0"/>
               <a:t>Drift – readings keep changing even when the robot is still</a:t>
             </a:r>
           </a:p>
           <a:p>
             <a:pPr lvl="1"/>
             <a:r>
-              <a:rPr lang="en-US" dirty="0" smtClean="0"/>
+              <a:rPr lang="en-US" dirty="0"/>
               <a:t>Lag – readings are delayed</a:t>
             </a:r>
           </a:p>
           <a:p>
             <a:r>
-              <a:rPr lang="en-US" dirty="0" smtClean="0"/>
+              <a:rPr lang="en-US" dirty="0"/>
               <a:t>In this lesson, we focus on the first problem: drift. </a:t>
             </a:r>
           </a:p>
           <a:p>
             <a:pPr lvl="1"/>
             <a:r>
-              <a:rPr lang="en-US" dirty="0" smtClean="0"/>
+              <a:rPr lang="en-US" dirty="0"/>
               <a:t>We will cover lag in the Gyro Turn lesson</a:t>
             </a:r>
           </a:p>
           <a:p>
             <a:r>
-              <a:rPr lang="en-US" dirty="0" smtClean="0"/>
+              <a:rPr lang="en-US" dirty="0"/>
               <a:t>Solution to drift: gyro calibration</a:t>
             </a:r>
           </a:p>
           <a:p>
             <a:pPr lvl="1"/>
             <a:r>
-              <a:rPr lang="en-US" dirty="0" smtClean="0"/>
+              <a:rPr lang="en-US" dirty="0"/>
               <a:t>The source of the drift problem is that the gyro must “learn” what is still.</a:t>
             </a:r>
           </a:p>
           <a:p>
             <a:pPr lvl="1"/>
             <a:r>
-              <a:rPr lang="en-US" dirty="0" smtClean="0"/>
+              <a:rPr lang="en-US" dirty="0"/>
               <a:t>For a color sensor, you have to “teach” the robot what is black and white</a:t>
             </a:r>
           </a:p>
           <a:p>
             <a:pPr lvl="1"/>
             <a:r>
-              <a:rPr lang="en-US" dirty="0" smtClean="0"/>
+              <a:rPr lang="en-US" dirty="0"/>
               <a:t>For your gyro, you need to calibrate the sensor to understand what is “still”</a:t>
             </a:r>
           </a:p>
           <a:p>
-            <a:endParaRPr lang="en-US" dirty="0" smtClean="0"/>
+            <a:endParaRPr lang="en-US" dirty="0"/>
           </a:p>
         </p:txBody>
       </p:sp>
@@ -8534,7 +9274,7 @@
           <a:lstStyle/>
           <a:p>
             <a:r>
-              <a:rPr lang="sk-SK" smtClean="0"/>
+              <a:rPr lang="sk-SK"/>
               <a:t>© 2016 EV3Lessons.com</a:t>
             </a:r>
             <a:endParaRPr lang="en-US" dirty="0"/>
@@ -8557,7 +9297,7 @@
           <a:lstStyle/>
           <a:p>
             <a:r>
-              <a:rPr lang="en-US" smtClean="0"/>
+              <a:rPr lang="en-US"/>
               <a:t>Gyro Sensor Problems</a:t>
             </a:r>
             <a:endParaRPr lang="en-US" dirty="0"/>
@@ -8581,7 +9321,7 @@
           <a:p>
             <a:fld id="{39D0E7D0-5543-9F4E-93A0-E7A4BCDF0F3E}" type="datetime1">
               <a:rPr lang="en-US" smtClean="0"/>
-              <a:t>8/6/17</a:t>
+              <a:t>12/21/18</a:t>
             </a:fld>
             <a:endParaRPr lang="en-US"/>
           </a:p>
@@ -8620,13 +9360,6 @@
   <p:clrMapOvr>
     <a:masterClrMapping/>
   </p:clrMapOvr>
-  <p:timing>
-    <p:tnLst>
-      <p:par>
-        <p:cTn id="1" dur="indefinite" restart="never" nodeType="tmRoot"/>
-      </p:par>
-    </p:tnLst>
-  </p:timing>
 </p:sld>
 </file>
 
@@ -8674,7 +9407,7 @@
               <a:buChar char="•"/>
             </a:pPr>
             <a:r>
-              <a:rPr lang="en-US" sz="2800" dirty="0" smtClean="0"/>
+              <a:rPr lang="en-US" sz="2800" dirty="0"/>
               <a:t>The gyro auto-calibrates when the robot is turned on or the gyro wire is connected. If the robot is moving during calibration, the gyro “learns” the wrong value for “still” – this causes drift!</a:t>
             </a:r>
           </a:p>
@@ -8684,20 +9417,12 @@
               <a:buChar char="•"/>
             </a:pPr>
             <a:r>
-              <a:rPr lang="en-US" sz="2800" dirty="0" smtClean="0"/>
-              <a:t>Unfortunately</a:t>
-            </a:r>
-            <a:r>
               <a:rPr lang="en-US" sz="2800" dirty="0"/>
-              <a:t>, there is no gyro calibration block. </a:t>
-            </a:r>
-            <a:r>
-              <a:rPr lang="en-US" sz="2800" dirty="0" smtClean="0"/>
-              <a:t>There a few ways to make the sensor recalibrate.</a:t>
-            </a:r>
-          </a:p>
-          <a:p>
-            <a:endParaRPr lang="en-US" sz="2800" dirty="0" smtClean="0"/>
+              <a:t>Unfortunately, there is no gyro calibration block. There a few ways to make the sensor recalibrate.</a:t>
+            </a:r>
+          </a:p>
+          <a:p>
+            <a:endParaRPr lang="en-US" sz="2800" dirty="0"/>
           </a:p>
         </p:txBody>
       </p:sp>
@@ -8717,7 +9442,7 @@
           <a:lstStyle/>
           <a:p>
             <a:r>
-              <a:rPr lang="sk-SK" smtClean="0"/>
+              <a:rPr lang="sk-SK"/>
               <a:t>© 2016 EV3Lessons.com</a:t>
             </a:r>
             <a:endParaRPr lang="en-US"/>
@@ -8742,10 +9467,9 @@
           <a:lstStyle/>
           <a:p>
             <a:r>
-              <a:rPr lang="en-US" dirty="0" smtClean="0"/>
+              <a:rPr lang="en-US" dirty="0"/>
               <a:t>Gyro Calibration to Solve Problem 1: Lag</a:t>
             </a:r>
-            <a:endParaRPr lang="en-US" dirty="0"/>
           </a:p>
         </p:txBody>
       </p:sp>
@@ -8766,7 +9490,7 @@
           <a:p>
             <a:fld id="{AC895C39-8ECF-0843-A8DF-609EDBCEAE0B}" type="datetime1">
               <a:rPr lang="en-US" smtClean="0"/>
-              <a:t>8/6/17</a:t>
+              <a:t>12/21/18</a:t>
             </a:fld>
             <a:endParaRPr lang="en-US"/>
           </a:p>
@@ -8805,13 +9529,6 @@
   <p:clrMapOvr>
     <a:masterClrMapping/>
   </p:clrMapOvr>
-  <p:timing>
-    <p:tnLst>
-      <p:par>
-        <p:cTn id="1" dur="indefinite" restart="never" nodeType="tmRoot"/>
-      </p:par>
-    </p:tnLst>
-  </p:timing>
 </p:sld>
 </file>
 
@@ -8844,7 +9561,9 @@
         </p:nvSpPr>
         <p:spPr/>
         <p:txBody>
-          <a:bodyPr/>
+          <a:bodyPr>
+            <a:normAutofit fontScale="92500" lnSpcReduction="20000"/>
+          </a:bodyPr>
           <a:lstStyle/>
           <a:p>
             <a:pPr marL="342900" indent="-342900">
@@ -8852,7 +9571,7 @@
               <a:buChar char="•"/>
             </a:pPr>
             <a:r>
-              <a:rPr lang="en-US" dirty="0" smtClean="0"/>
+              <a:rPr lang="en-US" dirty="0"/>
               <a:t>The below are critical notes for using the gyro correctly!!!!!</a:t>
             </a:r>
           </a:p>
@@ -8862,12 +9581,8 @@
               <a:buChar char="•"/>
             </a:pPr>
             <a:r>
-              <a:rPr lang="en-US" dirty="0" smtClean="0"/>
-              <a:t>THE </a:t>
-            </a:r>
-            <a:r>
               <a:rPr lang="en-US" dirty="0"/>
-              <a:t>ROBOT MUST BE STILL WHEN YOU RUN ANY OF THESE CALIBRATION PROGRAMS!!!!</a:t>
+              <a:t>THE ROBOT MUST BE STILL WHEN YOU RUN ANY OF THESE CALIBRATION PROGRAMS!!!!</a:t>
             </a:r>
           </a:p>
           <a:p>
@@ -8876,13 +9591,622 @@
               <a:buChar char="•"/>
             </a:pPr>
             <a:r>
-              <a:rPr lang="en-US" dirty="0" smtClean="0"/>
-              <a:t>JUST </a:t>
-            </a:r>
-            <a:r>
               <a:rPr lang="en-US" dirty="0"/>
-              <a:t>LIKE THE COLOR CALIBRATION, YOU SHOULDN’T RUN THIS EVERY TIME YOU NEED TO READ THE GYRO. YOU SHOULD CALIBRATE IN A SEPARATE PROGRAM JUST BEFORE YOU RUN YOUR PROGRAM OR ONCE AT THE BEGINNING OF YOUR PROGRAM.</a:t>
-            </a:r>
+              <a:t>JUST LIKE THE COLOR CALIBRATION, YOU SHOULDN’T RUN THIS EVERY TIME YOU NEED TO READ THE GYRO. YOU SHOULD CALIBRATE IN A SEPARATE PROGRAM JUST BEFORE YOU RUN YOUR PROGRAM OR ONCE AT THE BEGINNING OF YOUR PROGRAM.</a:t>
+            </a:r>
+          </a:p>
+          <a:p>
+            <a:pPr marL="342900" indent="-342900">
+              <a:buFont typeface="Arial"/>
+              <a:buChar char="•"/>
+            </a:pPr>
+            <a:r>
+              <a:rPr lang="it-IT" b="1" i="1" dirty="0">
+                <a:solidFill>
+                  <a:srgbClr val="FF0000"/>
+                </a:solidFill>
+              </a:rPr>
+              <a:t>Update: </a:t>
+            </a:r>
+            <a:r>
+              <a:rPr lang="it-IT" b="1" i="1" dirty="0" err="1">
+                <a:solidFill>
+                  <a:srgbClr val="FF0000"/>
+                </a:solidFill>
+              </a:rPr>
+              <a:t>Please</a:t>
+            </a:r>
+            <a:r>
+              <a:rPr lang="it-IT" b="1" i="1" dirty="0">
+                <a:solidFill>
+                  <a:srgbClr val="FF0000"/>
+                </a:solidFill>
+              </a:rPr>
+              <a:t> </a:t>
+            </a:r>
+            <a:r>
+              <a:rPr lang="it-IT" b="1" i="1" dirty="0" err="1">
+                <a:solidFill>
+                  <a:srgbClr val="FF0000"/>
+                </a:solidFill>
+              </a:rPr>
+              <a:t>read</a:t>
+            </a:r>
+            <a:r>
+              <a:rPr lang="it-IT" b="1" i="1" dirty="0">
+                <a:solidFill>
+                  <a:srgbClr val="FF0000"/>
+                </a:solidFill>
+              </a:rPr>
+              <a:t> the “</a:t>
+            </a:r>
+            <a:r>
+              <a:rPr lang="it-IT" b="1" i="1" dirty="0" err="1">
+                <a:solidFill>
+                  <a:srgbClr val="FF0000"/>
+                </a:solidFill>
+              </a:rPr>
+              <a:t>Gyro</a:t>
+            </a:r>
+            <a:r>
+              <a:rPr lang="it-IT" b="1" i="1" dirty="0">
+                <a:solidFill>
+                  <a:srgbClr val="FF0000"/>
+                </a:solidFill>
+              </a:rPr>
+              <a:t> Sensor </a:t>
+            </a:r>
+            <a:r>
+              <a:rPr lang="it-IT" b="1" i="1" dirty="0" err="1">
+                <a:solidFill>
+                  <a:srgbClr val="FF0000"/>
+                </a:solidFill>
+              </a:rPr>
+              <a:t>Revisited</a:t>
+            </a:r>
+            <a:r>
+              <a:rPr lang="it-IT" b="1" i="1" dirty="0">
+                <a:solidFill>
+                  <a:srgbClr val="FF0000"/>
+                </a:solidFill>
+              </a:rPr>
+              <a:t>” </a:t>
+            </a:r>
+            <a:r>
+              <a:rPr lang="it-IT" b="1" i="1" dirty="0" err="1">
+                <a:solidFill>
+                  <a:srgbClr val="FF0000"/>
+                </a:solidFill>
+              </a:rPr>
+              <a:t>lesson</a:t>
+            </a:r>
+            <a:r>
+              <a:rPr lang="it-IT" b="1" i="1" dirty="0">
+                <a:solidFill>
+                  <a:srgbClr val="FF0000"/>
+                </a:solidFill>
+              </a:rPr>
+              <a:t> for </a:t>
+            </a:r>
+            <a:r>
+              <a:rPr lang="it-IT" b="1" i="1" dirty="0" err="1">
+                <a:solidFill>
+                  <a:srgbClr val="FF0000"/>
+                </a:solidFill>
+              </a:rPr>
+              <a:t>important</a:t>
+            </a:r>
+            <a:r>
+              <a:rPr lang="it-IT" b="1" i="1" dirty="0">
+                <a:solidFill>
+                  <a:srgbClr val="FF0000"/>
+                </a:solidFill>
+              </a:rPr>
+              <a:t> </a:t>
+            </a:r>
+            <a:r>
+              <a:rPr lang="it-IT" b="1" i="1" dirty="0" err="1">
+                <a:solidFill>
+                  <a:srgbClr val="FF0000"/>
+                </a:solidFill>
+              </a:rPr>
+              <a:t>updates</a:t>
+            </a:r>
+            <a:r>
+              <a:rPr lang="it-IT" b="1" i="1" dirty="0">
+                <a:solidFill>
+                  <a:srgbClr val="FF0000"/>
+                </a:solidFill>
+              </a:rPr>
+              <a:t> (8/6/2017) </a:t>
+            </a:r>
+            <a:r>
+              <a:rPr lang="it-IT" b="1" i="1" dirty="0" err="1">
+                <a:solidFill>
+                  <a:srgbClr val="FF0000"/>
+                </a:solidFill>
+              </a:rPr>
+              <a:t>after</a:t>
+            </a:r>
+            <a:r>
+              <a:rPr lang="it-IT" b="1" i="1" dirty="0">
+                <a:solidFill>
+                  <a:srgbClr val="FF0000"/>
+                </a:solidFill>
+              </a:rPr>
+              <a:t> </a:t>
+            </a:r>
+            <a:r>
+              <a:rPr lang="it-IT" b="1" i="1" dirty="0" err="1">
+                <a:solidFill>
+                  <a:srgbClr val="FF0000"/>
+                </a:solidFill>
+              </a:rPr>
+              <a:t>you</a:t>
+            </a:r>
+            <a:r>
+              <a:rPr lang="it-IT" b="1" i="1" dirty="0">
+                <a:solidFill>
+                  <a:srgbClr val="FF0000"/>
+                </a:solidFill>
+              </a:rPr>
+              <a:t> complete </a:t>
+            </a:r>
+            <a:r>
+              <a:rPr lang="it-IT" b="1" i="1" dirty="0" err="1">
+                <a:solidFill>
+                  <a:srgbClr val="FF0000"/>
+                </a:solidFill>
+              </a:rPr>
+              <a:t>this</a:t>
+            </a:r>
+            <a:r>
+              <a:rPr lang="it-IT" b="1" i="1" dirty="0">
+                <a:solidFill>
+                  <a:srgbClr val="FF0000"/>
+                </a:solidFill>
+              </a:rPr>
+              <a:t> </a:t>
+            </a:r>
+            <a:r>
+              <a:rPr lang="it-IT" b="1" i="1" dirty="0" err="1">
+                <a:solidFill>
+                  <a:srgbClr val="FF0000"/>
+                </a:solidFill>
+              </a:rPr>
+              <a:t>lesson</a:t>
+            </a:r>
+            <a:r>
+              <a:rPr lang="it-IT" b="1" i="1" dirty="0">
+                <a:solidFill>
+                  <a:srgbClr val="FF0000"/>
+                </a:solidFill>
+              </a:rPr>
+              <a:t>. The </a:t>
+            </a:r>
+            <a:r>
+              <a:rPr lang="it-IT" b="1" i="1" dirty="0" err="1">
+                <a:solidFill>
+                  <a:srgbClr val="FF0000"/>
+                </a:solidFill>
+              </a:rPr>
+              <a:t>strategies</a:t>
+            </a:r>
+            <a:r>
+              <a:rPr lang="it-IT" b="1" i="1" dirty="0">
+                <a:solidFill>
+                  <a:srgbClr val="FF0000"/>
+                </a:solidFill>
+              </a:rPr>
+              <a:t> in </a:t>
+            </a:r>
+            <a:r>
+              <a:rPr lang="it-IT" b="1" i="1" dirty="0" err="1">
+                <a:solidFill>
+                  <a:srgbClr val="FF0000"/>
+                </a:solidFill>
+              </a:rPr>
+              <a:t>this</a:t>
+            </a:r>
+            <a:r>
+              <a:rPr lang="it-IT" b="1" i="1" dirty="0">
+                <a:solidFill>
+                  <a:srgbClr val="FF0000"/>
+                </a:solidFill>
+              </a:rPr>
+              <a:t> </a:t>
+            </a:r>
+            <a:r>
+              <a:rPr lang="it-IT" b="1" i="1" dirty="0" err="1">
+                <a:solidFill>
+                  <a:srgbClr val="FF0000"/>
+                </a:solidFill>
+              </a:rPr>
+              <a:t>lesson</a:t>
+            </a:r>
+            <a:r>
+              <a:rPr lang="it-IT" b="1" i="1" dirty="0">
+                <a:solidFill>
+                  <a:srgbClr val="FF0000"/>
+                </a:solidFill>
+              </a:rPr>
+              <a:t> </a:t>
+            </a:r>
+            <a:r>
+              <a:rPr lang="it-IT" b="1" i="1" dirty="0" err="1">
+                <a:solidFill>
+                  <a:srgbClr val="FF0000"/>
+                </a:solidFill>
+              </a:rPr>
+              <a:t>will</a:t>
+            </a:r>
+            <a:r>
+              <a:rPr lang="it-IT" b="1" i="1" dirty="0">
+                <a:solidFill>
+                  <a:srgbClr val="FF0000"/>
+                </a:solidFill>
+              </a:rPr>
+              <a:t> </a:t>
+            </a:r>
+            <a:r>
+              <a:rPr lang="it-IT" b="1" i="1" dirty="0" err="1">
+                <a:solidFill>
+                  <a:srgbClr val="FF0000"/>
+                </a:solidFill>
+              </a:rPr>
+              <a:t>not</a:t>
+            </a:r>
+            <a:r>
+              <a:rPr lang="it-IT" b="1" i="1" dirty="0">
+                <a:solidFill>
+                  <a:srgbClr val="FF0000"/>
+                </a:solidFill>
+              </a:rPr>
+              <a:t> work on </a:t>
+            </a:r>
+            <a:r>
+              <a:rPr lang="it-IT" b="1" i="1" dirty="0" err="1">
+                <a:solidFill>
+                  <a:srgbClr val="FF0000"/>
+                </a:solidFill>
+              </a:rPr>
+              <a:t>newer</a:t>
+            </a:r>
+            <a:r>
+              <a:rPr lang="it-IT" b="1" i="1" dirty="0">
+                <a:solidFill>
+                  <a:srgbClr val="FF0000"/>
+                </a:solidFill>
+              </a:rPr>
+              <a:t> </a:t>
+            </a:r>
+            <a:r>
+              <a:rPr lang="it-IT" b="1" i="1" dirty="0" err="1">
+                <a:solidFill>
+                  <a:srgbClr val="FF0000"/>
+                </a:solidFill>
+              </a:rPr>
+              <a:t>gyro</a:t>
+            </a:r>
+            <a:r>
+              <a:rPr lang="it-IT" b="1" i="1" dirty="0">
+                <a:solidFill>
+                  <a:srgbClr val="FF0000"/>
+                </a:solidFill>
+              </a:rPr>
+              <a:t> </a:t>
+            </a:r>
+            <a:r>
+              <a:rPr lang="it-IT" b="1" i="1" dirty="0" err="1">
+                <a:solidFill>
+                  <a:srgbClr val="FF0000"/>
+                </a:solidFill>
+              </a:rPr>
+              <a:t>sensors</a:t>
+            </a:r>
+            <a:r>
+              <a:rPr lang="it-IT" b="1" i="1" dirty="0">
+                <a:solidFill>
+                  <a:srgbClr val="FF0000"/>
+                </a:solidFill>
+              </a:rPr>
+              <a:t>. </a:t>
+            </a:r>
+            <a:r>
+              <a:rPr lang="it-IT" b="1" i="1" dirty="0" err="1">
+                <a:solidFill>
+                  <a:srgbClr val="FF0000"/>
+                </a:solidFill>
+              </a:rPr>
+              <a:t>Please</a:t>
+            </a:r>
+            <a:r>
+              <a:rPr lang="it-IT" b="1" i="1" dirty="0">
+                <a:solidFill>
+                  <a:srgbClr val="FF0000"/>
+                </a:solidFill>
+              </a:rPr>
+              <a:t> </a:t>
+            </a:r>
+            <a:r>
+              <a:rPr lang="it-IT" b="1" i="1" dirty="0" err="1">
+                <a:solidFill>
+                  <a:srgbClr val="FF0000"/>
+                </a:solidFill>
+              </a:rPr>
+              <a:t>read</a:t>
+            </a:r>
+            <a:r>
+              <a:rPr lang="it-IT" b="1" i="1" dirty="0">
+                <a:solidFill>
+                  <a:srgbClr val="FF0000"/>
+                </a:solidFill>
+              </a:rPr>
+              <a:t> the </a:t>
+            </a:r>
+            <a:r>
+              <a:rPr lang="it-IT" b="1" i="1" dirty="0" err="1">
+                <a:solidFill>
+                  <a:srgbClr val="FF0000"/>
+                </a:solidFill>
+              </a:rPr>
+              <a:t>next</a:t>
+            </a:r>
+            <a:r>
+              <a:rPr lang="it-IT" b="1" i="1" dirty="0">
+                <a:solidFill>
+                  <a:srgbClr val="FF0000"/>
+                </a:solidFill>
+              </a:rPr>
+              <a:t> </a:t>
+            </a:r>
+            <a:r>
+              <a:rPr lang="it-IT" b="1" i="1" dirty="0" err="1">
+                <a:solidFill>
+                  <a:srgbClr val="FF0000"/>
+                </a:solidFill>
+              </a:rPr>
+              <a:t>lesson</a:t>
+            </a:r>
+            <a:r>
+              <a:rPr lang="it-IT" b="1" i="1" dirty="0">
+                <a:solidFill>
+                  <a:srgbClr val="FF0000"/>
+                </a:solidFill>
+              </a:rPr>
+              <a:t> to </a:t>
+            </a:r>
+            <a:r>
+              <a:rPr lang="it-IT" b="1" i="1" dirty="0" err="1">
+                <a:solidFill>
+                  <a:srgbClr val="FF0000"/>
+                </a:solidFill>
+              </a:rPr>
+              <a:t>find</a:t>
+            </a:r>
+            <a:r>
+              <a:rPr lang="it-IT" b="1" i="1" dirty="0">
+                <a:solidFill>
+                  <a:srgbClr val="FF0000"/>
+                </a:solidFill>
+              </a:rPr>
+              <a:t> out </a:t>
+            </a:r>
+            <a:r>
+              <a:rPr lang="it-IT" b="1" i="1" dirty="0" err="1">
+                <a:solidFill>
+                  <a:srgbClr val="FF0000"/>
+                </a:solidFill>
+              </a:rPr>
+              <a:t>if</a:t>
+            </a:r>
+            <a:r>
+              <a:rPr lang="it-IT" b="1" i="1" dirty="0">
+                <a:solidFill>
+                  <a:srgbClr val="FF0000"/>
+                </a:solidFill>
+              </a:rPr>
+              <a:t> </a:t>
+            </a:r>
+            <a:r>
+              <a:rPr lang="it-IT" b="1" i="1" dirty="0" err="1">
+                <a:solidFill>
+                  <a:srgbClr val="FF0000"/>
+                </a:solidFill>
+              </a:rPr>
+              <a:t>your</a:t>
+            </a:r>
+            <a:r>
+              <a:rPr lang="it-IT" b="1" i="1" dirty="0">
+                <a:solidFill>
+                  <a:srgbClr val="FF0000"/>
+                </a:solidFill>
+              </a:rPr>
+              <a:t> </a:t>
+            </a:r>
+            <a:r>
+              <a:rPr lang="it-IT" b="1" i="1" dirty="0" err="1">
+                <a:solidFill>
+                  <a:srgbClr val="FF0000"/>
+                </a:solidFill>
+              </a:rPr>
+              <a:t>sensor</a:t>
+            </a:r>
+            <a:r>
+              <a:rPr lang="it-IT" b="1" i="1" dirty="0">
+                <a:solidFill>
+                  <a:srgbClr val="FF0000"/>
+                </a:solidFill>
+              </a:rPr>
+              <a:t> </a:t>
+            </a:r>
+            <a:r>
+              <a:rPr lang="it-IT" b="1" i="1" dirty="0" err="1">
+                <a:solidFill>
+                  <a:srgbClr val="FF0000"/>
+                </a:solidFill>
+              </a:rPr>
+              <a:t>is</a:t>
+            </a:r>
+            <a:r>
+              <a:rPr lang="it-IT" b="1" i="1" dirty="0">
+                <a:solidFill>
+                  <a:srgbClr val="FF0000"/>
+                </a:solidFill>
+              </a:rPr>
+              <a:t> a </a:t>
+            </a:r>
+            <a:r>
+              <a:rPr lang="it-IT" b="1" i="1" dirty="0" err="1">
+                <a:solidFill>
+                  <a:srgbClr val="FF0000"/>
+                </a:solidFill>
+              </a:rPr>
+              <a:t>newer</a:t>
+            </a:r>
+            <a:r>
+              <a:rPr lang="it-IT" b="1" i="1" dirty="0">
+                <a:solidFill>
+                  <a:srgbClr val="FF0000"/>
+                </a:solidFill>
+              </a:rPr>
+              <a:t> model and </a:t>
+            </a:r>
+            <a:r>
+              <a:rPr lang="it-IT" b="1" i="1" dirty="0" err="1">
+                <a:solidFill>
+                  <a:srgbClr val="FF0000"/>
+                </a:solidFill>
+              </a:rPr>
+              <a:t>what</a:t>
+            </a:r>
+            <a:r>
+              <a:rPr lang="it-IT" b="1" i="1" dirty="0">
+                <a:solidFill>
+                  <a:srgbClr val="FF0000"/>
+                </a:solidFill>
+              </a:rPr>
+              <a:t> </a:t>
+            </a:r>
+            <a:r>
+              <a:rPr lang="it-IT" b="1" i="1" dirty="0" err="1">
+                <a:solidFill>
+                  <a:srgbClr val="FF0000"/>
+                </a:solidFill>
+              </a:rPr>
+              <a:t>alternatives</a:t>
+            </a:r>
+            <a:r>
+              <a:rPr lang="it-IT" b="1" i="1" dirty="0">
+                <a:solidFill>
+                  <a:srgbClr val="FF0000"/>
+                </a:solidFill>
+              </a:rPr>
+              <a:t> </a:t>
+            </a:r>
+            <a:r>
+              <a:rPr lang="it-IT" b="1" i="1" dirty="0" err="1">
+                <a:solidFill>
+                  <a:srgbClr val="FF0000"/>
+                </a:solidFill>
+              </a:rPr>
+              <a:t>you</a:t>
+            </a:r>
+            <a:r>
+              <a:rPr lang="it-IT" b="1" i="1" dirty="0">
+                <a:solidFill>
+                  <a:srgbClr val="FF0000"/>
+                </a:solidFill>
+              </a:rPr>
+              <a:t> </a:t>
+            </a:r>
+            <a:r>
+              <a:rPr lang="it-IT" b="1" i="1" dirty="0" err="1">
+                <a:solidFill>
+                  <a:srgbClr val="FF0000"/>
+                </a:solidFill>
+              </a:rPr>
+              <a:t>have</a:t>
+            </a:r>
+            <a:r>
+              <a:rPr lang="it-IT" b="1" i="1" dirty="0">
+                <a:solidFill>
+                  <a:srgbClr val="FF0000"/>
+                </a:solidFill>
+              </a:rPr>
+              <a:t> to </a:t>
+            </a:r>
+            <a:r>
+              <a:rPr lang="it-IT" b="1" i="1" dirty="0" err="1">
+                <a:solidFill>
+                  <a:srgbClr val="FF0000"/>
+                </a:solidFill>
+              </a:rPr>
+              <a:t>reclaibrate</a:t>
+            </a:r>
+            <a:r>
+              <a:rPr lang="it-IT" b="1" i="1" dirty="0">
+                <a:solidFill>
+                  <a:srgbClr val="FF0000"/>
+                </a:solidFill>
+              </a:rPr>
+              <a:t> </a:t>
+            </a:r>
+            <a:r>
+              <a:rPr lang="it-IT" b="1" i="1" dirty="0" err="1">
+                <a:solidFill>
+                  <a:srgbClr val="FF0000"/>
+                </a:solidFill>
+              </a:rPr>
+              <a:t>your</a:t>
+            </a:r>
+            <a:r>
+              <a:rPr lang="it-IT" b="1" i="1" dirty="0">
+                <a:solidFill>
+                  <a:srgbClr val="FF0000"/>
+                </a:solidFill>
+              </a:rPr>
+              <a:t> </a:t>
+            </a:r>
+            <a:r>
+              <a:rPr lang="it-IT" b="1" i="1" dirty="0" err="1">
+                <a:solidFill>
+                  <a:srgbClr val="FF0000"/>
+                </a:solidFill>
+              </a:rPr>
+              <a:t>gyro</a:t>
+            </a:r>
+            <a:r>
+              <a:rPr lang="it-IT" b="1" i="1" dirty="0">
+                <a:solidFill>
+                  <a:srgbClr val="FF0000"/>
+                </a:solidFill>
+              </a:rPr>
+              <a:t> </a:t>
+            </a:r>
+            <a:r>
+              <a:rPr lang="it-IT" b="1" i="1" dirty="0" err="1">
+                <a:solidFill>
+                  <a:srgbClr val="FF0000"/>
+                </a:solidFill>
+              </a:rPr>
+              <a:t>sensor</a:t>
+            </a:r>
+            <a:r>
+              <a:rPr lang="it-IT" b="1" i="1" dirty="0">
+                <a:solidFill>
+                  <a:srgbClr val="FF0000"/>
+                </a:solidFill>
+              </a:rPr>
+              <a:t>.</a:t>
+            </a:r>
+          </a:p>
+          <a:p>
+            <a:pPr marL="342900" indent="-342900">
+              <a:buFont typeface="Arial"/>
+              <a:buChar char="•"/>
+            </a:pPr>
+            <a:endParaRPr lang="en-US" dirty="0"/>
           </a:p>
           <a:p>
             <a:endParaRPr lang="en-US" dirty="0"/>
@@ -8905,7 +10229,7 @@
           <a:lstStyle/>
           <a:p>
             <a:r>
-              <a:rPr lang="sk-SK" smtClean="0"/>
+              <a:rPr lang="sk-SK"/>
               <a:t>© 2016 EV3Lessons.com</a:t>
             </a:r>
             <a:endParaRPr lang="en-US"/>
@@ -8928,10 +10252,9 @@
           <a:lstStyle/>
           <a:p>
             <a:r>
-              <a:rPr lang="en-US" dirty="0" smtClean="0"/>
+              <a:rPr lang="en-US" dirty="0"/>
               <a:t>IMPORTANT NOTES</a:t>
             </a:r>
-            <a:endParaRPr lang="en-US" dirty="0"/>
           </a:p>
         </p:txBody>
       </p:sp>
@@ -8952,7 +10275,7 @@
           <a:p>
             <a:fld id="{3653A55C-FE01-F548-B391-70A4C4A8BBBD}" type="datetime1">
               <a:rPr lang="en-US" smtClean="0"/>
-              <a:t>8/6/17</a:t>
+              <a:t>12/21/18</a:t>
             </a:fld>
             <a:endParaRPr lang="en-US"/>
           </a:p>
@@ -9027,7 +10350,7 @@
           <a:lstStyle/>
           <a:p>
             <a:r>
-              <a:rPr lang="sk-SK" smtClean="0"/>
+              <a:rPr lang="sk-SK"/>
               <a:t>© 2016 EV3Lessons.com</a:t>
             </a:r>
             <a:endParaRPr lang="en-US"/>
@@ -9050,10 +10373,9 @@
           <a:lstStyle/>
           <a:p>
             <a:r>
-              <a:rPr lang="en-US" dirty="0" smtClean="0"/>
+              <a:rPr lang="en-US" dirty="0"/>
               <a:t>Calibration: Strategy 1</a:t>
             </a:r>
-            <a:endParaRPr lang="en-US" dirty="0"/>
           </a:p>
         </p:txBody>
       </p:sp>
@@ -9085,18 +10407,13 @@
           <a:lstStyle/>
           <a:p>
             <a:r>
-              <a:rPr lang="en-US" dirty="0" smtClean="0">
+              <a:rPr lang="en-US" dirty="0">
                 <a:solidFill>
                   <a:srgbClr val="000000"/>
                 </a:solidFill>
               </a:rPr>
               <a:t>The gyro recalibrates when it switches modes. So, a “rate” reading followed by an “angle” reading calibrates the gyro. </a:t>
             </a:r>
-            <a:endParaRPr lang="en-US" dirty="0">
-              <a:solidFill>
-                <a:srgbClr val="000000"/>
-              </a:solidFill>
-            </a:endParaRPr>
           </a:p>
         </p:txBody>
       </p:sp>
@@ -9128,18 +10445,13 @@
           <a:lstStyle/>
           <a:p>
             <a:r>
-              <a:rPr lang="en-US" dirty="0" smtClean="0">
+              <a:rPr lang="en-US" dirty="0">
                 <a:solidFill>
                   <a:srgbClr val="3366FF"/>
                 </a:solidFill>
               </a:rPr>
               <a:t>Second, add a wait block to give the sensor a bit of time to fully reset. Our measurements show that 0.1 seconds is sufficient.</a:t>
             </a:r>
-            <a:endParaRPr lang="en-US" dirty="0">
-              <a:solidFill>
-                <a:srgbClr val="3366FF"/>
-              </a:solidFill>
-            </a:endParaRPr>
           </a:p>
         </p:txBody>
       </p:sp>
@@ -9171,18 +10483,13 @@
           <a:lstStyle/>
           <a:p>
             <a:r>
-              <a:rPr lang="en-US" dirty="0" smtClean="0">
+              <a:rPr lang="en-US" dirty="0">
                 <a:solidFill>
                   <a:srgbClr val="3366FF"/>
                 </a:solidFill>
               </a:rPr>
               <a:t>Note that in the rest of your program, you should only use the “angle” modes of the gyro. Using the “rate” or “rate and angle” mode will cause the gyro to recalibrate. </a:t>
             </a:r>
-            <a:endParaRPr lang="en-US" dirty="0">
-              <a:solidFill>
-                <a:srgbClr val="3366FF"/>
-              </a:solidFill>
-            </a:endParaRPr>
           </a:p>
         </p:txBody>
       </p:sp>
@@ -9232,7 +10539,7 @@
           <a:p>
             <a:fld id="{C70C6FD9-D304-D74F-9512-2875B01280D3}" type="datetime1">
               <a:rPr lang="en-US" smtClean="0"/>
-              <a:t>8/6/17</a:t>
+              <a:t>12/21/18</a:t>
             </a:fld>
             <a:endParaRPr lang="en-US"/>
           </a:p>
@@ -9307,7 +10614,7 @@
           <a:lstStyle/>
           <a:p>
             <a:r>
-              <a:rPr lang="sk-SK" smtClean="0"/>
+              <a:rPr lang="sk-SK"/>
               <a:t>© 2016 EV3Lessons.com</a:t>
             </a:r>
             <a:endParaRPr lang="en-US"/>
@@ -9330,10 +10637,9 @@
           <a:lstStyle/>
           <a:p>
             <a:r>
-              <a:rPr lang="en-US" dirty="0" smtClean="0"/>
+              <a:rPr lang="en-US" dirty="0"/>
               <a:t>Calibration: Strategy 2</a:t>
             </a:r>
-            <a:endParaRPr lang="en-US" dirty="0"/>
           </a:p>
         </p:txBody>
       </p:sp>
@@ -9365,7 +10671,7 @@
           <a:lstStyle/>
           <a:p>
             <a:r>
-              <a:rPr lang="en-US" dirty="0" smtClean="0">
+              <a:rPr lang="en-US" dirty="0">
                 <a:solidFill>
                   <a:srgbClr val="000000"/>
                 </a:solidFill>
@@ -9373,7 +10679,7 @@
               <a:t>This version of the calibration leaves the gyro in </a:t>
             </a:r>
             <a:r>
-              <a:rPr lang="en-US" dirty="0" err="1" smtClean="0">
+              <a:rPr lang="en-US" dirty="0" err="1">
                 <a:solidFill>
                   <a:srgbClr val="000000"/>
                 </a:solidFill>
@@ -9381,18 +10687,13 @@
               <a:t>rate+angle</a:t>
             </a:r>
             <a:r>
-              <a:rPr lang="en-US" dirty="0" smtClean="0">
+              <a:rPr lang="en-US" dirty="0">
                 <a:solidFill>
                   <a:srgbClr val="000000"/>
                 </a:solidFill>
               </a:rPr>
               <a:t> mode. This is useful if you use the rate output. </a:t>
             </a:r>
-            <a:endParaRPr lang="en-US" dirty="0">
-              <a:solidFill>
-                <a:srgbClr val="000000"/>
-              </a:solidFill>
-            </a:endParaRPr>
           </a:p>
         </p:txBody>
       </p:sp>
@@ -9424,18 +10725,13 @@
           <a:lstStyle/>
           <a:p>
             <a:r>
-              <a:rPr lang="en-US" dirty="0" smtClean="0">
+              <a:rPr lang="en-US" dirty="0">
                 <a:solidFill>
                   <a:srgbClr val="3366FF"/>
                 </a:solidFill>
               </a:rPr>
               <a:t>The downside of this version is that it takes longer (about 3 seconds). Also, you cannot use gyro reset anymore!</a:t>
             </a:r>
-            <a:endParaRPr lang="en-US" dirty="0">
-              <a:solidFill>
-                <a:srgbClr val="3366FF"/>
-              </a:solidFill>
-            </a:endParaRPr>
           </a:p>
         </p:txBody>
       </p:sp>
@@ -9523,7 +10819,7 @@
           <a:p>
             <a:fld id="{3BFCB8D7-3BA4-784B-89B8-D4F821C20023}" type="datetime1">
               <a:rPr lang="en-US" smtClean="0"/>
-              <a:t>8/6/17</a:t>
+              <a:t>12/21/18</a:t>
             </a:fld>
             <a:endParaRPr lang="en-US"/>
           </a:p>
@@ -9605,395 +10901,395 @@
           <a:lstStyle/>
           <a:p>
             <a:r>
-              <a:rPr lang="it-IT" dirty="0" err="1" smtClean="0"/>
+              <a:rPr lang="it-IT" dirty="0" err="1"/>
               <a:t>Having</a:t>
             </a:r>
             <a:r>
-              <a:rPr lang="it-IT" dirty="0" smtClean="0"/>
+              <a:rPr lang="it-IT" dirty="0"/>
               <a:t> a </a:t>
             </a:r>
             <a:r>
-              <a:rPr lang="it-IT" dirty="0" err="1" smtClean="0"/>
+              <a:rPr lang="it-IT" dirty="0" err="1"/>
               <a:t>fixed</a:t>
             </a:r>
             <a:r>
-              <a:rPr lang="it-IT" dirty="0" smtClean="0"/>
+              <a:rPr lang="it-IT" dirty="0"/>
               <a:t> time </a:t>
             </a:r>
             <a:r>
-              <a:rPr lang="it-IT" dirty="0" err="1" smtClean="0"/>
+              <a:rPr lang="it-IT" dirty="0" err="1"/>
               <a:t>wait</a:t>
             </a:r>
             <a:r>
-              <a:rPr lang="it-IT" dirty="0" smtClean="0"/>
+              <a:rPr lang="it-IT" dirty="0"/>
               <a:t> for the </a:t>
             </a:r>
             <a:r>
-              <a:rPr lang="it-IT" dirty="0" err="1" smtClean="0"/>
+              <a:rPr lang="it-IT" dirty="0" err="1"/>
               <a:t>gyro</a:t>
             </a:r>
             <a:r>
-              <a:rPr lang="it-IT" dirty="0" smtClean="0"/>
+              <a:rPr lang="it-IT" dirty="0"/>
               <a:t> to calibrate </a:t>
             </a:r>
             <a:r>
-              <a:rPr lang="it-IT" dirty="0" err="1" smtClean="0"/>
+              <a:rPr lang="it-IT" dirty="0" err="1"/>
               <a:t>may</a:t>
             </a:r>
             <a:r>
-              <a:rPr lang="it-IT" dirty="0" smtClean="0"/>
+              <a:rPr lang="it-IT" dirty="0"/>
               <a:t> </a:t>
             </a:r>
             <a:r>
-              <a:rPr lang="it-IT" dirty="0" err="1" smtClean="0"/>
+              <a:rPr lang="it-IT" dirty="0" err="1"/>
               <a:t>not</a:t>
             </a:r>
             <a:r>
-              <a:rPr lang="it-IT" dirty="0" smtClean="0"/>
+              <a:rPr lang="it-IT" dirty="0"/>
               <a:t> </a:t>
             </a:r>
             <a:r>
-              <a:rPr lang="it-IT" dirty="0" err="1" smtClean="0"/>
+              <a:rPr lang="it-IT" dirty="0" err="1"/>
               <a:t>always</a:t>
             </a:r>
             <a:r>
-              <a:rPr lang="it-IT" dirty="0" smtClean="0"/>
+              <a:rPr lang="it-IT" dirty="0"/>
               <a:t> work. </a:t>
             </a:r>
           </a:p>
           <a:p>
             <a:r>
-              <a:rPr lang="it-IT" dirty="0" smtClean="0"/>
+              <a:rPr lang="it-IT" dirty="0"/>
               <a:t>The </a:t>
             </a:r>
             <a:r>
-              <a:rPr lang="it-IT" dirty="0" err="1" smtClean="0"/>
+              <a:rPr lang="it-IT" dirty="0" err="1"/>
               <a:t>gyro</a:t>
             </a:r>
             <a:r>
-              <a:rPr lang="it-IT" dirty="0" smtClean="0"/>
+              <a:rPr lang="it-IT" dirty="0"/>
               <a:t> </a:t>
             </a:r>
             <a:r>
-              <a:rPr lang="it-IT" dirty="0" err="1" smtClean="0"/>
+              <a:rPr lang="it-IT" dirty="0" err="1"/>
               <a:t>returns</a:t>
             </a:r>
             <a:r>
-              <a:rPr lang="it-IT" dirty="0" smtClean="0"/>
+              <a:rPr lang="it-IT" dirty="0"/>
               <a:t> “</a:t>
             </a:r>
             <a:r>
-              <a:rPr lang="it-IT" dirty="0" err="1" smtClean="0"/>
+              <a:rPr lang="it-IT" dirty="0" err="1"/>
               <a:t>Not</a:t>
             </a:r>
             <a:r>
-              <a:rPr lang="it-IT" dirty="0" smtClean="0"/>
+              <a:rPr lang="it-IT" dirty="0"/>
               <a:t> a </a:t>
             </a:r>
             <a:r>
-              <a:rPr lang="it-IT" dirty="0" err="1" smtClean="0"/>
+              <a:rPr lang="it-IT" dirty="0" err="1"/>
               <a:t>Number</a:t>
             </a:r>
             <a:r>
-              <a:rPr lang="it-IT" dirty="0" smtClean="0"/>
+              <a:rPr lang="it-IT" dirty="0"/>
               <a:t>” (</a:t>
             </a:r>
             <a:r>
-              <a:rPr lang="it-IT" dirty="0" err="1" smtClean="0"/>
+              <a:rPr lang="it-IT" dirty="0" err="1"/>
               <a:t>NaN</a:t>
             </a:r>
             <a:r>
-              <a:rPr lang="it-IT" dirty="0" smtClean="0"/>
+              <a:rPr lang="it-IT" dirty="0"/>
               <a:t>) </a:t>
             </a:r>
             <a:r>
-              <a:rPr lang="it-IT" dirty="0" err="1" smtClean="0"/>
+              <a:rPr lang="it-IT" dirty="0" err="1"/>
               <a:t>until</a:t>
             </a:r>
             <a:r>
-              <a:rPr lang="it-IT" dirty="0" smtClean="0"/>
+              <a:rPr lang="it-IT" dirty="0"/>
               <a:t> </a:t>
             </a:r>
             <a:r>
-              <a:rPr lang="it-IT" dirty="0" err="1" smtClean="0"/>
+              <a:rPr lang="it-IT" dirty="0" err="1"/>
               <a:t>it</a:t>
             </a:r>
             <a:r>
-              <a:rPr lang="it-IT" dirty="0" smtClean="0"/>
+              <a:rPr lang="it-IT" dirty="0"/>
               <a:t> </a:t>
             </a:r>
             <a:r>
-              <a:rPr lang="it-IT" dirty="0" err="1" smtClean="0"/>
+              <a:rPr lang="it-IT" dirty="0" err="1"/>
               <a:t>has</a:t>
             </a:r>
             <a:r>
-              <a:rPr lang="it-IT" dirty="0" smtClean="0"/>
+              <a:rPr lang="it-IT" dirty="0"/>
               <a:t> </a:t>
             </a:r>
             <a:r>
-              <a:rPr lang="it-IT" dirty="0" err="1" smtClean="0"/>
+              <a:rPr lang="it-IT" dirty="0" err="1"/>
               <a:t>actually</a:t>
             </a:r>
             <a:r>
-              <a:rPr lang="it-IT" dirty="0" smtClean="0"/>
+              <a:rPr lang="it-IT" dirty="0"/>
               <a:t> reset and </a:t>
             </a:r>
             <a:r>
-              <a:rPr lang="it-IT" dirty="0" err="1" smtClean="0"/>
+              <a:rPr lang="it-IT" dirty="0" err="1"/>
               <a:t>NaNs</a:t>
             </a:r>
             <a:r>
-              <a:rPr lang="it-IT" dirty="0" smtClean="0"/>
+              <a:rPr lang="it-IT" dirty="0"/>
               <a:t> are </a:t>
             </a:r>
             <a:r>
-              <a:rPr lang="it-IT" dirty="0" err="1" smtClean="0"/>
+              <a:rPr lang="it-IT" dirty="0" err="1"/>
               <a:t>not</a:t>
             </a:r>
             <a:r>
-              <a:rPr lang="it-IT" dirty="0" smtClean="0"/>
+              <a:rPr lang="it-IT" dirty="0"/>
               <a:t> &gt;, =, or &lt; </a:t>
             </a:r>
             <a:r>
-              <a:rPr lang="it-IT" dirty="0" err="1" smtClean="0"/>
+              <a:rPr lang="it-IT" dirty="0" err="1"/>
               <a:t>any</a:t>
             </a:r>
             <a:r>
-              <a:rPr lang="it-IT" dirty="0" smtClean="0"/>
+              <a:rPr lang="it-IT" dirty="0"/>
               <a:t> </a:t>
             </a:r>
             <a:r>
-              <a:rPr lang="it-IT" dirty="0" err="1" smtClean="0"/>
+              <a:rPr lang="it-IT" dirty="0" err="1"/>
               <a:t>number</a:t>
             </a:r>
             <a:r>
-              <a:rPr lang="it-IT" dirty="0" smtClean="0"/>
+              <a:rPr lang="it-IT" dirty="0"/>
               <a:t>.  </a:t>
             </a:r>
             <a:r>
-              <a:rPr lang="it-IT" dirty="0" err="1" smtClean="0"/>
+              <a:rPr lang="it-IT" dirty="0" err="1"/>
               <a:t>This</a:t>
             </a:r>
             <a:r>
-              <a:rPr lang="it-IT" dirty="0" smtClean="0"/>
+              <a:rPr lang="it-IT" dirty="0"/>
               <a:t> </a:t>
             </a:r>
             <a:r>
-              <a:rPr lang="it-IT" dirty="0" err="1" smtClean="0"/>
+              <a:rPr lang="it-IT" dirty="0" err="1"/>
               <a:t>is</a:t>
             </a:r>
             <a:r>
-              <a:rPr lang="it-IT" dirty="0" smtClean="0"/>
+              <a:rPr lang="it-IT" dirty="0"/>
               <a:t> </a:t>
             </a:r>
             <a:r>
-              <a:rPr lang="it-IT" dirty="0" err="1" smtClean="0"/>
+              <a:rPr lang="it-IT" dirty="0" err="1"/>
               <a:t>because</a:t>
             </a:r>
             <a:r>
-              <a:rPr lang="it-IT" dirty="0" smtClean="0"/>
+              <a:rPr lang="it-IT" dirty="0"/>
               <a:t> </a:t>
             </a:r>
             <a:r>
-              <a:rPr lang="it-IT" dirty="0" err="1" smtClean="0"/>
+              <a:rPr lang="it-IT" dirty="0" err="1"/>
               <a:t>they</a:t>
             </a:r>
             <a:r>
-              <a:rPr lang="it-IT" dirty="0" smtClean="0"/>
+              <a:rPr lang="it-IT" dirty="0"/>
               <a:t> are </a:t>
             </a:r>
             <a:r>
-              <a:rPr lang="it-IT" dirty="0" err="1" smtClean="0"/>
+              <a:rPr lang="it-IT" dirty="0" err="1"/>
               <a:t>not</a:t>
             </a:r>
             <a:r>
-              <a:rPr lang="it-IT" dirty="0" smtClean="0"/>
+              <a:rPr lang="it-IT" dirty="0"/>
               <a:t> </a:t>
             </a:r>
             <a:r>
-              <a:rPr lang="it-IT" dirty="0" err="1" smtClean="0"/>
+              <a:rPr lang="it-IT" dirty="0" err="1"/>
               <a:t>numbers</a:t>
             </a:r>
             <a:r>
-              <a:rPr lang="it-IT" dirty="0" smtClean="0"/>
+              <a:rPr lang="it-IT" dirty="0"/>
               <a:t>  </a:t>
             </a:r>
           </a:p>
           <a:p>
             <a:r>
-              <a:rPr lang="en-US" dirty="0" smtClean="0"/>
+              <a:rPr lang="en-US" dirty="0"/>
               <a:t>The only way you can know when it is fully reset is to make sure you are getting back a real number, instead of a Not-a-Number value</a:t>
             </a:r>
           </a:p>
           <a:p>
             <a:pPr lvl="1"/>
             <a:r>
-              <a:rPr lang="en-US" dirty="0" smtClean="0"/>
+              <a:rPr lang="en-US" dirty="0"/>
               <a:t>STEP 1: Recalibrate the gyro</a:t>
             </a:r>
           </a:p>
           <a:p>
             <a:pPr lvl="1"/>
             <a:r>
-              <a:rPr lang="en-US" dirty="0" smtClean="0"/>
+              <a:rPr lang="en-US" dirty="0"/>
               <a:t>STEP 2: start a loop</a:t>
             </a:r>
           </a:p>
           <a:p>
             <a:pPr lvl="1"/>
             <a:r>
-              <a:rPr lang="en-US" dirty="0" smtClean="0"/>
+              <a:rPr lang="en-US" dirty="0"/>
               <a:t>STEP 3: read angle</a:t>
             </a:r>
           </a:p>
           <a:p>
             <a:pPr lvl="1"/>
             <a:r>
-              <a:rPr lang="it-IT" dirty="0" smtClean="0"/>
+              <a:rPr lang="it-IT" dirty="0"/>
               <a:t>STEP 4: </a:t>
             </a:r>
             <a:r>
-              <a:rPr lang="it-IT" dirty="0" err="1" smtClean="0"/>
+              <a:rPr lang="it-IT" dirty="0" err="1"/>
               <a:t>check</a:t>
             </a:r>
             <a:r>
-              <a:rPr lang="it-IT" dirty="0" smtClean="0"/>
+              <a:rPr lang="it-IT" dirty="0"/>
               <a:t> angle &gt;= 0</a:t>
             </a:r>
           </a:p>
           <a:p>
             <a:pPr lvl="1"/>
             <a:r>
-              <a:rPr lang="it-IT" dirty="0" smtClean="0"/>
+              <a:rPr lang="it-IT" dirty="0"/>
               <a:t>STEP 5: </a:t>
             </a:r>
             <a:r>
-              <a:rPr lang="it-IT" dirty="0" err="1" smtClean="0"/>
+              <a:rPr lang="it-IT" dirty="0" err="1"/>
               <a:t>check</a:t>
             </a:r>
             <a:r>
-              <a:rPr lang="it-IT" dirty="0" smtClean="0"/>
+              <a:rPr lang="it-IT" dirty="0"/>
               <a:t> angle &lt; 0</a:t>
             </a:r>
           </a:p>
           <a:p>
             <a:pPr lvl="1"/>
             <a:r>
-              <a:rPr lang="it-IT" dirty="0" smtClean="0"/>
+              <a:rPr lang="it-IT" dirty="0"/>
               <a:t>STEP 6: OR </a:t>
             </a:r>
             <a:r>
-              <a:rPr lang="it-IT" dirty="0" err="1" smtClean="0"/>
+              <a:rPr lang="it-IT" dirty="0" err="1"/>
               <a:t>outputs</a:t>
             </a:r>
             <a:r>
-              <a:rPr lang="it-IT" dirty="0" smtClean="0"/>
+              <a:rPr lang="it-IT" dirty="0"/>
               <a:t> of </a:t>
             </a:r>
             <a:r>
-              <a:rPr lang="it-IT" dirty="0" err="1" smtClean="0"/>
+              <a:rPr lang="it-IT" dirty="0" err="1"/>
               <a:t>steps</a:t>
             </a:r>
             <a:r>
-              <a:rPr lang="it-IT" dirty="0" smtClean="0"/>
+              <a:rPr lang="it-IT" dirty="0"/>
               <a:t> 4 &amp; 5</a:t>
             </a:r>
           </a:p>
           <a:p>
             <a:pPr lvl="1"/>
             <a:r>
-              <a:rPr lang="it-IT" dirty="0" smtClean="0"/>
+              <a:rPr lang="it-IT" dirty="0"/>
               <a:t>STEP 7: </a:t>
             </a:r>
             <a:r>
-              <a:rPr lang="it-IT" dirty="0" err="1" smtClean="0"/>
+              <a:rPr lang="it-IT" dirty="0" err="1"/>
               <a:t>If</a:t>
             </a:r>
             <a:r>
-              <a:rPr lang="it-IT" dirty="0" smtClean="0"/>
+              <a:rPr lang="it-IT" dirty="0"/>
               <a:t> the output of </a:t>
             </a:r>
             <a:r>
-              <a:rPr lang="it-IT" dirty="0" err="1" smtClean="0"/>
+              <a:rPr lang="it-IT" dirty="0" err="1"/>
               <a:t>step</a:t>
             </a:r>
             <a:r>
-              <a:rPr lang="it-IT" dirty="0" smtClean="0"/>
+              <a:rPr lang="it-IT" dirty="0"/>
               <a:t> 6 </a:t>
             </a:r>
             <a:r>
-              <a:rPr lang="it-IT" dirty="0" err="1" smtClean="0"/>
+              <a:rPr lang="it-IT" dirty="0" err="1"/>
               <a:t>is</a:t>
             </a:r>
             <a:r>
-              <a:rPr lang="it-IT" dirty="0" smtClean="0"/>
+              <a:rPr lang="it-IT" dirty="0"/>
               <a:t> </a:t>
             </a:r>
             <a:r>
-              <a:rPr lang="it-IT" dirty="0" err="1" smtClean="0"/>
+              <a:rPr lang="it-IT" dirty="0" err="1"/>
               <a:t>true</a:t>
             </a:r>
             <a:r>
-              <a:rPr lang="it-IT" dirty="0" smtClean="0"/>
+              <a:rPr lang="it-IT" dirty="0"/>
               <a:t>, exit </a:t>
             </a:r>
             <a:r>
-              <a:rPr lang="it-IT" dirty="0" err="1" smtClean="0"/>
+              <a:rPr lang="it-IT" dirty="0" err="1"/>
               <a:t>loop</a:t>
             </a:r>
-            <a:endParaRPr lang="it-IT" dirty="0" smtClean="0"/>
-          </a:p>
-          <a:p>
-            <a:r>
-              <a:rPr lang="it-IT" dirty="0" smtClean="0"/>
+            <a:endParaRPr lang="it-IT" dirty="0"/>
+          </a:p>
+          <a:p>
+            <a:r>
+              <a:rPr lang="it-IT" dirty="0"/>
               <a:t>At </a:t>
             </a:r>
             <a:r>
-              <a:rPr lang="it-IT" dirty="0" err="1" smtClean="0"/>
+              <a:rPr lang="it-IT" dirty="0" err="1"/>
               <a:t>this</a:t>
             </a:r>
             <a:r>
-              <a:rPr lang="it-IT" dirty="0" smtClean="0"/>
+              <a:rPr lang="it-IT" dirty="0"/>
               <a:t> </a:t>
             </a:r>
             <a:r>
-              <a:rPr lang="it-IT" dirty="0" err="1" smtClean="0"/>
+              <a:rPr lang="it-IT" dirty="0" err="1"/>
               <a:t>point</a:t>
             </a:r>
             <a:r>
-              <a:rPr lang="it-IT" dirty="0" smtClean="0"/>
+              <a:rPr lang="it-IT" dirty="0"/>
               <a:t>, the </a:t>
             </a:r>
             <a:r>
-              <a:rPr lang="it-IT" dirty="0" err="1" smtClean="0"/>
+              <a:rPr lang="it-IT" dirty="0" err="1"/>
               <a:t>sensor</a:t>
             </a:r>
             <a:r>
-              <a:rPr lang="it-IT" dirty="0" smtClean="0"/>
+              <a:rPr lang="it-IT" dirty="0"/>
               <a:t> </a:t>
             </a:r>
             <a:r>
-              <a:rPr lang="it-IT" dirty="0" err="1" smtClean="0"/>
+              <a:rPr lang="it-IT" dirty="0" err="1"/>
               <a:t>drift</a:t>
             </a:r>
             <a:r>
-              <a:rPr lang="it-IT" dirty="0" smtClean="0"/>
+              <a:rPr lang="it-IT" dirty="0"/>
               <a:t> </a:t>
             </a:r>
             <a:r>
-              <a:rPr lang="it-IT" dirty="0" err="1" smtClean="0"/>
+              <a:rPr lang="it-IT" dirty="0" err="1"/>
               <a:t>should</a:t>
             </a:r>
             <a:r>
-              <a:rPr lang="it-IT" dirty="0" smtClean="0"/>
+              <a:rPr lang="it-IT" dirty="0"/>
               <a:t> be </a:t>
             </a:r>
             <a:r>
-              <a:rPr lang="it-IT" dirty="0" err="1" smtClean="0"/>
+              <a:rPr lang="it-IT" dirty="0" err="1"/>
               <a:t>gone</a:t>
             </a:r>
             <a:r>
-              <a:rPr lang="it-IT" dirty="0" smtClean="0"/>
+              <a:rPr lang="it-IT" dirty="0"/>
               <a:t>.  </a:t>
             </a:r>
           </a:p>
@@ -10015,7 +11311,7 @@
           <a:lstStyle/>
           <a:p>
             <a:r>
-              <a:rPr lang="sk-SK" smtClean="0"/>
+              <a:rPr lang="sk-SK"/>
               <a:t>© 2016 EV3Lessons.com</a:t>
             </a:r>
             <a:endParaRPr lang="en-US"/>
@@ -10040,11 +11336,11 @@
           <a:lstStyle/>
           <a:p>
             <a:r>
-              <a:rPr lang="en-US" dirty="0" smtClean="0"/>
+              <a:rPr lang="en-US" dirty="0"/>
               <a:t>Strategy 3: </a:t>
             </a:r>
             <a:r>
-              <a:rPr lang="en-US" dirty="0" err="1" smtClean="0"/>
+              <a:rPr lang="en-US" dirty="0" err="1"/>
               <a:t>Pseudocode</a:t>
             </a:r>
             <a:endParaRPr lang="en-US" dirty="0"/>
@@ -10068,7 +11364,7 @@
           <a:p>
             <a:fld id="{9C72BE0A-9816-CC47-B76D-60C66374C0D1}" type="datetime1">
               <a:rPr lang="en-US" smtClean="0"/>
-              <a:t>8/6/17</a:t>
+              <a:t>12/21/18</a:t>
             </a:fld>
             <a:endParaRPr lang="en-US"/>
           </a:p>

--- a/en/ProgrammingLessons/advanced/Gyro.pptx
+++ b/en/ProgrammingLessons/advanced/Gyro.pptx
@@ -223,7 +223,7 @@
           <a:p>
             <a:fld id="{E354B44E-40A3-0E46-B16A-9BF1250A248B}" type="datetimeFigureOut">
               <a:rPr lang="en-US" smtClean="0"/>
-              <a:t>12/21/18</a:t>
+              <a:t>7/17/19</a:t>
             </a:fld>
             <a:endParaRPr lang="en-US"/>
           </a:p>
@@ -389,7 +389,7 @@
           <a:p>
             <a:fld id="{C86AD16C-2DB4-6642-BAD4-9ED973A087A0}" type="datetimeFigureOut">
               <a:rPr lang="en-US" smtClean="0"/>
-              <a:t>12/21/18</a:t>
+              <a:t>7/17/19</a:t>
             </a:fld>
             <a:endParaRPr lang="en-US"/>
           </a:p>
@@ -1027,7 +1027,7 @@
           <a:p>
             <a:fld id="{B8CD61EB-86A7-2143-909A-671FBD4CCD5D}" type="datetime1">
               <a:rPr lang="en-US" smtClean="0"/>
-              <a:t>12/21/18</a:t>
+              <a:t>7/17/19</a:t>
             </a:fld>
             <a:endParaRPr lang="en-US"/>
           </a:p>
@@ -1573,7 +1573,7 @@
           <a:noFill/>
           <a:extLst>
             <a:ext uri="{909E8E84-426E-40dd-AFC4-6F175D3DCCD1}">
-              <a14:hiddenFill xmlns="" xmlns:a14="http://schemas.microsoft.com/office/drawing/2010/main">
+              <a14:hiddenFill xmlns:a14="http://schemas.microsoft.com/office/drawing/2010/main" xmlns="">
                 <a:solidFill>
                   <a:srgbClr val="FFFFFF"/>
                 </a:solidFill>
@@ -1720,7 +1720,7 @@
           <a:p>
             <a:fld id="{C100E592-9121-CD4C-A5D0-650E85B01007}" type="datetime1">
               <a:rPr lang="en-US" smtClean="0"/>
-              <a:t>12/21/18</a:t>
+              <a:t>7/17/19</a:t>
             </a:fld>
             <a:endParaRPr lang="en-US"/>
           </a:p>
@@ -2174,7 +2174,7 @@
           <a:p>
             <a:fld id="{D17434C9-5DD5-BC42-8D00-C95AA05F9490}" type="datetime1">
               <a:rPr lang="en-US" smtClean="0"/>
-              <a:t>12/21/18</a:t>
+              <a:t>7/17/19</a:t>
             </a:fld>
             <a:endParaRPr lang="en-US" dirty="0"/>
           </a:p>
@@ -2631,7 +2631,7 @@
           <a:p>
             <a:fld id="{3765F00A-3677-6146-BF75-826889CCEDCA}" type="datetime1">
               <a:rPr lang="en-US" smtClean="0"/>
-              <a:t>12/21/18</a:t>
+              <a:t>7/17/19</a:t>
             </a:fld>
             <a:endParaRPr lang="en-US"/>
           </a:p>
@@ -3348,7 +3348,7 @@
           <a:p>
             <a:fld id="{540F61AE-1C41-BA4F-9947-B9B43E7ACD59}" type="datetime1">
               <a:rPr lang="en-US" smtClean="0"/>
-              <a:t>12/21/18</a:t>
+              <a:t>7/17/19</a:t>
             </a:fld>
             <a:endParaRPr lang="en-US"/>
           </a:p>
@@ -3622,7 +3622,7 @@
           <a:p>
             <a:fld id="{A54BB882-2478-FE4A-881F-E1C11FF9B456}" type="datetime1">
               <a:rPr lang="en-US" smtClean="0"/>
-              <a:t>12/21/18</a:t>
+              <a:t>7/17/19</a:t>
             </a:fld>
             <a:endParaRPr lang="en-US"/>
           </a:p>
@@ -3935,7 +3935,7 @@
           <a:p>
             <a:fld id="{A561762A-4F54-4640-B80B-2E9A9CC9D637}" type="datetime1">
               <a:rPr lang="en-US" smtClean="0"/>
-              <a:t>12/21/18</a:t>
+              <a:t>7/17/19</a:t>
             </a:fld>
             <a:endParaRPr lang="en-US"/>
           </a:p>
@@ -4155,7 +4155,7 @@
           <a:p>
             <a:fld id="{809B2184-06D6-3E4E-9390-0071FDC72B08}" type="datetime1">
               <a:rPr lang="en-US" smtClean="0"/>
-              <a:t>12/21/18</a:t>
+              <a:t>7/17/19</a:t>
             </a:fld>
             <a:endParaRPr lang="en-US"/>
           </a:p>
@@ -4434,7 +4434,7 @@
           <a:p>
             <a:fld id="{8798BFBC-4682-9247-893E-49B2B25445E9}" type="datetime1">
               <a:rPr lang="en-US" smtClean="0"/>
-              <a:t>12/21/18</a:t>
+              <a:t>7/17/19</a:t>
             </a:fld>
             <a:endParaRPr lang="en-US" dirty="0"/>
           </a:p>
@@ -4677,7 +4677,7 @@
           <a:p>
             <a:fld id="{251916C3-5C55-6842-81BB-4BDA5AEB10B6}" type="datetime1">
               <a:rPr lang="en-US" smtClean="0"/>
-              <a:t>12/21/18</a:t>
+              <a:t>7/17/19</a:t>
             </a:fld>
             <a:endParaRPr lang="en-US" dirty="0"/>
           </a:p>
@@ -5463,7 +5463,7 @@
           <a:p>
             <a:fld id="{6193FD32-FB04-CD45-91B4-2D0C5581EDE3}" type="datetime1">
               <a:rPr lang="en-US" smtClean="0"/>
-              <a:t>12/21/18</a:t>
+              <a:t>7/17/19</a:t>
             </a:fld>
             <a:endParaRPr lang="en-US"/>
           </a:p>
@@ -5707,7 +5707,7 @@
           <a:p>
             <a:fld id="{576DC0FE-24C6-5542-B19C-469520102976}" type="datetime1">
               <a:rPr lang="en-US" smtClean="0"/>
-              <a:t>12/21/18</a:t>
+              <a:t>7/17/19</a:t>
             </a:fld>
             <a:endParaRPr lang="en-US"/>
           </a:p>
@@ -7562,7 +7562,7 @@
           <a:p>
             <a:fld id="{F9D1C0A9-2B1B-9943-A35C-2A04CA207E70}" type="datetime1">
               <a:rPr lang="en-US" smtClean="0"/>
-              <a:t>12/21/18</a:t>
+              <a:t>7/17/19</a:t>
             </a:fld>
             <a:endParaRPr lang="en-US"/>
           </a:p>
@@ -7760,7 +7760,7 @@
           <a:effectLst/>
           <a:extLst>
             <a:ext uri="{91240B29-F687-4f45-9708-019B960494DF}">
-              <a14:hiddenLine xmlns="" xmlns:a14="http://schemas.microsoft.com/office/drawing/2010/main" w="9525">
+              <a14:hiddenLine xmlns:a14="http://schemas.microsoft.com/office/drawing/2010/main" xmlns="" w="9525">
                 <a:solidFill>
                   <a:schemeClr val="tx1"/>
                 </a:solidFill>
@@ -7770,7 +7770,7 @@
               </a14:hiddenLine>
             </a:ext>
             <a:ext uri="{AF507438-7753-43e0-B8FC-AC1667EBCBE1}">
-              <a14:hiddenEffects xmlns="" xmlns:a14="http://schemas.microsoft.com/office/drawing/2010/main">
+              <a14:hiddenEffects xmlns:a14="http://schemas.microsoft.com/office/drawing/2010/main" xmlns="">
                 <a:effectLst>
                   <a:outerShdw dist="35921" dir="2700000" algn="ctr" rotWithShape="0">
                     <a:schemeClr val="bg2"/>
@@ -8111,7 +8111,7 @@
           <a:noFill/>
           <a:extLst>
             <a:ext uri="{909E8E84-426E-40dd-AFC4-6F175D3DCCD1}">
-              <a14:hiddenFill xmlns="" xmlns:a14="http://schemas.microsoft.com/office/drawing/2010/main">
+              <a14:hiddenFill xmlns:a14="http://schemas.microsoft.com/office/drawing/2010/main" xmlns="">
                 <a:solidFill>
                   <a:srgbClr val="FFFFFF"/>
                 </a:solidFill>
@@ -8137,7 +8137,7 @@
           <a:p>
             <a:fld id="{CD848738-2DDE-9B42-91A4-B9D48A936005}" type="datetime1">
               <a:rPr lang="en-US" smtClean="0"/>
-              <a:t>12/21/18</a:t>
+              <a:t>7/17/19</a:t>
             </a:fld>
             <a:endParaRPr lang="en-US"/>
           </a:p>
@@ -8954,7 +8954,7 @@
           <a:p>
             <a:fld id="{504049EF-DCAF-B14F-ACA0-1EE592A878A0}" type="datetime1">
               <a:rPr lang="en-US" smtClean="0"/>
-              <a:t>12/21/18</a:t>
+              <a:t>7/17/19</a:t>
             </a:fld>
             <a:endParaRPr lang="en-US"/>
           </a:p>
@@ -9118,7 +9118,7 @@
           <a:p>
             <a:fld id="{7CAD3490-3091-EB47-9335-B171F325E32C}" type="datetime1">
               <a:rPr lang="en-US" smtClean="0"/>
-              <a:t>12/21/18</a:t>
+              <a:t>7/17/19</a:t>
             </a:fld>
             <a:endParaRPr lang="en-US"/>
           </a:p>
@@ -9321,7 +9321,7 @@
           <a:p>
             <a:fld id="{39D0E7D0-5543-9F4E-93A0-E7A4BCDF0F3E}" type="datetime1">
               <a:rPr lang="en-US" smtClean="0"/>
-              <a:t>12/21/18</a:t>
+              <a:t>7/17/19</a:t>
             </a:fld>
             <a:endParaRPr lang="en-US"/>
           </a:p>
@@ -9490,7 +9490,7 @@
           <a:p>
             <a:fld id="{AC895C39-8ECF-0843-A8DF-609EDBCEAE0B}" type="datetime1">
               <a:rPr lang="en-US" smtClean="0"/>
-              <a:t>12/21/18</a:t>
+              <a:t>7/17/19</a:t>
             </a:fld>
             <a:endParaRPr lang="en-US"/>
           </a:p>
@@ -9562,7 +9562,7 @@
         <p:spPr/>
         <p:txBody>
           <a:bodyPr>
-            <a:normAutofit fontScale="92500" lnSpcReduction="20000"/>
+            <a:normAutofit fontScale="92500"/>
           </a:bodyPr>
           <a:lstStyle/>
           <a:p>
@@ -9571,8 +9571,16 @@
               <a:buChar char="•"/>
             </a:pPr>
             <a:r>
+              <a:rPr lang="en-US" u="sng" dirty="0">
+                <a:solidFill>
+                  <a:srgbClr val="FF0000"/>
+                </a:solidFill>
+              </a:rPr>
+              <a:t>Keep the robot still </a:t>
+            </a:r>
+            <a:r>
               <a:rPr lang="en-US" dirty="0"/>
-              <a:t>The below are critical notes for using the gyro correctly!!!!!</a:t>
+              <a:t>when you calibrate the gyro</a:t>
             </a:r>
           </a:p>
           <a:p>
@@ -9582,7 +9590,19 @@
             </a:pPr>
             <a:r>
               <a:rPr lang="en-US" dirty="0"/>
-              <a:t>THE ROBOT MUST BE STILL WHEN YOU RUN ANY OF THESE CALIBRATION PROGRAMS!!!!</a:t>
+              <a:t>You </a:t>
+            </a:r>
+            <a:r>
+              <a:rPr lang="en-US" u="sng" dirty="0">
+                <a:solidFill>
+                  <a:srgbClr val="FF0000"/>
+                </a:solidFill>
+              </a:rPr>
+              <a:t>should not have not have to run this every time </a:t>
+            </a:r>
+            <a:r>
+              <a:rPr lang="en-US" dirty="0"/>
+              <a:t>you need to read the gyro</a:t>
             </a:r>
           </a:p>
           <a:p>
@@ -9592,7 +9612,27 @@
             </a:pPr>
             <a:r>
               <a:rPr lang="en-US" dirty="0"/>
-              <a:t>JUST LIKE THE COLOR CALIBRATION, YOU SHOULDN’T RUN THIS EVERY TIME YOU NEED TO READ THE GYRO. YOU SHOULD CALIBRATE IN A SEPARATE PROGRAM JUST BEFORE YOU RUN YOUR PROGRAM OR ONCE AT THE BEGINNING OF YOUR PROGRAM.</a:t>
+              <a:t>You should </a:t>
+            </a:r>
+            <a:r>
+              <a:rPr lang="en-US" u="sng" dirty="0">
+                <a:solidFill>
+                  <a:srgbClr val="FF0000"/>
+                </a:solidFill>
+              </a:rPr>
+              <a:t>calibrate in a separate program</a:t>
+            </a:r>
+            <a:r>
+              <a:rPr lang="en-US" dirty="0">
+                <a:solidFill>
+                  <a:srgbClr val="FF0000"/>
+                </a:solidFill>
+              </a:rPr>
+              <a:t> </a:t>
+            </a:r>
+            <a:r>
+              <a:rPr lang="en-US" dirty="0"/>
+              <a:t>and run it once before you run your code</a:t>
             </a:r>
           </a:p>
           <a:p>
@@ -10275,7 +10315,7 @@
           <a:p>
             <a:fld id="{3653A55C-FE01-F548-B391-70A4C4A8BBBD}" type="datetime1">
               <a:rPr lang="en-US" smtClean="0"/>
-              <a:t>12/21/18</a:t>
+              <a:t>7/17/19</a:t>
             </a:fld>
             <a:endParaRPr lang="en-US"/>
           </a:p>
@@ -10539,7 +10579,7 @@
           <a:p>
             <a:fld id="{C70C6FD9-D304-D74F-9512-2875B01280D3}" type="datetime1">
               <a:rPr lang="en-US" smtClean="0"/>
-              <a:t>12/21/18</a:t>
+              <a:t>7/17/19</a:t>
             </a:fld>
             <a:endParaRPr lang="en-US"/>
           </a:p>
@@ -10819,7 +10859,7 @@
           <a:p>
             <a:fld id="{3BFCB8D7-3BA4-784B-89B8-D4F821C20023}" type="datetime1">
               <a:rPr lang="en-US" smtClean="0"/>
-              <a:t>12/21/18</a:t>
+              <a:t>7/17/19</a:t>
             </a:fld>
             <a:endParaRPr lang="en-US"/>
           </a:p>
@@ -11364,7 +11404,7 @@
           <a:p>
             <a:fld id="{9C72BE0A-9816-CC47-B76D-60C66374C0D1}" type="datetime1">
               <a:rPr lang="en-US" smtClean="0"/>
-              <a:t>12/21/18</a:t>
+              <a:t>7/17/19</a:t>
             </a:fld>
             <a:endParaRPr lang="en-US"/>
           </a:p>

--- a/en/ProgrammingLessons/advanced/Gyro.pptx
+++ b/en/ProgrammingLessons/advanced/Gyro.pptx
@@ -223,7 +223,7 @@
           <a:p>
             <a:fld id="{E354B44E-40A3-0E46-B16A-9BF1250A248B}" type="datetimeFigureOut">
               <a:rPr lang="en-US" smtClean="0"/>
-              <a:t>7/17/19</a:t>
+              <a:t>12/28/19</a:t>
             </a:fld>
             <a:endParaRPr lang="en-US"/>
           </a:p>
@@ -389,7 +389,7 @@
           <a:p>
             <a:fld id="{C86AD16C-2DB4-6642-BAD4-9ED973A087A0}" type="datetimeFigureOut">
               <a:rPr lang="en-US" smtClean="0"/>
-              <a:t>7/17/19</a:t>
+              <a:t>12/28/19</a:t>
             </a:fld>
             <a:endParaRPr lang="en-US"/>
           </a:p>
@@ -1027,7 +1027,7 @@
           <a:p>
             <a:fld id="{B8CD61EB-86A7-2143-909A-671FBD4CCD5D}" type="datetime1">
               <a:rPr lang="en-US" smtClean="0"/>
-              <a:t>7/17/19</a:t>
+              <a:t>12/28/19</a:t>
             </a:fld>
             <a:endParaRPr lang="en-US"/>
           </a:p>
@@ -1573,7 +1573,7 @@
           <a:noFill/>
           <a:extLst>
             <a:ext uri="{909E8E84-426E-40dd-AFC4-6F175D3DCCD1}">
-              <a14:hiddenFill xmlns:a14="http://schemas.microsoft.com/office/drawing/2010/main" xmlns="">
+              <a14:hiddenFill xmlns="" xmlns:a14="http://schemas.microsoft.com/office/drawing/2010/main">
                 <a:solidFill>
                   <a:srgbClr val="FFFFFF"/>
                 </a:solidFill>
@@ -1720,7 +1720,7 @@
           <a:p>
             <a:fld id="{C100E592-9121-CD4C-A5D0-650E85B01007}" type="datetime1">
               <a:rPr lang="en-US" smtClean="0"/>
-              <a:t>7/17/19</a:t>
+              <a:t>12/28/19</a:t>
             </a:fld>
             <a:endParaRPr lang="en-US"/>
           </a:p>
@@ -2174,7 +2174,7 @@
           <a:p>
             <a:fld id="{D17434C9-5DD5-BC42-8D00-C95AA05F9490}" type="datetime1">
               <a:rPr lang="en-US" smtClean="0"/>
-              <a:t>7/17/19</a:t>
+              <a:t>12/28/19</a:t>
             </a:fld>
             <a:endParaRPr lang="en-US" dirty="0"/>
           </a:p>
@@ -2631,7 +2631,7 @@
           <a:p>
             <a:fld id="{3765F00A-3677-6146-BF75-826889CCEDCA}" type="datetime1">
               <a:rPr lang="en-US" smtClean="0"/>
-              <a:t>7/17/19</a:t>
+              <a:t>12/28/19</a:t>
             </a:fld>
             <a:endParaRPr lang="en-US"/>
           </a:p>
@@ -3348,7 +3348,7 @@
           <a:p>
             <a:fld id="{540F61AE-1C41-BA4F-9947-B9B43E7ACD59}" type="datetime1">
               <a:rPr lang="en-US" smtClean="0"/>
-              <a:t>7/17/19</a:t>
+              <a:t>12/28/19</a:t>
             </a:fld>
             <a:endParaRPr lang="en-US"/>
           </a:p>
@@ -3622,7 +3622,7 @@
           <a:p>
             <a:fld id="{A54BB882-2478-FE4A-881F-E1C11FF9B456}" type="datetime1">
               <a:rPr lang="en-US" smtClean="0"/>
-              <a:t>7/17/19</a:t>
+              <a:t>12/28/19</a:t>
             </a:fld>
             <a:endParaRPr lang="en-US"/>
           </a:p>
@@ -3935,7 +3935,7 @@
           <a:p>
             <a:fld id="{A561762A-4F54-4640-B80B-2E9A9CC9D637}" type="datetime1">
               <a:rPr lang="en-US" smtClean="0"/>
-              <a:t>7/17/19</a:t>
+              <a:t>12/28/19</a:t>
             </a:fld>
             <a:endParaRPr lang="en-US"/>
           </a:p>
@@ -4155,7 +4155,7 @@
           <a:p>
             <a:fld id="{809B2184-06D6-3E4E-9390-0071FDC72B08}" type="datetime1">
               <a:rPr lang="en-US" smtClean="0"/>
-              <a:t>7/17/19</a:t>
+              <a:t>12/28/19</a:t>
             </a:fld>
             <a:endParaRPr lang="en-US"/>
           </a:p>
@@ -4434,7 +4434,7 @@
           <a:p>
             <a:fld id="{8798BFBC-4682-9247-893E-49B2B25445E9}" type="datetime1">
               <a:rPr lang="en-US" smtClean="0"/>
-              <a:t>7/17/19</a:t>
+              <a:t>12/28/19</a:t>
             </a:fld>
             <a:endParaRPr lang="en-US" dirty="0"/>
           </a:p>
@@ -4677,7 +4677,7 @@
           <a:p>
             <a:fld id="{251916C3-5C55-6842-81BB-4BDA5AEB10B6}" type="datetime1">
               <a:rPr lang="en-US" smtClean="0"/>
-              <a:t>7/17/19</a:t>
+              <a:t>12/28/19</a:t>
             </a:fld>
             <a:endParaRPr lang="en-US" dirty="0"/>
           </a:p>
@@ -5463,7 +5463,7 @@
           <a:p>
             <a:fld id="{6193FD32-FB04-CD45-91B4-2D0C5581EDE3}" type="datetime1">
               <a:rPr lang="en-US" smtClean="0"/>
-              <a:t>7/17/19</a:t>
+              <a:t>12/28/19</a:t>
             </a:fld>
             <a:endParaRPr lang="en-US"/>
           </a:p>
@@ -5707,7 +5707,7 @@
           <a:p>
             <a:fld id="{576DC0FE-24C6-5542-B19C-469520102976}" type="datetime1">
               <a:rPr lang="en-US" smtClean="0"/>
-              <a:t>7/17/19</a:t>
+              <a:t>12/28/19</a:t>
             </a:fld>
             <a:endParaRPr lang="en-US"/>
           </a:p>
@@ -7562,7 +7562,7 @@
           <a:p>
             <a:fld id="{F9D1C0A9-2B1B-9943-A35C-2A04CA207E70}" type="datetime1">
               <a:rPr lang="en-US" smtClean="0"/>
-              <a:t>7/17/19</a:t>
+              <a:t>12/28/19</a:t>
             </a:fld>
             <a:endParaRPr lang="en-US"/>
           </a:p>
@@ -7653,38 +7653,18 @@
               <a:t>Seshan</a:t>
             </a:r>
             <a:r>
+              <a:rPr lang="en-US"/>
+              <a:t> </a:t>
+            </a:r>
+          </a:p>
+          <a:p>
+            <a:r>
+              <a:rPr lang="en-US"/>
+              <a:t>More </a:t>
+            </a:r>
+            <a:r>
               <a:rPr lang="en-US" dirty="0"/>
-              <a:t> </a:t>
-            </a:r>
-            <a:r>
-              <a:rPr lang="en-US"/>
-              <a:t>and uses </a:t>
-            </a:r>
-            <a:r>
-              <a:rPr lang="en-US" dirty="0"/>
-              <a:t>code shared by Hoosier </a:t>
-            </a:r>
-            <a:r>
-              <a:rPr lang="en-US" dirty="0" err="1"/>
-              <a:t>Girlz</a:t>
-            </a:r>
-            <a:r>
-              <a:rPr lang="en-US" dirty="0"/>
-              <a:t> (http://</a:t>
-            </a:r>
-            <a:r>
-              <a:rPr lang="en-US" dirty="0" err="1"/>
-              <a:t>www.fllhoosiergirlz.com</a:t>
-            </a:r>
-            <a:r>
-              <a:rPr lang="en-US" dirty="0"/>
-              <a:t>)</a:t>
-            </a:r>
-          </a:p>
-          <a:p>
-            <a:r>
-              <a:rPr lang="en-US" dirty="0"/>
-              <a:t>More lessons at www.ev3lessons.com</a:t>
+              <a:t>lessons at www.ev3lessons.com</a:t>
             </a:r>
           </a:p>
         </p:txBody>
@@ -7760,7 +7740,7 @@
           <a:effectLst/>
           <a:extLst>
             <a:ext uri="{91240B29-F687-4f45-9708-019B960494DF}">
-              <a14:hiddenLine xmlns:a14="http://schemas.microsoft.com/office/drawing/2010/main" xmlns="" w="9525">
+              <a14:hiddenLine xmlns="" xmlns:a14="http://schemas.microsoft.com/office/drawing/2010/main" w="9525">
                 <a:solidFill>
                   <a:schemeClr val="tx1"/>
                 </a:solidFill>
@@ -7770,7 +7750,7 @@
               </a14:hiddenLine>
             </a:ext>
             <a:ext uri="{AF507438-7753-43e0-B8FC-AC1667EBCBE1}">
-              <a14:hiddenEffects xmlns:a14="http://schemas.microsoft.com/office/drawing/2010/main" xmlns="">
+              <a14:hiddenEffects xmlns="" xmlns:a14="http://schemas.microsoft.com/office/drawing/2010/main">
                 <a:effectLst>
                   <a:outerShdw dist="35921" dir="2700000" algn="ctr" rotWithShape="0">
                     <a:schemeClr val="bg2"/>
@@ -8111,7 +8091,7 @@
           <a:noFill/>
           <a:extLst>
             <a:ext uri="{909E8E84-426E-40dd-AFC4-6F175D3DCCD1}">
-              <a14:hiddenFill xmlns:a14="http://schemas.microsoft.com/office/drawing/2010/main" xmlns="">
+              <a14:hiddenFill xmlns="" xmlns:a14="http://schemas.microsoft.com/office/drawing/2010/main">
                 <a:solidFill>
                   <a:srgbClr val="FFFFFF"/>
                 </a:solidFill>
@@ -8137,7 +8117,7 @@
           <a:p>
             <a:fld id="{CD848738-2DDE-9B42-91A4-B9D48A936005}" type="datetime1">
               <a:rPr lang="en-US" smtClean="0"/>
-              <a:t>7/17/19</a:t>
+              <a:t>12/28/19</a:t>
             </a:fld>
             <a:endParaRPr lang="en-US"/>
           </a:p>
@@ -8954,7 +8934,7 @@
           <a:p>
             <a:fld id="{504049EF-DCAF-B14F-ACA0-1EE592A878A0}" type="datetime1">
               <a:rPr lang="en-US" smtClean="0"/>
-              <a:t>7/17/19</a:t>
+              <a:t>12/28/19</a:t>
             </a:fld>
             <a:endParaRPr lang="en-US"/>
           </a:p>
@@ -9118,7 +9098,7 @@
           <a:p>
             <a:fld id="{7CAD3490-3091-EB47-9335-B171F325E32C}" type="datetime1">
               <a:rPr lang="en-US" smtClean="0"/>
-              <a:t>7/17/19</a:t>
+              <a:t>12/28/19</a:t>
             </a:fld>
             <a:endParaRPr lang="en-US"/>
           </a:p>
@@ -9321,7 +9301,7 @@
           <a:p>
             <a:fld id="{39D0E7D0-5543-9F4E-93A0-E7A4BCDF0F3E}" type="datetime1">
               <a:rPr lang="en-US" smtClean="0"/>
-              <a:t>7/17/19</a:t>
+              <a:t>12/28/19</a:t>
             </a:fld>
             <a:endParaRPr lang="en-US"/>
           </a:p>
@@ -9490,7 +9470,7 @@
           <a:p>
             <a:fld id="{AC895C39-8ECF-0843-A8DF-609EDBCEAE0B}" type="datetime1">
               <a:rPr lang="en-US" smtClean="0"/>
-              <a:t>7/17/19</a:t>
+              <a:t>12/28/19</a:t>
             </a:fld>
             <a:endParaRPr lang="en-US"/>
           </a:p>
@@ -10315,7 +10295,7 @@
           <a:p>
             <a:fld id="{3653A55C-FE01-F548-B391-70A4C4A8BBBD}" type="datetime1">
               <a:rPr lang="en-US" smtClean="0"/>
-              <a:t>7/17/19</a:t>
+              <a:t>12/28/19</a:t>
             </a:fld>
             <a:endParaRPr lang="en-US"/>
           </a:p>
@@ -10579,7 +10559,7 @@
           <a:p>
             <a:fld id="{C70C6FD9-D304-D74F-9512-2875B01280D3}" type="datetime1">
               <a:rPr lang="en-US" smtClean="0"/>
-              <a:t>7/17/19</a:t>
+              <a:t>12/28/19</a:t>
             </a:fld>
             <a:endParaRPr lang="en-US"/>
           </a:p>
@@ -10859,7 +10839,7 @@
           <a:p>
             <a:fld id="{3BFCB8D7-3BA4-784B-89B8-D4F821C20023}" type="datetime1">
               <a:rPr lang="en-US" smtClean="0"/>
-              <a:t>7/17/19</a:t>
+              <a:t>12/28/19</a:t>
             </a:fld>
             <a:endParaRPr lang="en-US"/>
           </a:p>
@@ -11404,7 +11384,7 @@
           <a:p>
             <a:fld id="{9C72BE0A-9816-CC47-B76D-60C66374C0D1}" type="datetime1">
               <a:rPr lang="en-US" smtClean="0"/>
-              <a:t>7/17/19</a:t>
+              <a:t>12/28/19</a:t>
             </a:fld>
             <a:endParaRPr lang="en-US"/>
           </a:p>
